--- a/docs/figure.pptx
+++ b/docs/figure.pptx
@@ -2,13 +2,12 @@
 <file path=ppt/presentation.xml><?xml version="1.0" encoding="utf-8"?>
 <p:presentation xmlns:a="http://schemas.openxmlformats.org/drawingml/2006/main" xmlns:r="http://schemas.openxmlformats.org/officeDocument/2006/relationships" xmlns:p="http://schemas.openxmlformats.org/presentationml/2006/main" saveSubsetFonts="1">
   <p:sldMasterIdLst>
-    <p:sldMasterId id="2147483696" r:id="rId1"/>
+    <p:sldMasterId id="2147483708" r:id="rId1"/>
   </p:sldMasterIdLst>
   <p:sldIdLst>
     <p:sldId id="256" r:id="rId2"/>
-    <p:sldId id="257" r:id="rId3"/>
   </p:sldIdLst>
-  <p:sldSz cx="8999538" cy="10799763"/>
+  <p:sldSz cx="8999538" cy="12599988"/>
   <p:notesSz cx="6858000" cy="9144000"/>
   <p:defaultTextStyle>
     <a:defPPr>
@@ -105,6 +104,11 @@
       </a:defRPr>
     </a:lvl9pPr>
   </p:defaultTextStyle>
+  <p:extLst>
+    <p:ext uri="{EFAFB233-063F-42B5-8137-9DF3F51BA10A}">
+      <p15:sldGuideLst xmlns:p15="http://schemas.microsoft.com/office/powerpoint/2012/main"/>
+    </p:ext>
+  </p:extLst>
 </p:presentation>
 </file>
 
@@ -137,8 +141,8 @@
         </p:nvSpPr>
         <p:spPr>
           <a:xfrm>
-            <a:off x="674966" y="1767462"/>
-            <a:ext cx="7649607" cy="3759917"/>
+            <a:off x="674966" y="2062083"/>
+            <a:ext cx="7649607" cy="4386662"/>
           </a:xfrm>
         </p:spPr>
         <p:txBody>
@@ -169,8 +173,8 @@
         </p:nvSpPr>
         <p:spPr>
           <a:xfrm>
-            <a:off x="1124942" y="5672376"/>
-            <a:ext cx="6749654" cy="2607442"/>
+            <a:off x="1124942" y="6617911"/>
+            <a:ext cx="6749654" cy="3042080"/>
           </a:xfrm>
         </p:spPr>
         <p:txBody>
@@ -239,7 +243,7 @@
           <a:p>
             <a:fld id="{5E8929CF-35E4-49DC-A48F-DF7B6959BFA4}" type="datetimeFigureOut">
               <a:rPr lang="zh-CN" altLang="en-US" smtClean="0"/>
-              <a:t>2024-10-11</a:t>
+              <a:t>2024/10/12</a:t>
             </a:fld>
             <a:endParaRPr lang="zh-CN" altLang="en-US"/>
           </a:p>
@@ -290,7 +294,7 @@
     </p:spTree>
     <p:extLst>
       <p:ext uri="{BB962C8B-B14F-4D97-AF65-F5344CB8AC3E}">
-        <p14:creationId xmlns:p14="http://schemas.microsoft.com/office/powerpoint/2010/main" val="1471029393"/>
+        <p14:creationId xmlns:p14="http://schemas.microsoft.com/office/powerpoint/2010/main" val="3264256249"/>
       </p:ext>
     </p:extLst>
   </p:cSld>
@@ -409,7 +413,7 @@
           <a:p>
             <a:fld id="{5E8929CF-35E4-49DC-A48F-DF7B6959BFA4}" type="datetimeFigureOut">
               <a:rPr lang="zh-CN" altLang="en-US" smtClean="0"/>
-              <a:t>2024-10-11</a:t>
+              <a:t>2024/10/12</a:t>
             </a:fld>
             <a:endParaRPr lang="zh-CN" altLang="en-US"/>
           </a:p>
@@ -460,7 +464,7 @@
     </p:spTree>
     <p:extLst>
       <p:ext uri="{BB962C8B-B14F-4D97-AF65-F5344CB8AC3E}">
-        <p14:creationId xmlns:p14="http://schemas.microsoft.com/office/powerpoint/2010/main" val="1305785350"/>
+        <p14:creationId xmlns:p14="http://schemas.microsoft.com/office/powerpoint/2010/main" val="4148551930"/>
       </p:ext>
     </p:extLst>
   </p:cSld>
@@ -499,8 +503,8 @@
         </p:nvSpPr>
         <p:spPr>
           <a:xfrm>
-            <a:off x="6440295" y="574987"/>
-            <a:ext cx="1940525" cy="9152300"/>
+            <a:off x="6440295" y="670833"/>
+            <a:ext cx="1940525" cy="10677907"/>
           </a:xfrm>
         </p:spPr>
         <p:txBody>
@@ -527,8 +531,8 @@
         </p:nvSpPr>
         <p:spPr>
           <a:xfrm>
-            <a:off x="618719" y="574987"/>
-            <a:ext cx="5709082" cy="9152300"/>
+            <a:off x="618719" y="670833"/>
+            <a:ext cx="5709082" cy="10677907"/>
           </a:xfrm>
         </p:spPr>
         <p:txBody>
@@ -589,7 +593,7 @@
           <a:p>
             <a:fld id="{5E8929CF-35E4-49DC-A48F-DF7B6959BFA4}" type="datetimeFigureOut">
               <a:rPr lang="zh-CN" altLang="en-US" smtClean="0"/>
-              <a:t>2024-10-11</a:t>
+              <a:t>2024/10/12</a:t>
             </a:fld>
             <a:endParaRPr lang="zh-CN" altLang="en-US"/>
           </a:p>
@@ -640,7 +644,7 @@
     </p:spTree>
     <p:extLst>
       <p:ext uri="{BB962C8B-B14F-4D97-AF65-F5344CB8AC3E}">
-        <p14:creationId xmlns:p14="http://schemas.microsoft.com/office/powerpoint/2010/main" val="1867494270"/>
+        <p14:creationId xmlns:p14="http://schemas.microsoft.com/office/powerpoint/2010/main" val="3505358972"/>
       </p:ext>
     </p:extLst>
   </p:cSld>
@@ -759,7 +763,7 @@
           <a:p>
             <a:fld id="{5E8929CF-35E4-49DC-A48F-DF7B6959BFA4}" type="datetimeFigureOut">
               <a:rPr lang="zh-CN" altLang="en-US" smtClean="0"/>
-              <a:t>2024-10-11</a:t>
+              <a:t>2024/10/12</a:t>
             </a:fld>
             <a:endParaRPr lang="zh-CN" altLang="en-US"/>
           </a:p>
@@ -810,7 +814,7 @@
     </p:spTree>
     <p:extLst>
       <p:ext uri="{BB962C8B-B14F-4D97-AF65-F5344CB8AC3E}">
-        <p14:creationId xmlns:p14="http://schemas.microsoft.com/office/powerpoint/2010/main" val="2038604967"/>
+        <p14:creationId xmlns:p14="http://schemas.microsoft.com/office/powerpoint/2010/main" val="4271248726"/>
       </p:ext>
     </p:extLst>
   </p:cSld>
@@ -849,8 +853,8 @@
         </p:nvSpPr>
         <p:spPr>
           <a:xfrm>
-            <a:off x="614031" y="2692444"/>
-            <a:ext cx="7762102" cy="4492401"/>
+            <a:off x="614031" y="3141251"/>
+            <a:ext cx="7762102" cy="5241244"/>
           </a:xfrm>
         </p:spPr>
         <p:txBody>
@@ -881,8 +885,8 @@
         </p:nvSpPr>
         <p:spPr>
           <a:xfrm>
-            <a:off x="614031" y="7227345"/>
-            <a:ext cx="7762102" cy="2362447"/>
+            <a:off x="614031" y="8432079"/>
+            <a:ext cx="7762102" cy="2756246"/>
           </a:xfrm>
         </p:spPr>
         <p:txBody>
@@ -1005,7 +1009,7 @@
           <a:p>
             <a:fld id="{5E8929CF-35E4-49DC-A48F-DF7B6959BFA4}" type="datetimeFigureOut">
               <a:rPr lang="zh-CN" altLang="en-US" smtClean="0"/>
-              <a:t>2024-10-11</a:t>
+              <a:t>2024/10/12</a:t>
             </a:fld>
             <a:endParaRPr lang="zh-CN" altLang="en-US"/>
           </a:p>
@@ -1056,7 +1060,7 @@
     </p:spTree>
     <p:extLst>
       <p:ext uri="{BB962C8B-B14F-4D97-AF65-F5344CB8AC3E}">
-        <p14:creationId xmlns:p14="http://schemas.microsoft.com/office/powerpoint/2010/main" val="1989502330"/>
+        <p14:creationId xmlns:p14="http://schemas.microsoft.com/office/powerpoint/2010/main" val="3833977202"/>
       </p:ext>
     </p:extLst>
   </p:cSld>
@@ -1118,8 +1122,8 @@
         </p:nvSpPr>
         <p:spPr>
           <a:xfrm>
-            <a:off x="618718" y="2874937"/>
-            <a:ext cx="3824804" cy="6852350"/>
+            <a:off x="618718" y="3354163"/>
+            <a:ext cx="3824804" cy="7994577"/>
           </a:xfrm>
         </p:spPr>
         <p:txBody>
@@ -1175,8 +1179,8 @@
         </p:nvSpPr>
         <p:spPr>
           <a:xfrm>
-            <a:off x="4556016" y="2874937"/>
-            <a:ext cx="3824804" cy="6852350"/>
+            <a:off x="4556016" y="3354163"/>
+            <a:ext cx="3824804" cy="7994577"/>
           </a:xfrm>
         </p:spPr>
         <p:txBody>
@@ -1237,7 +1241,7 @@
           <a:p>
             <a:fld id="{5E8929CF-35E4-49DC-A48F-DF7B6959BFA4}" type="datetimeFigureOut">
               <a:rPr lang="zh-CN" altLang="en-US" smtClean="0"/>
-              <a:t>2024-10-11</a:t>
+              <a:t>2024/10/12</a:t>
             </a:fld>
             <a:endParaRPr lang="zh-CN" altLang="en-US"/>
           </a:p>
@@ -1288,7 +1292,7 @@
     </p:spTree>
     <p:extLst>
       <p:ext uri="{BB962C8B-B14F-4D97-AF65-F5344CB8AC3E}">
-        <p14:creationId xmlns:p14="http://schemas.microsoft.com/office/powerpoint/2010/main" val="1284098131"/>
+        <p14:creationId xmlns:p14="http://schemas.microsoft.com/office/powerpoint/2010/main" val="2522666469"/>
       </p:ext>
     </p:extLst>
   </p:cSld>
@@ -1327,8 +1331,8 @@
         </p:nvSpPr>
         <p:spPr>
           <a:xfrm>
-            <a:off x="619890" y="574990"/>
-            <a:ext cx="7762102" cy="2087455"/>
+            <a:off x="619890" y="670836"/>
+            <a:ext cx="7762102" cy="2435415"/>
           </a:xfrm>
         </p:spPr>
         <p:txBody>
@@ -1355,8 +1359,8 @@
         </p:nvSpPr>
         <p:spPr>
           <a:xfrm>
-            <a:off x="619891" y="2647443"/>
-            <a:ext cx="3807226" cy="1297471"/>
+            <a:off x="619891" y="3088748"/>
+            <a:ext cx="3807226" cy="1513748"/>
           </a:xfrm>
         </p:spPr>
         <p:txBody>
@@ -1420,8 +1424,8 @@
         </p:nvSpPr>
         <p:spPr>
           <a:xfrm>
-            <a:off x="619891" y="3944914"/>
-            <a:ext cx="3807226" cy="5802373"/>
+            <a:off x="619891" y="4602496"/>
+            <a:ext cx="3807226" cy="6769578"/>
           </a:xfrm>
         </p:spPr>
         <p:txBody>
@@ -1477,8 +1481,8 @@
         </p:nvSpPr>
         <p:spPr>
           <a:xfrm>
-            <a:off x="4556017" y="2647443"/>
-            <a:ext cx="3825976" cy="1297471"/>
+            <a:off x="4556017" y="3088748"/>
+            <a:ext cx="3825976" cy="1513748"/>
           </a:xfrm>
         </p:spPr>
         <p:txBody>
@@ -1542,8 +1546,8 @@
         </p:nvSpPr>
         <p:spPr>
           <a:xfrm>
-            <a:off x="4556017" y="3944914"/>
-            <a:ext cx="3825976" cy="5802373"/>
+            <a:off x="4556017" y="4602496"/>
+            <a:ext cx="3825976" cy="6769578"/>
           </a:xfrm>
         </p:spPr>
         <p:txBody>
@@ -1604,7 +1608,7 @@
           <a:p>
             <a:fld id="{5E8929CF-35E4-49DC-A48F-DF7B6959BFA4}" type="datetimeFigureOut">
               <a:rPr lang="zh-CN" altLang="en-US" smtClean="0"/>
-              <a:t>2024-10-11</a:t>
+              <a:t>2024/10/12</a:t>
             </a:fld>
             <a:endParaRPr lang="zh-CN" altLang="en-US"/>
           </a:p>
@@ -1655,7 +1659,7 @@
     </p:spTree>
     <p:extLst>
       <p:ext uri="{BB962C8B-B14F-4D97-AF65-F5344CB8AC3E}">
-        <p14:creationId xmlns:p14="http://schemas.microsoft.com/office/powerpoint/2010/main" val="4182610492"/>
+        <p14:creationId xmlns:p14="http://schemas.microsoft.com/office/powerpoint/2010/main" val="556132668"/>
       </p:ext>
     </p:extLst>
   </p:cSld>
@@ -1722,7 +1726,7 @@
           <a:p>
             <a:fld id="{5E8929CF-35E4-49DC-A48F-DF7B6959BFA4}" type="datetimeFigureOut">
               <a:rPr lang="zh-CN" altLang="en-US" smtClean="0"/>
-              <a:t>2024-10-11</a:t>
+              <a:t>2024/10/12</a:t>
             </a:fld>
             <a:endParaRPr lang="zh-CN" altLang="en-US"/>
           </a:p>
@@ -1773,7 +1777,7 @@
     </p:spTree>
     <p:extLst>
       <p:ext uri="{BB962C8B-B14F-4D97-AF65-F5344CB8AC3E}">
-        <p14:creationId xmlns:p14="http://schemas.microsoft.com/office/powerpoint/2010/main" val="3083116424"/>
+        <p14:creationId xmlns:p14="http://schemas.microsoft.com/office/powerpoint/2010/main" val="1256930898"/>
       </p:ext>
     </p:extLst>
   </p:cSld>
@@ -1817,7 +1821,7 @@
           <a:p>
             <a:fld id="{5E8929CF-35E4-49DC-A48F-DF7B6959BFA4}" type="datetimeFigureOut">
               <a:rPr lang="zh-CN" altLang="en-US" smtClean="0"/>
-              <a:t>2024-10-11</a:t>
+              <a:t>2024/10/12</a:t>
             </a:fld>
             <a:endParaRPr lang="zh-CN" altLang="en-US"/>
           </a:p>
@@ -1868,7 +1872,7 @@
     </p:spTree>
     <p:extLst>
       <p:ext uri="{BB962C8B-B14F-4D97-AF65-F5344CB8AC3E}">
-        <p14:creationId xmlns:p14="http://schemas.microsoft.com/office/powerpoint/2010/main" val="3462066117"/>
+        <p14:creationId xmlns:p14="http://schemas.microsoft.com/office/powerpoint/2010/main" val="346670598"/>
       </p:ext>
     </p:extLst>
   </p:cSld>
@@ -1907,8 +1911,8 @@
         </p:nvSpPr>
         <p:spPr>
           <a:xfrm>
-            <a:off x="619891" y="719984"/>
-            <a:ext cx="2902585" cy="2519945"/>
+            <a:off x="619891" y="839999"/>
+            <a:ext cx="2902585" cy="2939997"/>
           </a:xfrm>
         </p:spPr>
         <p:txBody>
@@ -1939,8 +1943,8 @@
         </p:nvSpPr>
         <p:spPr>
           <a:xfrm>
-            <a:off x="3825976" y="1554968"/>
-            <a:ext cx="4556016" cy="7674832"/>
+            <a:off x="3825976" y="1814168"/>
+            <a:ext cx="4556016" cy="8954158"/>
           </a:xfrm>
         </p:spPr>
         <p:txBody>
@@ -2024,8 +2028,8 @@
         </p:nvSpPr>
         <p:spPr>
           <a:xfrm>
-            <a:off x="619891" y="3239929"/>
-            <a:ext cx="2902585" cy="6002369"/>
+            <a:off x="619891" y="3779996"/>
+            <a:ext cx="2902585" cy="7002911"/>
           </a:xfrm>
         </p:spPr>
         <p:txBody>
@@ -2094,7 +2098,7 @@
           <a:p>
             <a:fld id="{5E8929CF-35E4-49DC-A48F-DF7B6959BFA4}" type="datetimeFigureOut">
               <a:rPr lang="zh-CN" altLang="en-US" smtClean="0"/>
-              <a:t>2024-10-11</a:t>
+              <a:t>2024/10/12</a:t>
             </a:fld>
             <a:endParaRPr lang="zh-CN" altLang="en-US"/>
           </a:p>
@@ -2145,7 +2149,7 @@
     </p:spTree>
     <p:extLst>
       <p:ext uri="{BB962C8B-B14F-4D97-AF65-F5344CB8AC3E}">
-        <p14:creationId xmlns:p14="http://schemas.microsoft.com/office/powerpoint/2010/main" val="3289646640"/>
+        <p14:creationId xmlns:p14="http://schemas.microsoft.com/office/powerpoint/2010/main" val="2315414377"/>
       </p:ext>
     </p:extLst>
   </p:cSld>
@@ -2184,8 +2188,8 @@
         </p:nvSpPr>
         <p:spPr>
           <a:xfrm>
-            <a:off x="619891" y="719984"/>
-            <a:ext cx="2902585" cy="2519945"/>
+            <a:off x="619891" y="839999"/>
+            <a:ext cx="2902585" cy="2939997"/>
           </a:xfrm>
         </p:spPr>
         <p:txBody>
@@ -2216,8 +2220,8 @@
         </p:nvSpPr>
         <p:spPr>
           <a:xfrm>
-            <a:off x="3825976" y="1554968"/>
-            <a:ext cx="4556016" cy="7674832"/>
+            <a:off x="3825976" y="1814168"/>
+            <a:ext cx="4556016" cy="8954158"/>
           </a:xfrm>
         </p:spPr>
         <p:txBody>
@@ -2281,8 +2285,8 @@
         </p:nvSpPr>
         <p:spPr>
           <a:xfrm>
-            <a:off x="619891" y="3239929"/>
-            <a:ext cx="2902585" cy="6002369"/>
+            <a:off x="619891" y="3779996"/>
+            <a:ext cx="2902585" cy="7002911"/>
           </a:xfrm>
         </p:spPr>
         <p:txBody>
@@ -2351,7 +2355,7 @@
           <a:p>
             <a:fld id="{5E8929CF-35E4-49DC-A48F-DF7B6959BFA4}" type="datetimeFigureOut">
               <a:rPr lang="zh-CN" altLang="en-US" smtClean="0"/>
-              <a:t>2024-10-11</a:t>
+              <a:t>2024/10/12</a:t>
             </a:fld>
             <a:endParaRPr lang="zh-CN" altLang="en-US"/>
           </a:p>
@@ -2402,7 +2406,7 @@
     </p:spTree>
     <p:extLst>
       <p:ext uri="{BB962C8B-B14F-4D97-AF65-F5344CB8AC3E}">
-        <p14:creationId xmlns:p14="http://schemas.microsoft.com/office/powerpoint/2010/main" val="495151714"/>
+        <p14:creationId xmlns:p14="http://schemas.microsoft.com/office/powerpoint/2010/main" val="1031028987"/>
       </p:ext>
     </p:extLst>
   </p:cSld>
@@ -2446,8 +2450,8 @@
         </p:nvSpPr>
         <p:spPr>
           <a:xfrm>
-            <a:off x="618718" y="574990"/>
-            <a:ext cx="7762102" cy="2087455"/>
+            <a:off x="618718" y="670836"/>
+            <a:ext cx="7762102" cy="2435415"/>
           </a:xfrm>
           <a:prstGeom prst="rect">
             <a:avLst/>
@@ -2479,8 +2483,8 @@
         </p:nvSpPr>
         <p:spPr>
           <a:xfrm>
-            <a:off x="618718" y="2874937"/>
-            <a:ext cx="7762102" cy="6852350"/>
+            <a:off x="618718" y="3354163"/>
+            <a:ext cx="7762102" cy="7994577"/>
           </a:xfrm>
           <a:prstGeom prst="rect">
             <a:avLst/>
@@ -2541,8 +2545,8 @@
         </p:nvSpPr>
         <p:spPr>
           <a:xfrm>
-            <a:off x="618718" y="10009783"/>
-            <a:ext cx="2024896" cy="574987"/>
+            <a:off x="618718" y="11678325"/>
+            <a:ext cx="2024896" cy="670833"/>
           </a:xfrm>
           <a:prstGeom prst="rect">
             <a:avLst/>
@@ -2564,7 +2568,7 @@
           <a:p>
             <a:fld id="{5E8929CF-35E4-49DC-A48F-DF7B6959BFA4}" type="datetimeFigureOut">
               <a:rPr lang="zh-CN" altLang="en-US" smtClean="0"/>
-              <a:t>2024-10-11</a:t>
+              <a:t>2024/10/12</a:t>
             </a:fld>
             <a:endParaRPr lang="zh-CN" altLang="en-US"/>
           </a:p>
@@ -2582,8 +2586,8 @@
         </p:nvSpPr>
         <p:spPr>
           <a:xfrm>
-            <a:off x="2981097" y="10009783"/>
-            <a:ext cx="3037344" cy="574987"/>
+            <a:off x="2981097" y="11678325"/>
+            <a:ext cx="3037344" cy="670833"/>
           </a:xfrm>
           <a:prstGeom prst="rect">
             <a:avLst/>
@@ -2619,8 +2623,8 @@
         </p:nvSpPr>
         <p:spPr>
           <a:xfrm>
-            <a:off x="6355924" y="10009783"/>
-            <a:ext cx="2024896" cy="574987"/>
+            <a:off x="6355924" y="11678325"/>
+            <a:ext cx="2024896" cy="670833"/>
           </a:xfrm>
           <a:prstGeom prst="rect">
             <a:avLst/>
@@ -2651,23 +2655,23 @@
     </p:spTree>
     <p:extLst>
       <p:ext uri="{BB962C8B-B14F-4D97-AF65-F5344CB8AC3E}">
-        <p14:creationId xmlns:p14="http://schemas.microsoft.com/office/powerpoint/2010/main" val="3691683233"/>
+        <p14:creationId xmlns:p14="http://schemas.microsoft.com/office/powerpoint/2010/main" val="2683591887"/>
       </p:ext>
     </p:extLst>
   </p:cSld>
   <p:clrMap bg1="lt1" tx1="dk1" bg2="lt2" tx2="dk2" accent1="accent1" accent2="accent2" accent3="accent3" accent4="accent4" accent5="accent5" accent6="accent6" hlink="hlink" folHlink="folHlink"/>
   <p:sldLayoutIdLst>
-    <p:sldLayoutId id="2147483697" r:id="rId1"/>
-    <p:sldLayoutId id="2147483698" r:id="rId2"/>
-    <p:sldLayoutId id="2147483699" r:id="rId3"/>
-    <p:sldLayoutId id="2147483700" r:id="rId4"/>
-    <p:sldLayoutId id="2147483701" r:id="rId5"/>
-    <p:sldLayoutId id="2147483702" r:id="rId6"/>
-    <p:sldLayoutId id="2147483703" r:id="rId7"/>
-    <p:sldLayoutId id="2147483704" r:id="rId8"/>
-    <p:sldLayoutId id="2147483705" r:id="rId9"/>
-    <p:sldLayoutId id="2147483706" r:id="rId10"/>
-    <p:sldLayoutId id="2147483707" r:id="rId11"/>
+    <p:sldLayoutId id="2147483709" r:id="rId1"/>
+    <p:sldLayoutId id="2147483710" r:id="rId2"/>
+    <p:sldLayoutId id="2147483711" r:id="rId3"/>
+    <p:sldLayoutId id="2147483712" r:id="rId4"/>
+    <p:sldLayoutId id="2147483713" r:id="rId5"/>
+    <p:sldLayoutId id="2147483714" r:id="rId6"/>
+    <p:sldLayoutId id="2147483715" r:id="rId7"/>
+    <p:sldLayoutId id="2147483716" r:id="rId8"/>
+    <p:sldLayoutId id="2147483717" r:id="rId9"/>
+    <p:sldLayoutId id="2147483718" r:id="rId10"/>
+    <p:sldLayoutId id="2147483719" r:id="rId11"/>
   </p:sldLayoutIdLst>
   <p:txStyles>
     <p:titleStyle>
@@ -2969,12 +2973,141 @@
           <a:chExt cx="0" cy="0"/>
         </a:xfrm>
       </p:grpSpPr>
+      <p:sp>
+        <p:nvSpPr>
+          <p:cNvPr id="12" name="任意多边形: 形状 11">
+            <a:extLst>
+              <a:ext uri="{FF2B5EF4-FFF2-40B4-BE49-F238E27FC236}">
+                <a16:creationId xmlns:a16="http://schemas.microsoft.com/office/drawing/2014/main" id="{F44F9587-D98A-984B-C039-C9B952863701}"/>
+              </a:ext>
+            </a:extLst>
+          </p:cNvPr>
+          <p:cNvSpPr/>
+          <p:nvPr/>
+        </p:nvSpPr>
+        <p:spPr>
+          <a:xfrm>
+            <a:off x="375940" y="523958"/>
+            <a:ext cx="8307559" cy="369333"/>
+          </a:xfrm>
+          <a:custGeom>
+            <a:avLst/>
+            <a:gdLst>
+              <a:gd name="connsiteX0" fmla="*/ 342907 w 8515350"/>
+              <a:gd name="connsiteY0" fmla="*/ 0 h 449580"/>
+              <a:gd name="connsiteX1" fmla="*/ 8172443 w 8515350"/>
+              <a:gd name="connsiteY1" fmla="*/ 0 h 449580"/>
+              <a:gd name="connsiteX2" fmla="*/ 8515350 w 8515350"/>
+              <a:gd name="connsiteY2" fmla="*/ 288296 h 449580"/>
+              <a:gd name="connsiteX3" fmla="*/ 8515350 w 8515350"/>
+              <a:gd name="connsiteY3" fmla="*/ 449580 h 449580"/>
+              <a:gd name="connsiteX4" fmla="*/ 0 w 8515350"/>
+              <a:gd name="connsiteY4" fmla="*/ 449580 h 449580"/>
+              <a:gd name="connsiteX5" fmla="*/ 0 w 8515350"/>
+              <a:gd name="connsiteY5" fmla="*/ 288296 h 449580"/>
+              <a:gd name="connsiteX6" fmla="*/ 342907 w 8515350"/>
+              <a:gd name="connsiteY6" fmla="*/ 0 h 449580"/>
+            </a:gdLst>
+            <a:ahLst/>
+            <a:cxnLst>
+              <a:cxn ang="0">
+                <a:pos x="connsiteX0" y="connsiteY0"/>
+              </a:cxn>
+              <a:cxn ang="0">
+                <a:pos x="connsiteX1" y="connsiteY1"/>
+              </a:cxn>
+              <a:cxn ang="0">
+                <a:pos x="connsiteX2" y="connsiteY2"/>
+              </a:cxn>
+              <a:cxn ang="0">
+                <a:pos x="connsiteX3" y="connsiteY3"/>
+              </a:cxn>
+              <a:cxn ang="0">
+                <a:pos x="connsiteX4" y="connsiteY4"/>
+              </a:cxn>
+              <a:cxn ang="0">
+                <a:pos x="connsiteX5" y="connsiteY5"/>
+              </a:cxn>
+              <a:cxn ang="0">
+                <a:pos x="connsiteX6" y="connsiteY6"/>
+              </a:cxn>
+            </a:cxnLst>
+            <a:rect l="l" t="t" r="r" b="b"/>
+            <a:pathLst>
+              <a:path w="8515350" h="449580">
+                <a:moveTo>
+                  <a:pt x="342907" y="0"/>
+                </a:moveTo>
+                <a:lnTo>
+                  <a:pt x="8172443" y="0"/>
+                </a:lnTo>
+                <a:cubicBezTo>
+                  <a:pt x="8361825" y="0"/>
+                  <a:pt x="8515350" y="129075"/>
+                  <a:pt x="8515350" y="288296"/>
+                </a:cubicBezTo>
+                <a:lnTo>
+                  <a:pt x="8515350" y="449580"/>
+                </a:lnTo>
+                <a:lnTo>
+                  <a:pt x="0" y="449580"/>
+                </a:lnTo>
+                <a:lnTo>
+                  <a:pt x="0" y="288296"/>
+                </a:lnTo>
+                <a:cubicBezTo>
+                  <a:pt x="0" y="129075"/>
+                  <a:pt x="153525" y="0"/>
+                  <a:pt x="342907" y="0"/>
+                </a:cubicBezTo>
+                <a:close/>
+              </a:path>
+            </a:pathLst>
+          </a:custGeom>
+          <a:solidFill>
+            <a:srgbClr val="D9D9D9"/>
+          </a:solidFill>
+          <a:ln>
+            <a:noFill/>
+            <a:round/>
+          </a:ln>
+          <a:effectLst>
+            <a:softEdge rad="0"/>
+          </a:effectLst>
+        </p:spPr>
+        <p:style>
+          <a:lnRef idx="2">
+            <a:schemeClr val="accent1">
+              <a:shade val="15000"/>
+            </a:schemeClr>
+          </a:lnRef>
+          <a:fillRef idx="1">
+            <a:schemeClr val="accent1"/>
+          </a:fillRef>
+          <a:effectRef idx="0">
+            <a:schemeClr val="accent1"/>
+          </a:effectRef>
+          <a:fontRef idx="minor">
+            <a:schemeClr val="lt1"/>
+          </a:fontRef>
+        </p:style>
+        <p:txBody>
+          <a:bodyPr wrap="square" rtlCol="0" anchor="ctr">
+            <a:noAutofit/>
+          </a:bodyPr>
+          <a:lstStyle/>
+          <a:p>
+            <a:pPr algn="ctr"/>
+            <a:endParaRPr lang="zh-CN" altLang="en-US" dirty="0"/>
+          </a:p>
+        </p:txBody>
+      </p:sp>
       <p:pic>
         <p:nvPicPr>
-          <p:cNvPr id="79" name="图片 78" descr="图表, 散点图&#10;&#10;描述已自动生成">
+          <p:cNvPr id="3" name="图片 2" descr="日历&#10;&#10;描述已自动生成">
             <a:extLst>
               <a:ext uri="{FF2B5EF4-FFF2-40B4-BE49-F238E27FC236}">
-                <a16:creationId xmlns:a16="http://schemas.microsoft.com/office/drawing/2014/main" id="{C489AB44-FF07-51B3-0522-66B3A5472CF3}"/>
+                <a16:creationId xmlns:a16="http://schemas.microsoft.com/office/drawing/2014/main" id="{17A8B4F0-9B88-45FC-E0D4-BEBF207B5D94}"/>
               </a:ext>
             </a:extLst>
           </p:cNvPr>
@@ -2991,13 +3124,14 @@
               </a:ext>
             </a:extLst>
           </a:blip>
-          <a:srcRect b="5682"/>
-          <a:stretch/>
+          <a:stretch>
+            <a:fillRect/>
+          </a:stretch>
         </p:blipFill>
         <p:spPr>
           <a:xfrm>
-            <a:off x="3438347" y="7636590"/>
-            <a:ext cx="5334324" cy="2874993"/>
+            <a:off x="0" y="1653355"/>
+            <a:ext cx="8999538" cy="7071464"/>
           </a:xfrm>
           <a:prstGeom prst="rect">
             <a:avLst/>
@@ -3006,10 +3140,10 @@
       </p:pic>
       <p:pic>
         <p:nvPicPr>
-          <p:cNvPr id="5" name="图片 4">
+          <p:cNvPr id="79" name="图片 78" descr="图表, 散点图&#10;&#10;描述已自动生成">
             <a:extLst>
               <a:ext uri="{FF2B5EF4-FFF2-40B4-BE49-F238E27FC236}">
-                <a16:creationId xmlns:a16="http://schemas.microsoft.com/office/drawing/2014/main" id="{A3C20D4C-5D32-3C07-4CA2-E7163F5EC313}"/>
+                <a16:creationId xmlns:a16="http://schemas.microsoft.com/office/drawing/2014/main" id="{C489AB44-FF07-51B3-0522-66B3A5472CF3}"/>
               </a:ext>
             </a:extLst>
           </p:cNvPr>
@@ -3026,14 +3160,13 @@
               </a:ext>
             </a:extLst>
           </a:blip>
-          <a:stretch>
-            <a:fillRect/>
-          </a:stretch>
+          <a:srcRect b="5682"/>
+          <a:stretch/>
         </p:blipFill>
         <p:spPr>
           <a:xfrm>
-            <a:off x="101600" y="976136"/>
-            <a:ext cx="8796338" cy="5496520"/>
+            <a:off x="3438347" y="9430139"/>
+            <a:ext cx="5334324" cy="2874993"/>
           </a:xfrm>
           <a:prstGeom prst="rect">
             <a:avLst/>
@@ -3054,10 +3187,10 @@
         </p:nvGrpSpPr>
         <p:grpSpPr>
           <a:xfrm>
-            <a:off x="483635" y="303993"/>
-            <a:ext cx="3966376" cy="633746"/>
+            <a:off x="532421" y="899379"/>
+            <a:ext cx="3966376" cy="664524"/>
             <a:chOff x="483635" y="96906"/>
-            <a:chExt cx="3966376" cy="633746"/>
+            <a:chExt cx="3966376" cy="628090"/>
           </a:xfrm>
         </p:grpSpPr>
         <p:cxnSp>
@@ -3114,7 +3247,7 @@
           <p:spPr>
             <a:xfrm>
               <a:off x="1752180" y="96906"/>
-              <a:ext cx="1426408" cy="307777"/>
+              <a:ext cx="1426408" cy="290902"/>
             </a:xfrm>
             <a:prstGeom prst="rect">
               <a:avLst/>
@@ -3176,9 +3309,9 @@
           <p:grpSpPr>
             <a:xfrm>
               <a:off x="1936598" y="437840"/>
-              <a:ext cx="1060450" cy="276999"/>
+              <a:ext cx="1060450" cy="271343"/>
               <a:chOff x="1966824" y="437840"/>
-              <a:chExt cx="1060450" cy="276999"/>
+              <a:chExt cx="1060450" cy="271343"/>
             </a:xfrm>
           </p:grpSpPr>
           <p:cxnSp>
@@ -3235,7 +3368,7 @@
             <p:spPr>
               <a:xfrm>
                 <a:off x="2015610" y="437840"/>
-                <a:ext cx="962878" cy="276999"/>
+                <a:ext cx="962878" cy="261812"/>
               </a:xfrm>
               <a:prstGeom prst="rect">
                 <a:avLst/>
@@ -3275,9 +3408,9 @@
           <p:grpSpPr>
             <a:xfrm>
               <a:off x="483635" y="453653"/>
-              <a:ext cx="1060450" cy="276999"/>
+              <a:ext cx="1060450" cy="271343"/>
               <a:chOff x="1966824" y="437840"/>
-              <a:chExt cx="1060450" cy="276999"/>
+              <a:chExt cx="1060450" cy="271343"/>
             </a:xfrm>
           </p:grpSpPr>
           <p:cxnSp>
@@ -3334,7 +3467,7 @@
             <p:spPr>
               <a:xfrm>
                 <a:off x="2064396" y="437840"/>
-                <a:ext cx="865306" cy="276999"/>
+                <a:ext cx="865306" cy="261812"/>
               </a:xfrm>
               <a:prstGeom prst="rect">
                 <a:avLst/>
@@ -3374,9 +3507,9 @@
           <p:grpSpPr>
             <a:xfrm>
               <a:off x="3389561" y="435726"/>
-              <a:ext cx="1060450" cy="276999"/>
+              <a:ext cx="1060450" cy="271343"/>
               <a:chOff x="1966824" y="437840"/>
-              <a:chExt cx="1060450" cy="276999"/>
+              <a:chExt cx="1060450" cy="271343"/>
             </a:xfrm>
           </p:grpSpPr>
           <p:cxnSp>
@@ -3433,7 +3566,7 @@
             <p:spPr>
               <a:xfrm>
                 <a:off x="2015610" y="437840"/>
-                <a:ext cx="962878" cy="276999"/>
+                <a:ext cx="962878" cy="261812"/>
               </a:xfrm>
               <a:prstGeom prst="rect">
                 <a:avLst/>
@@ -3473,7 +3606,7 @@
         </p:nvGrpSpPr>
         <p:grpSpPr>
           <a:xfrm>
-            <a:off x="4891310" y="288180"/>
+            <a:off x="5033162" y="901106"/>
             <a:ext cx="3966376" cy="633746"/>
             <a:chOff x="483635" y="96906"/>
             <a:chExt cx="3966376" cy="633746"/>
@@ -3892,10 +4025,10 @@
         </p:nvGrpSpPr>
         <p:grpSpPr>
           <a:xfrm>
-            <a:off x="79994" y="7753316"/>
-            <a:ext cx="3034117" cy="3029649"/>
-            <a:chOff x="205402" y="6314438"/>
-            <a:chExt cx="3034117" cy="3029649"/>
+            <a:off x="50613" y="9546864"/>
+            <a:ext cx="3063498" cy="3086250"/>
+            <a:chOff x="206632" y="6314438"/>
+            <a:chExt cx="3032887" cy="3024742"/>
           </a:xfrm>
         </p:grpSpPr>
         <p:cxnSp>
@@ -4005,7 +4138,7 @@
           <p:spPr>
             <a:xfrm>
               <a:off x="1037959" y="9097866"/>
-              <a:ext cx="1797277" cy="246221"/>
+              <a:ext cx="1797277" cy="241314"/>
             </a:xfrm>
             <a:prstGeom prst="rect">
               <a:avLst/>
@@ -4043,8 +4176,8 @@
           </p:nvSpPr>
           <p:spPr>
             <a:xfrm rot="16200000">
-              <a:off x="-570126" y="7492560"/>
-              <a:ext cx="1797277" cy="246221"/>
+              <a:off x="-570126" y="7493790"/>
+              <a:ext cx="1797277" cy="243761"/>
             </a:xfrm>
             <a:prstGeom prst="rect">
               <a:avLst/>
@@ -4083,7 +4216,7 @@
         </p:nvSpPr>
         <p:spPr>
           <a:xfrm>
-            <a:off x="79993" y="346031"/>
+            <a:off x="79993" y="270895"/>
             <a:ext cx="395220" cy="369332"/>
           </a:xfrm>
           <a:prstGeom prst="rect">
@@ -4122,7 +4255,7 @@
         </p:nvSpPr>
         <p:spPr>
           <a:xfrm>
-            <a:off x="79993" y="6772573"/>
+            <a:off x="79993" y="8642812"/>
             <a:ext cx="395220" cy="369332"/>
           </a:xfrm>
           <a:prstGeom prst="rect">
@@ -4161,7 +4294,7 @@
         </p:nvSpPr>
         <p:spPr>
           <a:xfrm>
-            <a:off x="3250738" y="6772573"/>
+            <a:off x="3250738" y="8642812"/>
             <a:ext cx="395220" cy="369332"/>
           </a:xfrm>
           <a:prstGeom prst="rect">
@@ -4214,7 +4347,7 @@
         </p:blipFill>
         <p:spPr>
           <a:xfrm>
-            <a:off x="360000" y="7681656"/>
+            <a:off x="360000" y="9475203"/>
             <a:ext cx="2808000" cy="2808000"/>
           </a:xfrm>
           <a:prstGeom prst="rect">
@@ -4237,7 +4370,7 @@
           <p:nvPr/>
         </p:nvPicPr>
         <p:blipFill>
-          <a:blip r:embed="rId2">
+          <a:blip r:embed="rId3">
             <a:extLst>
               <a:ext uri="{28A0092B-C50C-407E-A947-70E740481C1C}">
                 <a14:useLocalDpi xmlns:a14="http://schemas.microsoft.com/office/drawing/2010/main" val="0"/>
@@ -4249,7 +4382,7 @@
         </p:blipFill>
         <p:spPr>
           <a:xfrm>
-            <a:off x="3409849" y="10580478"/>
+            <a:off x="3409850" y="12410976"/>
             <a:ext cx="5334324" cy="158750"/>
           </a:xfrm>
           <a:prstGeom prst="rect">
@@ -4273,7 +4406,7 @@
         </p:nvCxnSpPr>
         <p:spPr>
           <a:xfrm>
-            <a:off x="3881082" y="10540632"/>
+            <a:off x="3881083" y="12371130"/>
             <a:ext cx="929044" cy="0"/>
           </a:xfrm>
           <a:prstGeom prst="line">
@@ -4320,7 +4453,7 @@
         </p:nvCxnSpPr>
         <p:spPr>
           <a:xfrm>
-            <a:off x="5211565" y="10540632"/>
+            <a:off x="5211565" y="12371130"/>
             <a:ext cx="929044" cy="0"/>
           </a:xfrm>
           <a:prstGeom prst="line">
@@ -4367,7 +4500,7 @@
         </p:nvCxnSpPr>
         <p:spPr>
           <a:xfrm>
-            <a:off x="6475679" y="10540632"/>
+            <a:off x="6475679" y="12371130"/>
             <a:ext cx="929044" cy="0"/>
           </a:xfrm>
           <a:prstGeom prst="line">
@@ -4414,7 +4547,7 @@
         </p:nvCxnSpPr>
         <p:spPr>
           <a:xfrm>
-            <a:off x="7757566" y="10540632"/>
+            <a:off x="7757566" y="12371130"/>
             <a:ext cx="929044" cy="0"/>
           </a:xfrm>
           <a:prstGeom prst="line">
@@ -4459,7 +4592,7 @@
         </p:nvSpPr>
         <p:spPr>
           <a:xfrm>
-            <a:off x="345989" y="7107734"/>
+            <a:off x="379051" y="8994808"/>
             <a:ext cx="8307559" cy="369333"/>
           </a:xfrm>
           <a:custGeom>
@@ -4574,169 +4707,193 @@
           </a:p>
         </p:txBody>
       </p:sp>
+      <p:sp>
+        <p:nvSpPr>
+          <p:cNvPr id="7" name="文本框 6">
+            <a:extLst>
+              <a:ext uri="{FF2B5EF4-FFF2-40B4-BE49-F238E27FC236}">
+                <a16:creationId xmlns:a16="http://schemas.microsoft.com/office/drawing/2014/main" id="{9213028C-BCF8-9FAA-10FE-D70A48DF0862}"/>
+              </a:ext>
+            </a:extLst>
+          </p:cNvPr>
+          <p:cNvSpPr txBox="1"/>
+          <p:nvPr/>
+        </p:nvSpPr>
+        <p:spPr>
+          <a:xfrm>
+            <a:off x="735651" y="9003212"/>
+            <a:ext cx="7733662" cy="369332"/>
+          </a:xfrm>
+          <a:prstGeom prst="rect">
+            <a:avLst/>
+          </a:prstGeom>
+          <a:noFill/>
+        </p:spPr>
+        <p:txBody>
+          <a:bodyPr wrap="square">
+            <a:spAutoFit/>
+          </a:bodyPr>
+          <a:lstStyle/>
+          <a:p>
+            <a:pPr algn="ctr"/>
+            <a:r>
+              <a:rPr lang="en-US" altLang="zh-CN" b="1" i="0" dirty="0">
+                <a:effectLst/>
+                <a:latin typeface="Arial" panose="020B0604020202020204" pitchFamily="34" charset="0"/>
+                <a:cs typeface="Arial" panose="020B0604020202020204" pitchFamily="34" charset="0"/>
+              </a:rPr>
+              <a:t>Predictive performance in </a:t>
+            </a:r>
+            <a:r>
+              <a:rPr lang="en-US" altLang="zh-CN" b="1" i="0" dirty="0">
+                <a:solidFill>
+                  <a:srgbClr val="701C14"/>
+                </a:solidFill>
+                <a:effectLst/>
+                <a:latin typeface="Arial" panose="020B0604020202020204" pitchFamily="34" charset="0"/>
+                <a:cs typeface="Arial" panose="020B0604020202020204" pitchFamily="34" charset="0"/>
+              </a:rPr>
+              <a:t>real-world situations </a:t>
+            </a:r>
+            <a:r>
+              <a:rPr lang="en-US" altLang="zh-CN" b="1" i="0" dirty="0">
+                <a:effectLst/>
+                <a:latin typeface="Arial" panose="020B0604020202020204" pitchFamily="34" charset="0"/>
+                <a:cs typeface="Arial" panose="020B0604020202020204" pitchFamily="34" charset="0"/>
+              </a:rPr>
+              <a:t>and </a:t>
+            </a:r>
+            <a:r>
+              <a:rPr lang="en-US" altLang="zh-CN" b="1" dirty="0">
+                <a:solidFill>
+                  <a:srgbClr val="701C14"/>
+                </a:solidFill>
+                <a:latin typeface="Arial" panose="020B0604020202020204" pitchFamily="34" charset="0"/>
+                <a:cs typeface="Arial" panose="020B0604020202020204" pitchFamily="34" charset="0"/>
+              </a:rPr>
+              <a:t>c</a:t>
+            </a:r>
+            <a:r>
+              <a:rPr lang="en-US" altLang="zh-CN" b="1" i="0" dirty="0">
+                <a:solidFill>
+                  <a:srgbClr val="701C14"/>
+                </a:solidFill>
+                <a:effectLst/>
+                <a:latin typeface="Arial" panose="020B0604020202020204" pitchFamily="34" charset="0"/>
+                <a:cs typeface="Arial" panose="020B0604020202020204" pitchFamily="34" charset="0"/>
+              </a:rPr>
+              <a:t>ase </a:t>
+            </a:r>
+            <a:r>
+              <a:rPr lang="en-US" altLang="zh-CN" b="1" dirty="0">
+                <a:solidFill>
+                  <a:srgbClr val="701C14"/>
+                </a:solidFill>
+                <a:latin typeface="Arial" panose="020B0604020202020204" pitchFamily="34" charset="0"/>
+                <a:cs typeface="Arial" panose="020B0604020202020204" pitchFamily="34" charset="0"/>
+              </a:rPr>
+              <a:t>s</a:t>
+            </a:r>
+            <a:r>
+              <a:rPr lang="en-US" altLang="zh-CN" b="1" i="0" dirty="0">
+                <a:solidFill>
+                  <a:srgbClr val="701C14"/>
+                </a:solidFill>
+                <a:effectLst/>
+                <a:latin typeface="Arial" panose="020B0604020202020204" pitchFamily="34" charset="0"/>
+                <a:cs typeface="Arial" panose="020B0604020202020204" pitchFamily="34" charset="0"/>
+              </a:rPr>
+              <a:t>tudies</a:t>
+            </a:r>
+            <a:endParaRPr lang="zh-CN" altLang="en-US" b="1" dirty="0">
+              <a:solidFill>
+                <a:srgbClr val="701C14"/>
+              </a:solidFill>
+              <a:latin typeface="Arial" panose="020B0604020202020204" pitchFamily="34" charset="0"/>
+              <a:cs typeface="Arial" panose="020B0604020202020204" pitchFamily="34" charset="0"/>
+            </a:endParaRPr>
+          </a:p>
+        </p:txBody>
+      </p:sp>
+      <p:sp>
+        <p:nvSpPr>
+          <p:cNvPr id="11" name="文本框 10">
+            <a:extLst>
+              <a:ext uri="{FF2B5EF4-FFF2-40B4-BE49-F238E27FC236}">
+                <a16:creationId xmlns:a16="http://schemas.microsoft.com/office/drawing/2014/main" id="{1323C9C6-FCE0-6A49-E4DD-422E960D5E8D}"/>
+              </a:ext>
+            </a:extLst>
+          </p:cNvPr>
+          <p:cNvSpPr txBox="1"/>
+          <p:nvPr/>
+        </p:nvSpPr>
+        <p:spPr>
+          <a:xfrm>
+            <a:off x="1076357" y="506025"/>
+            <a:ext cx="7149360" cy="369332"/>
+          </a:xfrm>
+          <a:prstGeom prst="rect">
+            <a:avLst/>
+          </a:prstGeom>
+          <a:noFill/>
+        </p:spPr>
+        <p:txBody>
+          <a:bodyPr wrap="square">
+            <a:spAutoFit/>
+          </a:bodyPr>
+          <a:lstStyle/>
+          <a:p>
+            <a:r>
+              <a:rPr lang="zh-CN" altLang="en-US" b="1" dirty="0">
+                <a:latin typeface="Arial" panose="020B0604020202020204" pitchFamily="34" charset="0"/>
+                <a:cs typeface="Arial" panose="020B0604020202020204" pitchFamily="34" charset="0"/>
+              </a:rPr>
+              <a:t>Benchmarking </a:t>
+            </a:r>
+            <a:r>
+              <a:rPr lang="zh-CN" altLang="en-US" b="1" dirty="0">
+                <a:solidFill>
+                  <a:srgbClr val="701C14"/>
+                </a:solidFill>
+                <a:latin typeface="Arial" panose="020B0604020202020204" pitchFamily="34" charset="0"/>
+                <a:cs typeface="Arial" panose="020B0604020202020204" pitchFamily="34" charset="0"/>
+              </a:rPr>
+              <a:t>Mine </a:t>
+            </a:r>
+            <a:r>
+              <a:rPr lang="en-US" altLang="zh-CN" b="1" dirty="0">
+                <a:solidFill>
+                  <a:srgbClr val="701C14"/>
+                </a:solidFill>
+                <a:latin typeface="Arial" panose="020B0604020202020204" pitchFamily="34" charset="0"/>
+                <a:cs typeface="Arial" panose="020B0604020202020204" pitchFamily="34" charset="0"/>
+              </a:rPr>
+              <a:t>F</a:t>
+            </a:r>
+            <a:r>
+              <a:rPr lang="zh-CN" altLang="en-US" b="1" dirty="0">
+                <a:solidFill>
+                  <a:srgbClr val="701C14"/>
+                </a:solidFill>
+                <a:latin typeface="Arial" panose="020B0604020202020204" pitchFamily="34" charset="0"/>
+                <a:cs typeface="Arial" panose="020B0604020202020204" pitchFamily="34" charset="0"/>
+              </a:rPr>
+              <a:t>ramework </a:t>
+            </a:r>
+            <a:r>
+              <a:rPr lang="zh-CN" altLang="en-US" b="1" dirty="0">
+                <a:latin typeface="Arial" panose="020B0604020202020204" pitchFamily="34" charset="0"/>
+                <a:cs typeface="Arial" panose="020B0604020202020204" pitchFamily="34" charset="0"/>
+              </a:rPr>
+              <a:t>using five-fold cross-validation</a:t>
+            </a:r>
+          </a:p>
+        </p:txBody>
+      </p:sp>
     </p:spTree>
     <p:extLst>
       <p:ext uri="{BB962C8B-B14F-4D97-AF65-F5344CB8AC3E}">
         <p14:creationId xmlns:p14="http://schemas.microsoft.com/office/powerpoint/2010/main" val="2438493942"/>
-      </p:ext>
-    </p:extLst>
-  </p:cSld>
-  <p:clrMapOvr>
-    <a:masterClrMapping/>
-  </p:clrMapOvr>
-</p:sld>
-</file>
-
-<file path=ppt/slides/slide2.xml><?xml version="1.0" encoding="utf-8"?>
-<p:sld xmlns:a="http://schemas.openxmlformats.org/drawingml/2006/main" xmlns:r="http://schemas.openxmlformats.org/officeDocument/2006/relationships" xmlns:p="http://schemas.openxmlformats.org/presentationml/2006/main">
-  <p:cSld>
-    <p:spTree>
-      <p:nvGrpSpPr>
-        <p:cNvPr id="1" name=""/>
-        <p:cNvGrpSpPr/>
-        <p:nvPr/>
-      </p:nvGrpSpPr>
-      <p:grpSpPr>
-        <a:xfrm>
-          <a:off x="0" y="0"/>
-          <a:ext cx="0" cy="0"/>
-          <a:chOff x="0" y="0"/>
-          <a:chExt cx="0" cy="0"/>
-        </a:xfrm>
-      </p:grpSpPr>
-      <p:sp>
-        <p:nvSpPr>
-          <p:cNvPr id="7" name="任意多边形: 形状 6">
-            <a:extLst>
-              <a:ext uri="{FF2B5EF4-FFF2-40B4-BE49-F238E27FC236}">
-                <a16:creationId xmlns:a16="http://schemas.microsoft.com/office/drawing/2014/main" id="{A83AC541-1356-DF62-C175-221BF13202AD}"/>
-              </a:ext>
-            </a:extLst>
-          </p:cNvPr>
-          <p:cNvSpPr/>
-          <p:nvPr/>
-        </p:nvSpPr>
-        <p:spPr>
-          <a:xfrm>
-            <a:off x="157163" y="4130040"/>
-            <a:ext cx="8515350" cy="449580"/>
-          </a:xfrm>
-          <a:custGeom>
-            <a:avLst/>
-            <a:gdLst>
-              <a:gd name="connsiteX0" fmla="*/ 342907 w 8515350"/>
-              <a:gd name="connsiteY0" fmla="*/ 0 h 449580"/>
-              <a:gd name="connsiteX1" fmla="*/ 8172443 w 8515350"/>
-              <a:gd name="connsiteY1" fmla="*/ 0 h 449580"/>
-              <a:gd name="connsiteX2" fmla="*/ 8515350 w 8515350"/>
-              <a:gd name="connsiteY2" fmla="*/ 288296 h 449580"/>
-              <a:gd name="connsiteX3" fmla="*/ 8515350 w 8515350"/>
-              <a:gd name="connsiteY3" fmla="*/ 449580 h 449580"/>
-              <a:gd name="connsiteX4" fmla="*/ 0 w 8515350"/>
-              <a:gd name="connsiteY4" fmla="*/ 449580 h 449580"/>
-              <a:gd name="connsiteX5" fmla="*/ 0 w 8515350"/>
-              <a:gd name="connsiteY5" fmla="*/ 288296 h 449580"/>
-              <a:gd name="connsiteX6" fmla="*/ 342907 w 8515350"/>
-              <a:gd name="connsiteY6" fmla="*/ 0 h 449580"/>
-            </a:gdLst>
-            <a:ahLst/>
-            <a:cxnLst>
-              <a:cxn ang="0">
-                <a:pos x="connsiteX0" y="connsiteY0"/>
-              </a:cxn>
-              <a:cxn ang="0">
-                <a:pos x="connsiteX1" y="connsiteY1"/>
-              </a:cxn>
-              <a:cxn ang="0">
-                <a:pos x="connsiteX2" y="connsiteY2"/>
-              </a:cxn>
-              <a:cxn ang="0">
-                <a:pos x="connsiteX3" y="connsiteY3"/>
-              </a:cxn>
-              <a:cxn ang="0">
-                <a:pos x="connsiteX4" y="connsiteY4"/>
-              </a:cxn>
-              <a:cxn ang="0">
-                <a:pos x="connsiteX5" y="connsiteY5"/>
-              </a:cxn>
-              <a:cxn ang="0">
-                <a:pos x="connsiteX6" y="connsiteY6"/>
-              </a:cxn>
-            </a:cxnLst>
-            <a:rect l="l" t="t" r="r" b="b"/>
-            <a:pathLst>
-              <a:path w="8515350" h="449580">
-                <a:moveTo>
-                  <a:pt x="342907" y="0"/>
-                </a:moveTo>
-                <a:lnTo>
-                  <a:pt x="8172443" y="0"/>
-                </a:lnTo>
-                <a:cubicBezTo>
-                  <a:pt x="8361825" y="0"/>
-                  <a:pt x="8515350" y="129075"/>
-                  <a:pt x="8515350" y="288296"/>
-                </a:cubicBezTo>
-                <a:lnTo>
-                  <a:pt x="8515350" y="449580"/>
-                </a:lnTo>
-                <a:lnTo>
-                  <a:pt x="0" y="449580"/>
-                </a:lnTo>
-                <a:lnTo>
-                  <a:pt x="0" y="288296"/>
-                </a:lnTo>
-                <a:cubicBezTo>
-                  <a:pt x="0" y="129075"/>
-                  <a:pt x="153525" y="0"/>
-                  <a:pt x="342907" y="0"/>
-                </a:cubicBezTo>
-                <a:close/>
-              </a:path>
-            </a:pathLst>
-          </a:custGeom>
-          <a:solidFill>
-            <a:srgbClr val="D9D9D9"/>
-          </a:solidFill>
-          <a:ln>
-            <a:noFill/>
-            <a:round/>
-          </a:ln>
-          <a:effectLst>
-            <a:softEdge rad="0"/>
-          </a:effectLst>
-        </p:spPr>
-        <p:style>
-          <a:lnRef idx="2">
-            <a:schemeClr val="accent1">
-              <a:shade val="15000"/>
-            </a:schemeClr>
-          </a:lnRef>
-          <a:fillRef idx="1">
-            <a:schemeClr val="accent1"/>
-          </a:fillRef>
-          <a:effectRef idx="0">
-            <a:schemeClr val="accent1"/>
-          </a:effectRef>
-          <a:fontRef idx="minor">
-            <a:schemeClr val="lt1"/>
-          </a:fontRef>
-        </p:style>
-        <p:txBody>
-          <a:bodyPr wrap="square" rtlCol="0" anchor="ctr">
-            <a:noAutofit/>
-          </a:bodyPr>
-          <a:lstStyle/>
-          <a:p>
-            <a:pPr algn="ctr"/>
-            <a:endParaRPr lang="zh-CN" altLang="en-US" dirty="0"/>
-          </a:p>
-        </p:txBody>
-      </p:sp>
-    </p:spTree>
-    <p:extLst>
-      <p:ext uri="{BB962C8B-B14F-4D97-AF65-F5344CB8AC3E}">
-        <p14:creationId xmlns:p14="http://schemas.microsoft.com/office/powerpoint/2010/main" val="1696438765"/>
       </p:ext>
     </p:extLst>
   </p:cSld>

--- a/docs/figure.pptx
+++ b/docs/figure.pptx
@@ -6,6 +6,7 @@
   </p:sldMasterIdLst>
   <p:sldIdLst>
     <p:sldId id="256" r:id="rId2"/>
+    <p:sldId id="257" r:id="rId3"/>
   </p:sldIdLst>
   <p:sldSz cx="8999538" cy="12599988"/>
   <p:notesSz cx="6858000" cy="9144000"/>
@@ -4903,6 +4904,86 @@
 </p:sld>
 </file>
 
+<file path=ppt/slides/slide2.xml><?xml version="1.0" encoding="utf-8"?>
+<p:sld xmlns:a="http://schemas.openxmlformats.org/drawingml/2006/main" xmlns:r="http://schemas.openxmlformats.org/officeDocument/2006/relationships" xmlns:p="http://schemas.openxmlformats.org/presentationml/2006/main">
+  <p:cSld>
+    <p:spTree>
+      <p:nvGrpSpPr>
+        <p:cNvPr id="1" name=""/>
+        <p:cNvGrpSpPr/>
+        <p:nvPr/>
+      </p:nvGrpSpPr>
+      <p:grpSpPr>
+        <a:xfrm>
+          <a:off x="0" y="0"/>
+          <a:ext cx="0" cy="0"/>
+          <a:chOff x="0" y="0"/>
+          <a:chExt cx="0" cy="0"/>
+        </a:xfrm>
+      </p:grpSpPr>
+      <p:sp>
+        <p:nvSpPr>
+          <p:cNvPr id="2" name="标题 1">
+            <a:extLst>
+              <a:ext uri="{FF2B5EF4-FFF2-40B4-BE49-F238E27FC236}">
+                <a16:creationId xmlns:a16="http://schemas.microsoft.com/office/drawing/2014/main" id="{02618DC8-35EE-F0E4-3DFE-6330BE5B1AED}"/>
+              </a:ext>
+            </a:extLst>
+          </p:cNvPr>
+          <p:cNvSpPr>
+            <a:spLocks noGrp="1"/>
+          </p:cNvSpPr>
+          <p:nvPr>
+            <p:ph type="title"/>
+          </p:nvPr>
+        </p:nvSpPr>
+        <p:spPr/>
+        <p:txBody>
+          <a:bodyPr/>
+          <a:lstStyle/>
+          <a:p>
+            <a:endParaRPr lang="zh-CN" altLang="en-US"/>
+          </a:p>
+        </p:txBody>
+      </p:sp>
+      <p:sp>
+        <p:nvSpPr>
+          <p:cNvPr id="3" name="内容占位符 2">
+            <a:extLst>
+              <a:ext uri="{FF2B5EF4-FFF2-40B4-BE49-F238E27FC236}">
+                <a16:creationId xmlns:a16="http://schemas.microsoft.com/office/drawing/2014/main" id="{BC1A8415-3366-2A8D-F628-DB9E50594C4B}"/>
+              </a:ext>
+            </a:extLst>
+          </p:cNvPr>
+          <p:cNvSpPr>
+            <a:spLocks noGrp="1"/>
+          </p:cNvSpPr>
+          <p:nvPr>
+            <p:ph idx="1"/>
+          </p:nvPr>
+        </p:nvSpPr>
+        <p:spPr/>
+        <p:txBody>
+          <a:bodyPr/>
+          <a:lstStyle/>
+          <a:p>
+            <a:endParaRPr lang="zh-CN" altLang="en-US"/>
+          </a:p>
+        </p:txBody>
+      </p:sp>
+    </p:spTree>
+    <p:extLst>
+      <p:ext uri="{BB962C8B-B14F-4D97-AF65-F5344CB8AC3E}">
+        <p14:creationId xmlns:p14="http://schemas.microsoft.com/office/powerpoint/2010/main" val="4082351610"/>
+      </p:ext>
+    </p:extLst>
+  </p:cSld>
+  <p:clrMapOvr>
+    <a:masterClrMapping/>
+  </p:clrMapOvr>
+</p:sld>
+</file>
+
 <file path=ppt/theme/theme1.xml><?xml version="1.0" encoding="utf-8"?>
 <a:theme xmlns:a="http://schemas.openxmlformats.org/drawingml/2006/main" name="Office 主题​​">
   <a:themeElements>

--- a/docs/figure.pptx
+++ b/docs/figure.pptx
@@ -2,13 +2,15 @@
 <file path=ppt/presentation.xml><?xml version="1.0" encoding="utf-8"?>
 <p:presentation xmlns:a="http://schemas.openxmlformats.org/drawingml/2006/main" xmlns:r="http://schemas.openxmlformats.org/officeDocument/2006/relationships" xmlns:p="http://schemas.openxmlformats.org/presentationml/2006/main" saveSubsetFonts="1">
   <p:sldMasterIdLst>
-    <p:sldMasterId id="2147483696" r:id="rId1"/>
+    <p:sldMasterId id="2147483708" r:id="rId1"/>
   </p:sldMasterIdLst>
+  <p:notesMasterIdLst>
+    <p:notesMasterId r:id="rId3"/>
+  </p:notesMasterIdLst>
   <p:sldIdLst>
     <p:sldId id="256" r:id="rId2"/>
-    <p:sldId id="257" r:id="rId3"/>
   </p:sldIdLst>
-  <p:sldSz cx="8999538" cy="10799763"/>
+  <p:sldSz cx="10799763" cy="10799763"/>
   <p:notesSz cx="6858000" cy="9144000"/>
   <p:defaultTextStyle>
     <a:defPPr>
@@ -105,7 +107,445 @@
       </a:defRPr>
     </a:lvl9pPr>
   </p:defaultTextStyle>
+  <p:extLst>
+    <p:ext uri="{EFAFB233-063F-42B5-8137-9DF3F51BA10A}">
+      <p15:sldGuideLst xmlns:p15="http://schemas.microsoft.com/office/powerpoint/2012/main"/>
+    </p:ext>
+  </p:extLst>
 </p:presentation>
+</file>
+
+<file path=ppt/notesMasters/notesMaster1.xml><?xml version="1.0" encoding="utf-8"?>
+<p:notesMaster xmlns:a="http://schemas.openxmlformats.org/drawingml/2006/main" xmlns:r="http://schemas.openxmlformats.org/officeDocument/2006/relationships" xmlns:p="http://schemas.openxmlformats.org/presentationml/2006/main">
+  <p:cSld>
+    <p:bg>
+      <p:bgRef idx="1001">
+        <a:schemeClr val="bg1"/>
+      </p:bgRef>
+    </p:bg>
+    <p:spTree>
+      <p:nvGrpSpPr>
+        <p:cNvPr id="1" name=""/>
+        <p:cNvGrpSpPr/>
+        <p:nvPr/>
+      </p:nvGrpSpPr>
+      <p:grpSpPr>
+        <a:xfrm>
+          <a:off x="0" y="0"/>
+          <a:ext cx="0" cy="0"/>
+          <a:chOff x="0" y="0"/>
+          <a:chExt cx="0" cy="0"/>
+        </a:xfrm>
+      </p:grpSpPr>
+      <p:sp>
+        <p:nvSpPr>
+          <p:cNvPr id="2" name="页眉占位符 1"/>
+          <p:cNvSpPr>
+            <a:spLocks noGrp="1"/>
+          </p:cNvSpPr>
+          <p:nvPr>
+            <p:ph type="hdr" sz="quarter"/>
+          </p:nvPr>
+        </p:nvSpPr>
+        <p:spPr>
+          <a:xfrm>
+            <a:off x="0" y="0"/>
+            <a:ext cx="2971800" cy="458788"/>
+          </a:xfrm>
+          <a:prstGeom prst="rect">
+            <a:avLst/>
+          </a:prstGeom>
+        </p:spPr>
+        <p:txBody>
+          <a:bodyPr vert="horz" lIns="91440" tIns="45720" rIns="91440" bIns="45720" rtlCol="0"/>
+          <a:lstStyle>
+            <a:lvl1pPr algn="l">
+              <a:defRPr sz="1200"/>
+            </a:lvl1pPr>
+          </a:lstStyle>
+          <a:p>
+            <a:endParaRPr lang="zh-CN" altLang="en-US"/>
+          </a:p>
+        </p:txBody>
+      </p:sp>
+      <p:sp>
+        <p:nvSpPr>
+          <p:cNvPr id="3" name="日期占位符 2"/>
+          <p:cNvSpPr>
+            <a:spLocks noGrp="1"/>
+          </p:cNvSpPr>
+          <p:nvPr>
+            <p:ph type="dt" idx="1"/>
+          </p:nvPr>
+        </p:nvSpPr>
+        <p:spPr>
+          <a:xfrm>
+            <a:off x="3884613" y="0"/>
+            <a:ext cx="2971800" cy="458788"/>
+          </a:xfrm>
+          <a:prstGeom prst="rect">
+            <a:avLst/>
+          </a:prstGeom>
+        </p:spPr>
+        <p:txBody>
+          <a:bodyPr vert="horz" lIns="91440" tIns="45720" rIns="91440" bIns="45720" rtlCol="0"/>
+          <a:lstStyle>
+            <a:lvl1pPr algn="r">
+              <a:defRPr sz="1200"/>
+            </a:lvl1pPr>
+          </a:lstStyle>
+          <a:p>
+            <a:fld id="{ED3D9DC7-2146-4022-8C3D-055011F23F12}" type="datetimeFigureOut">
+              <a:rPr lang="zh-CN" altLang="en-US" smtClean="0"/>
+              <a:t>2024/10/17</a:t>
+            </a:fld>
+            <a:endParaRPr lang="zh-CN" altLang="en-US"/>
+          </a:p>
+        </p:txBody>
+      </p:sp>
+      <p:sp>
+        <p:nvSpPr>
+          <p:cNvPr id="4" name="幻灯片图像占位符 3"/>
+          <p:cNvSpPr>
+            <a:spLocks noGrp="1" noRot="1" noChangeAspect="1"/>
+          </p:cNvSpPr>
+          <p:nvPr>
+            <p:ph type="sldImg" idx="2"/>
+          </p:nvPr>
+        </p:nvSpPr>
+        <p:spPr>
+          <a:xfrm>
+            <a:off x="1885950" y="1143000"/>
+            <a:ext cx="3086100" cy="3086100"/>
+          </a:xfrm>
+          <a:prstGeom prst="rect">
+            <a:avLst/>
+          </a:prstGeom>
+          <a:noFill/>
+          <a:ln w="12700">
+            <a:solidFill>
+              <a:prstClr val="black"/>
+            </a:solidFill>
+          </a:ln>
+        </p:spPr>
+        <p:txBody>
+          <a:bodyPr vert="horz" lIns="91440" tIns="45720" rIns="91440" bIns="45720" rtlCol="0" anchor="ctr"/>
+          <a:lstStyle/>
+          <a:p>
+            <a:endParaRPr lang="zh-CN" altLang="en-US"/>
+          </a:p>
+        </p:txBody>
+      </p:sp>
+      <p:sp>
+        <p:nvSpPr>
+          <p:cNvPr id="5" name="备注占位符 4"/>
+          <p:cNvSpPr>
+            <a:spLocks noGrp="1"/>
+          </p:cNvSpPr>
+          <p:nvPr>
+            <p:ph type="body" sz="quarter" idx="3"/>
+          </p:nvPr>
+        </p:nvSpPr>
+        <p:spPr>
+          <a:xfrm>
+            <a:off x="685800" y="4400550"/>
+            <a:ext cx="5486400" cy="3600450"/>
+          </a:xfrm>
+          <a:prstGeom prst="rect">
+            <a:avLst/>
+          </a:prstGeom>
+        </p:spPr>
+        <p:txBody>
+          <a:bodyPr vert="horz" lIns="91440" tIns="45720" rIns="91440" bIns="45720" rtlCol="0"/>
+          <a:lstStyle/>
+          <a:p>
+            <a:pPr lvl="0"/>
+            <a:r>
+              <a:rPr lang="zh-CN" altLang="en-US"/>
+              <a:t>单击此处编辑母版文本样式</a:t>
+            </a:r>
+          </a:p>
+          <a:p>
+            <a:pPr lvl="1"/>
+            <a:r>
+              <a:rPr lang="zh-CN" altLang="en-US"/>
+              <a:t>二级</a:t>
+            </a:r>
+          </a:p>
+          <a:p>
+            <a:pPr lvl="2"/>
+            <a:r>
+              <a:rPr lang="zh-CN" altLang="en-US"/>
+              <a:t>三级</a:t>
+            </a:r>
+          </a:p>
+          <a:p>
+            <a:pPr lvl="3"/>
+            <a:r>
+              <a:rPr lang="zh-CN" altLang="en-US"/>
+              <a:t>四级</a:t>
+            </a:r>
+          </a:p>
+          <a:p>
+            <a:pPr lvl="4"/>
+            <a:r>
+              <a:rPr lang="zh-CN" altLang="en-US"/>
+              <a:t>五级</a:t>
+            </a:r>
+          </a:p>
+        </p:txBody>
+      </p:sp>
+      <p:sp>
+        <p:nvSpPr>
+          <p:cNvPr id="6" name="页脚占位符 5"/>
+          <p:cNvSpPr>
+            <a:spLocks noGrp="1"/>
+          </p:cNvSpPr>
+          <p:nvPr>
+            <p:ph type="ftr" sz="quarter" idx="4"/>
+          </p:nvPr>
+        </p:nvSpPr>
+        <p:spPr>
+          <a:xfrm>
+            <a:off x="0" y="8685213"/>
+            <a:ext cx="2971800" cy="458787"/>
+          </a:xfrm>
+          <a:prstGeom prst="rect">
+            <a:avLst/>
+          </a:prstGeom>
+        </p:spPr>
+        <p:txBody>
+          <a:bodyPr vert="horz" lIns="91440" tIns="45720" rIns="91440" bIns="45720" rtlCol="0" anchor="b"/>
+          <a:lstStyle>
+            <a:lvl1pPr algn="l">
+              <a:defRPr sz="1200"/>
+            </a:lvl1pPr>
+          </a:lstStyle>
+          <a:p>
+            <a:endParaRPr lang="zh-CN" altLang="en-US"/>
+          </a:p>
+        </p:txBody>
+      </p:sp>
+      <p:sp>
+        <p:nvSpPr>
+          <p:cNvPr id="7" name="灯片编号占位符 6"/>
+          <p:cNvSpPr>
+            <a:spLocks noGrp="1"/>
+          </p:cNvSpPr>
+          <p:nvPr>
+            <p:ph type="sldNum" sz="quarter" idx="5"/>
+          </p:nvPr>
+        </p:nvSpPr>
+        <p:spPr>
+          <a:xfrm>
+            <a:off x="3884613" y="8685213"/>
+            <a:ext cx="2971800" cy="458787"/>
+          </a:xfrm>
+          <a:prstGeom prst="rect">
+            <a:avLst/>
+          </a:prstGeom>
+        </p:spPr>
+        <p:txBody>
+          <a:bodyPr vert="horz" lIns="91440" tIns="45720" rIns="91440" bIns="45720" rtlCol="0" anchor="b"/>
+          <a:lstStyle>
+            <a:lvl1pPr algn="r">
+              <a:defRPr sz="1200"/>
+            </a:lvl1pPr>
+          </a:lstStyle>
+          <a:p>
+            <a:fld id="{770883C5-8A73-4988-88C4-850AA0FF7CC4}" type="slidenum">
+              <a:rPr lang="zh-CN" altLang="en-US" smtClean="0"/>
+              <a:t>‹#›</a:t>
+            </a:fld>
+            <a:endParaRPr lang="zh-CN" altLang="en-US"/>
+          </a:p>
+        </p:txBody>
+      </p:sp>
+    </p:spTree>
+    <p:extLst>
+      <p:ext uri="{BB962C8B-B14F-4D97-AF65-F5344CB8AC3E}">
+        <p14:creationId xmlns:p14="http://schemas.microsoft.com/office/powerpoint/2010/main" val="1233076558"/>
+      </p:ext>
+    </p:extLst>
+  </p:cSld>
+  <p:clrMap bg1="lt1" tx1="dk1" bg2="lt2" tx2="dk2" accent1="accent1" accent2="accent2" accent3="accent3" accent4="accent4" accent5="accent5" accent6="accent6" hlink="hlink" folHlink="folHlink"/>
+  <p:notesStyle>
+    <a:lvl1pPr marL="0" algn="l" defTabSz="914400" rtl="0" eaLnBrk="1" latinLnBrk="0" hangingPunct="1">
+      <a:defRPr sz="1200" kern="1200">
+        <a:solidFill>
+          <a:schemeClr val="tx1"/>
+        </a:solidFill>
+        <a:latin typeface="+mn-lt"/>
+        <a:ea typeface="+mn-ea"/>
+        <a:cs typeface="+mn-cs"/>
+      </a:defRPr>
+    </a:lvl1pPr>
+    <a:lvl2pPr marL="457200" algn="l" defTabSz="914400" rtl="0" eaLnBrk="1" latinLnBrk="0" hangingPunct="1">
+      <a:defRPr sz="1200" kern="1200">
+        <a:solidFill>
+          <a:schemeClr val="tx1"/>
+        </a:solidFill>
+        <a:latin typeface="+mn-lt"/>
+        <a:ea typeface="+mn-ea"/>
+        <a:cs typeface="+mn-cs"/>
+      </a:defRPr>
+    </a:lvl2pPr>
+    <a:lvl3pPr marL="914400" algn="l" defTabSz="914400" rtl="0" eaLnBrk="1" latinLnBrk="0" hangingPunct="1">
+      <a:defRPr sz="1200" kern="1200">
+        <a:solidFill>
+          <a:schemeClr val="tx1"/>
+        </a:solidFill>
+        <a:latin typeface="+mn-lt"/>
+        <a:ea typeface="+mn-ea"/>
+        <a:cs typeface="+mn-cs"/>
+      </a:defRPr>
+    </a:lvl3pPr>
+    <a:lvl4pPr marL="1371600" algn="l" defTabSz="914400" rtl="0" eaLnBrk="1" latinLnBrk="0" hangingPunct="1">
+      <a:defRPr sz="1200" kern="1200">
+        <a:solidFill>
+          <a:schemeClr val="tx1"/>
+        </a:solidFill>
+        <a:latin typeface="+mn-lt"/>
+        <a:ea typeface="+mn-ea"/>
+        <a:cs typeface="+mn-cs"/>
+      </a:defRPr>
+    </a:lvl4pPr>
+    <a:lvl5pPr marL="1828800" algn="l" defTabSz="914400" rtl="0" eaLnBrk="1" latinLnBrk="0" hangingPunct="1">
+      <a:defRPr sz="1200" kern="1200">
+        <a:solidFill>
+          <a:schemeClr val="tx1"/>
+        </a:solidFill>
+        <a:latin typeface="+mn-lt"/>
+        <a:ea typeface="+mn-ea"/>
+        <a:cs typeface="+mn-cs"/>
+      </a:defRPr>
+    </a:lvl5pPr>
+    <a:lvl6pPr marL="2286000" algn="l" defTabSz="914400" rtl="0" eaLnBrk="1" latinLnBrk="0" hangingPunct="1">
+      <a:defRPr sz="1200" kern="1200">
+        <a:solidFill>
+          <a:schemeClr val="tx1"/>
+        </a:solidFill>
+        <a:latin typeface="+mn-lt"/>
+        <a:ea typeface="+mn-ea"/>
+        <a:cs typeface="+mn-cs"/>
+      </a:defRPr>
+    </a:lvl6pPr>
+    <a:lvl7pPr marL="2743200" algn="l" defTabSz="914400" rtl="0" eaLnBrk="1" latinLnBrk="0" hangingPunct="1">
+      <a:defRPr sz="1200" kern="1200">
+        <a:solidFill>
+          <a:schemeClr val="tx1"/>
+        </a:solidFill>
+        <a:latin typeface="+mn-lt"/>
+        <a:ea typeface="+mn-ea"/>
+        <a:cs typeface="+mn-cs"/>
+      </a:defRPr>
+    </a:lvl7pPr>
+    <a:lvl8pPr marL="3200400" algn="l" defTabSz="914400" rtl="0" eaLnBrk="1" latinLnBrk="0" hangingPunct="1">
+      <a:defRPr sz="1200" kern="1200">
+        <a:solidFill>
+          <a:schemeClr val="tx1"/>
+        </a:solidFill>
+        <a:latin typeface="+mn-lt"/>
+        <a:ea typeface="+mn-ea"/>
+        <a:cs typeface="+mn-cs"/>
+      </a:defRPr>
+    </a:lvl8pPr>
+    <a:lvl9pPr marL="3657600" algn="l" defTabSz="914400" rtl="0" eaLnBrk="1" latinLnBrk="0" hangingPunct="1">
+      <a:defRPr sz="1200" kern="1200">
+        <a:solidFill>
+          <a:schemeClr val="tx1"/>
+        </a:solidFill>
+        <a:latin typeface="+mn-lt"/>
+        <a:ea typeface="+mn-ea"/>
+        <a:cs typeface="+mn-cs"/>
+      </a:defRPr>
+    </a:lvl9pPr>
+  </p:notesStyle>
+</p:notesMaster>
+</file>
+
+<file path=ppt/notesSlides/notesSlide1.xml><?xml version="1.0" encoding="utf-8"?>
+<p:notes xmlns:a="http://schemas.openxmlformats.org/drawingml/2006/main" xmlns:r="http://schemas.openxmlformats.org/officeDocument/2006/relationships" xmlns:p="http://schemas.openxmlformats.org/presentationml/2006/main">
+  <p:cSld>
+    <p:spTree>
+      <p:nvGrpSpPr>
+        <p:cNvPr id="1" name=""/>
+        <p:cNvGrpSpPr/>
+        <p:nvPr/>
+      </p:nvGrpSpPr>
+      <p:grpSpPr>
+        <a:xfrm>
+          <a:off x="0" y="0"/>
+          <a:ext cx="0" cy="0"/>
+          <a:chOff x="0" y="0"/>
+          <a:chExt cx="0" cy="0"/>
+        </a:xfrm>
+      </p:grpSpPr>
+      <p:sp>
+        <p:nvSpPr>
+          <p:cNvPr id="2" name="幻灯片图像占位符 1"/>
+          <p:cNvSpPr>
+            <a:spLocks noGrp="1" noRot="1" noChangeAspect="1"/>
+          </p:cNvSpPr>
+          <p:nvPr>
+            <p:ph type="sldImg"/>
+          </p:nvPr>
+        </p:nvSpPr>
+        <p:spPr/>
+      </p:sp>
+      <p:sp>
+        <p:nvSpPr>
+          <p:cNvPr id="3" name="备注占位符 2"/>
+          <p:cNvSpPr>
+            <a:spLocks noGrp="1"/>
+          </p:cNvSpPr>
+          <p:nvPr>
+            <p:ph type="body" idx="1"/>
+          </p:nvPr>
+        </p:nvSpPr>
+        <p:spPr/>
+        <p:txBody>
+          <a:bodyPr/>
+          <a:lstStyle/>
+          <a:p>
+            <a:endParaRPr lang="zh-CN" altLang="en-US" dirty="0"/>
+          </a:p>
+        </p:txBody>
+      </p:sp>
+      <p:sp>
+        <p:nvSpPr>
+          <p:cNvPr id="4" name="灯片编号占位符 3"/>
+          <p:cNvSpPr>
+            <a:spLocks noGrp="1"/>
+          </p:cNvSpPr>
+          <p:nvPr>
+            <p:ph type="sldNum" sz="quarter" idx="5"/>
+          </p:nvPr>
+        </p:nvSpPr>
+        <p:spPr/>
+        <p:txBody>
+          <a:bodyPr/>
+          <a:lstStyle/>
+          <a:p>
+            <a:fld id="{770883C5-8A73-4988-88C4-850AA0FF7CC4}" type="slidenum">
+              <a:rPr lang="zh-CN" altLang="en-US" smtClean="0"/>
+              <a:t>1</a:t>
+            </a:fld>
+            <a:endParaRPr lang="zh-CN" altLang="en-US"/>
+          </a:p>
+        </p:txBody>
+      </p:sp>
+    </p:spTree>
+    <p:extLst>
+      <p:ext uri="{BB962C8B-B14F-4D97-AF65-F5344CB8AC3E}">
+        <p14:creationId xmlns:p14="http://schemas.microsoft.com/office/powerpoint/2010/main" val="2235972451"/>
+      </p:ext>
+    </p:extLst>
+  </p:cSld>
+  <p:clrMapOvr>
+    <a:masterClrMapping/>
+  </p:clrMapOvr>
+</p:notes>
 </file>
 
 <file path=ppt/slideLayouts/slideLayout1.xml><?xml version="1.0" encoding="utf-8"?>
@@ -137,15 +577,15 @@
         </p:nvSpPr>
         <p:spPr>
           <a:xfrm>
-            <a:off x="674966" y="1767462"/>
-            <a:ext cx="7649607" cy="3759917"/>
+            <a:off x="809982" y="1767462"/>
+            <a:ext cx="9179799" cy="3759917"/>
           </a:xfrm>
         </p:spPr>
         <p:txBody>
           <a:bodyPr anchor="b"/>
           <a:lstStyle>
             <a:lvl1pPr algn="ctr">
-              <a:defRPr sz="5905"/>
+              <a:defRPr sz="7087"/>
             </a:lvl1pPr>
           </a:lstStyle>
           <a:p>
@@ -169,8 +609,8 @@
         </p:nvSpPr>
         <p:spPr>
           <a:xfrm>
-            <a:off x="1124942" y="5672376"/>
-            <a:ext cx="6749654" cy="2607442"/>
+            <a:off x="1349971" y="5672376"/>
+            <a:ext cx="8099822" cy="2607442"/>
           </a:xfrm>
         </p:spPr>
         <p:txBody>
@@ -178,39 +618,39 @@
           <a:lstStyle>
             <a:lvl1pPr marL="0" indent="0" algn="ctr">
               <a:buNone/>
+              <a:defRPr sz="2835"/>
+            </a:lvl1pPr>
+            <a:lvl2pPr marL="539999" indent="0" algn="ctr">
+              <a:buNone/>
               <a:defRPr sz="2362"/>
-            </a:lvl1pPr>
-            <a:lvl2pPr marL="449976" indent="0" algn="ctr">
-              <a:buNone/>
-              <a:defRPr sz="1968"/>
             </a:lvl2pPr>
-            <a:lvl3pPr marL="899952" indent="0" algn="ctr">
-              <a:buNone/>
-              <a:defRPr sz="1772"/>
+            <a:lvl3pPr marL="1079998" indent="0" algn="ctr">
+              <a:buNone/>
+              <a:defRPr sz="2126"/>
             </a:lvl3pPr>
-            <a:lvl4pPr marL="1349929" indent="0" algn="ctr">
-              <a:buNone/>
-              <a:defRPr sz="1575"/>
+            <a:lvl4pPr marL="1619997" indent="0" algn="ctr">
+              <a:buNone/>
+              <a:defRPr sz="1890"/>
             </a:lvl4pPr>
-            <a:lvl5pPr marL="1799905" indent="0" algn="ctr">
-              <a:buNone/>
-              <a:defRPr sz="1575"/>
+            <a:lvl5pPr marL="2159996" indent="0" algn="ctr">
+              <a:buNone/>
+              <a:defRPr sz="1890"/>
             </a:lvl5pPr>
-            <a:lvl6pPr marL="2249881" indent="0" algn="ctr">
-              <a:buNone/>
-              <a:defRPr sz="1575"/>
+            <a:lvl6pPr marL="2699995" indent="0" algn="ctr">
+              <a:buNone/>
+              <a:defRPr sz="1890"/>
             </a:lvl6pPr>
-            <a:lvl7pPr marL="2699857" indent="0" algn="ctr">
-              <a:buNone/>
-              <a:defRPr sz="1575"/>
+            <a:lvl7pPr marL="3239994" indent="0" algn="ctr">
+              <a:buNone/>
+              <a:defRPr sz="1890"/>
             </a:lvl7pPr>
-            <a:lvl8pPr marL="3149834" indent="0" algn="ctr">
-              <a:buNone/>
-              <a:defRPr sz="1575"/>
+            <a:lvl8pPr marL="3779992" indent="0" algn="ctr">
+              <a:buNone/>
+              <a:defRPr sz="1890"/>
             </a:lvl8pPr>
-            <a:lvl9pPr marL="3599810" indent="0" algn="ctr">
-              <a:buNone/>
-              <a:defRPr sz="1575"/>
+            <a:lvl9pPr marL="4319991" indent="0" algn="ctr">
+              <a:buNone/>
+              <a:defRPr sz="1890"/>
             </a:lvl9pPr>
           </a:lstStyle>
           <a:p>
@@ -239,7 +679,7 @@
           <a:p>
             <a:fld id="{5E8929CF-35E4-49DC-A48F-DF7B6959BFA4}" type="datetimeFigureOut">
               <a:rPr lang="zh-CN" altLang="en-US" smtClean="0"/>
-              <a:t>2024-10-11</a:t>
+              <a:t>2024/10/17</a:t>
             </a:fld>
             <a:endParaRPr lang="zh-CN" altLang="en-US"/>
           </a:p>
@@ -290,7 +730,7 @@
     </p:spTree>
     <p:extLst>
       <p:ext uri="{BB962C8B-B14F-4D97-AF65-F5344CB8AC3E}">
-        <p14:creationId xmlns:p14="http://schemas.microsoft.com/office/powerpoint/2010/main" val="1471029393"/>
+        <p14:creationId xmlns:p14="http://schemas.microsoft.com/office/powerpoint/2010/main" val="2556189021"/>
       </p:ext>
     </p:extLst>
   </p:cSld>
@@ -409,7 +849,7 @@
           <a:p>
             <a:fld id="{5E8929CF-35E4-49DC-A48F-DF7B6959BFA4}" type="datetimeFigureOut">
               <a:rPr lang="zh-CN" altLang="en-US" smtClean="0"/>
-              <a:t>2024-10-11</a:t>
+              <a:t>2024/10/17</a:t>
             </a:fld>
             <a:endParaRPr lang="zh-CN" altLang="en-US"/>
           </a:p>
@@ -460,7 +900,7 @@
     </p:spTree>
     <p:extLst>
       <p:ext uri="{BB962C8B-B14F-4D97-AF65-F5344CB8AC3E}">
-        <p14:creationId xmlns:p14="http://schemas.microsoft.com/office/powerpoint/2010/main" val="1305785350"/>
+        <p14:creationId xmlns:p14="http://schemas.microsoft.com/office/powerpoint/2010/main" val="524510944"/>
       </p:ext>
     </p:extLst>
   </p:cSld>
@@ -499,8 +939,8 @@
         </p:nvSpPr>
         <p:spPr>
           <a:xfrm>
-            <a:off x="6440295" y="574987"/>
-            <a:ext cx="1940525" cy="9152300"/>
+            <a:off x="7728581" y="574987"/>
+            <a:ext cx="2328699" cy="9152300"/>
           </a:xfrm>
         </p:spPr>
         <p:txBody>
@@ -527,8 +967,8 @@
         </p:nvSpPr>
         <p:spPr>
           <a:xfrm>
-            <a:off x="618719" y="574987"/>
-            <a:ext cx="5709082" cy="9152300"/>
+            <a:off x="742484" y="574987"/>
+            <a:ext cx="6851100" cy="9152300"/>
           </a:xfrm>
         </p:spPr>
         <p:txBody>
@@ -589,7 +1029,7 @@
           <a:p>
             <a:fld id="{5E8929CF-35E4-49DC-A48F-DF7B6959BFA4}" type="datetimeFigureOut">
               <a:rPr lang="zh-CN" altLang="en-US" smtClean="0"/>
-              <a:t>2024-10-11</a:t>
+              <a:t>2024/10/17</a:t>
             </a:fld>
             <a:endParaRPr lang="zh-CN" altLang="en-US"/>
           </a:p>
@@ -640,7 +1080,7 @@
     </p:spTree>
     <p:extLst>
       <p:ext uri="{BB962C8B-B14F-4D97-AF65-F5344CB8AC3E}">
-        <p14:creationId xmlns:p14="http://schemas.microsoft.com/office/powerpoint/2010/main" val="1867494270"/>
+        <p14:creationId xmlns:p14="http://schemas.microsoft.com/office/powerpoint/2010/main" val="83413434"/>
       </p:ext>
     </p:extLst>
   </p:cSld>
@@ -759,7 +1199,7 @@
           <a:p>
             <a:fld id="{5E8929CF-35E4-49DC-A48F-DF7B6959BFA4}" type="datetimeFigureOut">
               <a:rPr lang="zh-CN" altLang="en-US" smtClean="0"/>
-              <a:t>2024-10-11</a:t>
+              <a:t>2024/10/17</a:t>
             </a:fld>
             <a:endParaRPr lang="zh-CN" altLang="en-US"/>
           </a:p>
@@ -810,7 +1250,7 @@
     </p:spTree>
     <p:extLst>
       <p:ext uri="{BB962C8B-B14F-4D97-AF65-F5344CB8AC3E}">
-        <p14:creationId xmlns:p14="http://schemas.microsoft.com/office/powerpoint/2010/main" val="2038604967"/>
+        <p14:creationId xmlns:p14="http://schemas.microsoft.com/office/powerpoint/2010/main" val="2560951250"/>
       </p:ext>
     </p:extLst>
   </p:cSld>
@@ -849,15 +1289,15 @@
         </p:nvSpPr>
         <p:spPr>
           <a:xfrm>
-            <a:off x="614031" y="2692444"/>
-            <a:ext cx="7762102" cy="4492401"/>
+            <a:off x="736859" y="2692444"/>
+            <a:ext cx="9314796" cy="4492401"/>
           </a:xfrm>
         </p:spPr>
         <p:txBody>
           <a:bodyPr anchor="b"/>
           <a:lstStyle>
             <a:lvl1pPr>
-              <a:defRPr sz="5905"/>
+              <a:defRPr sz="7087"/>
             </a:lvl1pPr>
           </a:lstStyle>
           <a:p>
@@ -881,14 +1321,24 @@
         </p:nvSpPr>
         <p:spPr>
           <a:xfrm>
-            <a:off x="614031" y="7227345"/>
-            <a:ext cx="7762102" cy="2362447"/>
+            <a:off x="736859" y="7227345"/>
+            <a:ext cx="9314796" cy="2362447"/>
           </a:xfrm>
         </p:spPr>
         <p:txBody>
           <a:bodyPr/>
           <a:lstStyle>
             <a:lvl1pPr marL="0" indent="0">
+              <a:buNone/>
+              <a:defRPr sz="2835">
+                <a:solidFill>
+                  <a:schemeClr val="tx1">
+                    <a:tint val="82000"/>
+                  </a:schemeClr>
+                </a:solidFill>
+              </a:defRPr>
+            </a:lvl1pPr>
+            <a:lvl2pPr marL="539999" indent="0">
               <a:buNone/>
               <a:defRPr sz="2362">
                 <a:solidFill>
@@ -897,20 +1347,10 @@
                   </a:schemeClr>
                 </a:solidFill>
               </a:defRPr>
-            </a:lvl1pPr>
-            <a:lvl2pPr marL="449976" indent="0">
-              <a:buNone/>
-              <a:defRPr sz="1968">
-                <a:solidFill>
-                  <a:schemeClr val="tx1">
-                    <a:tint val="82000"/>
-                  </a:schemeClr>
-                </a:solidFill>
-              </a:defRPr>
             </a:lvl2pPr>
-            <a:lvl3pPr marL="899952" indent="0">
-              <a:buNone/>
-              <a:defRPr sz="1772">
+            <a:lvl3pPr marL="1079998" indent="0">
+              <a:buNone/>
+              <a:defRPr sz="2126">
                 <a:solidFill>
                   <a:schemeClr val="tx1">
                     <a:tint val="82000"/>
@@ -918,9 +1358,9 @@
                 </a:solidFill>
               </a:defRPr>
             </a:lvl3pPr>
-            <a:lvl4pPr marL="1349929" indent="0">
-              <a:buNone/>
-              <a:defRPr sz="1575">
+            <a:lvl4pPr marL="1619997" indent="0">
+              <a:buNone/>
+              <a:defRPr sz="1890">
                 <a:solidFill>
                   <a:schemeClr val="tx1">
                     <a:tint val="82000"/>
@@ -928,9 +1368,9 @@
                 </a:solidFill>
               </a:defRPr>
             </a:lvl4pPr>
-            <a:lvl5pPr marL="1799905" indent="0">
-              <a:buNone/>
-              <a:defRPr sz="1575">
+            <a:lvl5pPr marL="2159996" indent="0">
+              <a:buNone/>
+              <a:defRPr sz="1890">
                 <a:solidFill>
                   <a:schemeClr val="tx1">
                     <a:tint val="82000"/>
@@ -938,9 +1378,9 @@
                 </a:solidFill>
               </a:defRPr>
             </a:lvl5pPr>
-            <a:lvl6pPr marL="2249881" indent="0">
-              <a:buNone/>
-              <a:defRPr sz="1575">
+            <a:lvl6pPr marL="2699995" indent="0">
+              <a:buNone/>
+              <a:defRPr sz="1890">
                 <a:solidFill>
                   <a:schemeClr val="tx1">
                     <a:tint val="82000"/>
@@ -948,9 +1388,9 @@
                 </a:solidFill>
               </a:defRPr>
             </a:lvl6pPr>
-            <a:lvl7pPr marL="2699857" indent="0">
-              <a:buNone/>
-              <a:defRPr sz="1575">
+            <a:lvl7pPr marL="3239994" indent="0">
+              <a:buNone/>
+              <a:defRPr sz="1890">
                 <a:solidFill>
                   <a:schemeClr val="tx1">
                     <a:tint val="82000"/>
@@ -958,9 +1398,9 @@
                 </a:solidFill>
               </a:defRPr>
             </a:lvl7pPr>
-            <a:lvl8pPr marL="3149834" indent="0">
-              <a:buNone/>
-              <a:defRPr sz="1575">
+            <a:lvl8pPr marL="3779992" indent="0">
+              <a:buNone/>
+              <a:defRPr sz="1890">
                 <a:solidFill>
                   <a:schemeClr val="tx1">
                     <a:tint val="82000"/>
@@ -968,9 +1408,9 @@
                 </a:solidFill>
               </a:defRPr>
             </a:lvl8pPr>
-            <a:lvl9pPr marL="3599810" indent="0">
-              <a:buNone/>
-              <a:defRPr sz="1575">
+            <a:lvl9pPr marL="4319991" indent="0">
+              <a:buNone/>
+              <a:defRPr sz="1890">
                 <a:solidFill>
                   <a:schemeClr val="tx1">
                     <a:tint val="82000"/>
@@ -1005,7 +1445,7 @@
           <a:p>
             <a:fld id="{5E8929CF-35E4-49DC-A48F-DF7B6959BFA4}" type="datetimeFigureOut">
               <a:rPr lang="zh-CN" altLang="en-US" smtClean="0"/>
-              <a:t>2024-10-11</a:t>
+              <a:t>2024/10/17</a:t>
             </a:fld>
             <a:endParaRPr lang="zh-CN" altLang="en-US"/>
           </a:p>
@@ -1056,7 +1496,7 @@
     </p:spTree>
     <p:extLst>
       <p:ext uri="{BB962C8B-B14F-4D97-AF65-F5344CB8AC3E}">
-        <p14:creationId xmlns:p14="http://schemas.microsoft.com/office/powerpoint/2010/main" val="1989502330"/>
+        <p14:creationId xmlns:p14="http://schemas.microsoft.com/office/powerpoint/2010/main" val="3340273959"/>
       </p:ext>
     </p:extLst>
   </p:cSld>
@@ -1118,8 +1558,8 @@
         </p:nvSpPr>
         <p:spPr>
           <a:xfrm>
-            <a:off x="618718" y="2874937"/>
-            <a:ext cx="3824804" cy="6852350"/>
+            <a:off x="742484" y="2874937"/>
+            <a:ext cx="4589899" cy="6852350"/>
           </a:xfrm>
         </p:spPr>
         <p:txBody>
@@ -1175,8 +1615,8 @@
         </p:nvSpPr>
         <p:spPr>
           <a:xfrm>
-            <a:off x="4556016" y="2874937"/>
-            <a:ext cx="3824804" cy="6852350"/>
+            <a:off x="5467380" y="2874937"/>
+            <a:ext cx="4589899" cy="6852350"/>
           </a:xfrm>
         </p:spPr>
         <p:txBody>
@@ -1237,7 +1677,7 @@
           <a:p>
             <a:fld id="{5E8929CF-35E4-49DC-A48F-DF7B6959BFA4}" type="datetimeFigureOut">
               <a:rPr lang="zh-CN" altLang="en-US" smtClean="0"/>
-              <a:t>2024-10-11</a:t>
+              <a:t>2024/10/17</a:t>
             </a:fld>
             <a:endParaRPr lang="zh-CN" altLang="en-US"/>
           </a:p>
@@ -1288,7 +1728,7 @@
     </p:spTree>
     <p:extLst>
       <p:ext uri="{BB962C8B-B14F-4D97-AF65-F5344CB8AC3E}">
-        <p14:creationId xmlns:p14="http://schemas.microsoft.com/office/powerpoint/2010/main" val="1284098131"/>
+        <p14:creationId xmlns:p14="http://schemas.microsoft.com/office/powerpoint/2010/main" val="1233867615"/>
       </p:ext>
     </p:extLst>
   </p:cSld>
@@ -1327,8 +1767,8 @@
         </p:nvSpPr>
         <p:spPr>
           <a:xfrm>
-            <a:off x="619890" y="574990"/>
-            <a:ext cx="7762102" cy="2087455"/>
+            <a:off x="743890" y="574990"/>
+            <a:ext cx="9314796" cy="2087455"/>
           </a:xfrm>
         </p:spPr>
         <p:txBody>
@@ -1355,8 +1795,8 @@
         </p:nvSpPr>
         <p:spPr>
           <a:xfrm>
-            <a:off x="619891" y="2647443"/>
-            <a:ext cx="3807226" cy="1297471"/>
+            <a:off x="743892" y="2647443"/>
+            <a:ext cx="4568805" cy="1297471"/>
           </a:xfrm>
         </p:spPr>
         <p:txBody>
@@ -1364,39 +1804,39 @@
           <a:lstStyle>
             <a:lvl1pPr marL="0" indent="0">
               <a:buNone/>
+              <a:defRPr sz="2835" b="1"/>
+            </a:lvl1pPr>
+            <a:lvl2pPr marL="539999" indent="0">
+              <a:buNone/>
               <a:defRPr sz="2362" b="1"/>
-            </a:lvl1pPr>
-            <a:lvl2pPr marL="449976" indent="0">
-              <a:buNone/>
-              <a:defRPr sz="1968" b="1"/>
             </a:lvl2pPr>
-            <a:lvl3pPr marL="899952" indent="0">
-              <a:buNone/>
-              <a:defRPr sz="1772" b="1"/>
+            <a:lvl3pPr marL="1079998" indent="0">
+              <a:buNone/>
+              <a:defRPr sz="2126" b="1"/>
             </a:lvl3pPr>
-            <a:lvl4pPr marL="1349929" indent="0">
-              <a:buNone/>
-              <a:defRPr sz="1575" b="1"/>
+            <a:lvl4pPr marL="1619997" indent="0">
+              <a:buNone/>
+              <a:defRPr sz="1890" b="1"/>
             </a:lvl4pPr>
-            <a:lvl5pPr marL="1799905" indent="0">
-              <a:buNone/>
-              <a:defRPr sz="1575" b="1"/>
+            <a:lvl5pPr marL="2159996" indent="0">
+              <a:buNone/>
+              <a:defRPr sz="1890" b="1"/>
             </a:lvl5pPr>
-            <a:lvl6pPr marL="2249881" indent="0">
-              <a:buNone/>
-              <a:defRPr sz="1575" b="1"/>
+            <a:lvl6pPr marL="2699995" indent="0">
+              <a:buNone/>
+              <a:defRPr sz="1890" b="1"/>
             </a:lvl6pPr>
-            <a:lvl7pPr marL="2699857" indent="0">
-              <a:buNone/>
-              <a:defRPr sz="1575" b="1"/>
+            <a:lvl7pPr marL="3239994" indent="0">
+              <a:buNone/>
+              <a:defRPr sz="1890" b="1"/>
             </a:lvl7pPr>
-            <a:lvl8pPr marL="3149834" indent="0">
-              <a:buNone/>
-              <a:defRPr sz="1575" b="1"/>
+            <a:lvl8pPr marL="3779992" indent="0">
+              <a:buNone/>
+              <a:defRPr sz="1890" b="1"/>
             </a:lvl8pPr>
-            <a:lvl9pPr marL="3599810" indent="0">
-              <a:buNone/>
-              <a:defRPr sz="1575" b="1"/>
+            <a:lvl9pPr marL="4319991" indent="0">
+              <a:buNone/>
+              <a:defRPr sz="1890" b="1"/>
             </a:lvl9pPr>
           </a:lstStyle>
           <a:p>
@@ -1420,8 +1860,8 @@
         </p:nvSpPr>
         <p:spPr>
           <a:xfrm>
-            <a:off x="619891" y="3944914"/>
-            <a:ext cx="3807226" cy="5802373"/>
+            <a:off x="743892" y="3944914"/>
+            <a:ext cx="4568805" cy="5802373"/>
           </a:xfrm>
         </p:spPr>
         <p:txBody>
@@ -1477,8 +1917,8 @@
         </p:nvSpPr>
         <p:spPr>
           <a:xfrm>
-            <a:off x="4556017" y="2647443"/>
-            <a:ext cx="3825976" cy="1297471"/>
+            <a:off x="5467381" y="2647443"/>
+            <a:ext cx="4591306" cy="1297471"/>
           </a:xfrm>
         </p:spPr>
         <p:txBody>
@@ -1486,39 +1926,39 @@
           <a:lstStyle>
             <a:lvl1pPr marL="0" indent="0">
               <a:buNone/>
+              <a:defRPr sz="2835" b="1"/>
+            </a:lvl1pPr>
+            <a:lvl2pPr marL="539999" indent="0">
+              <a:buNone/>
               <a:defRPr sz="2362" b="1"/>
-            </a:lvl1pPr>
-            <a:lvl2pPr marL="449976" indent="0">
-              <a:buNone/>
-              <a:defRPr sz="1968" b="1"/>
             </a:lvl2pPr>
-            <a:lvl3pPr marL="899952" indent="0">
-              <a:buNone/>
-              <a:defRPr sz="1772" b="1"/>
+            <a:lvl3pPr marL="1079998" indent="0">
+              <a:buNone/>
+              <a:defRPr sz="2126" b="1"/>
             </a:lvl3pPr>
-            <a:lvl4pPr marL="1349929" indent="0">
-              <a:buNone/>
-              <a:defRPr sz="1575" b="1"/>
+            <a:lvl4pPr marL="1619997" indent="0">
+              <a:buNone/>
+              <a:defRPr sz="1890" b="1"/>
             </a:lvl4pPr>
-            <a:lvl5pPr marL="1799905" indent="0">
-              <a:buNone/>
-              <a:defRPr sz="1575" b="1"/>
+            <a:lvl5pPr marL="2159996" indent="0">
+              <a:buNone/>
+              <a:defRPr sz="1890" b="1"/>
             </a:lvl5pPr>
-            <a:lvl6pPr marL="2249881" indent="0">
-              <a:buNone/>
-              <a:defRPr sz="1575" b="1"/>
+            <a:lvl6pPr marL="2699995" indent="0">
+              <a:buNone/>
+              <a:defRPr sz="1890" b="1"/>
             </a:lvl6pPr>
-            <a:lvl7pPr marL="2699857" indent="0">
-              <a:buNone/>
-              <a:defRPr sz="1575" b="1"/>
+            <a:lvl7pPr marL="3239994" indent="0">
+              <a:buNone/>
+              <a:defRPr sz="1890" b="1"/>
             </a:lvl7pPr>
-            <a:lvl8pPr marL="3149834" indent="0">
-              <a:buNone/>
-              <a:defRPr sz="1575" b="1"/>
+            <a:lvl8pPr marL="3779992" indent="0">
+              <a:buNone/>
+              <a:defRPr sz="1890" b="1"/>
             </a:lvl8pPr>
-            <a:lvl9pPr marL="3599810" indent="0">
-              <a:buNone/>
-              <a:defRPr sz="1575" b="1"/>
+            <a:lvl9pPr marL="4319991" indent="0">
+              <a:buNone/>
+              <a:defRPr sz="1890" b="1"/>
             </a:lvl9pPr>
           </a:lstStyle>
           <a:p>
@@ -1542,8 +1982,8 @@
         </p:nvSpPr>
         <p:spPr>
           <a:xfrm>
-            <a:off x="4556017" y="3944914"/>
-            <a:ext cx="3825976" cy="5802373"/>
+            <a:off x="5467381" y="3944914"/>
+            <a:ext cx="4591306" cy="5802373"/>
           </a:xfrm>
         </p:spPr>
         <p:txBody>
@@ -1604,7 +2044,7 @@
           <a:p>
             <a:fld id="{5E8929CF-35E4-49DC-A48F-DF7B6959BFA4}" type="datetimeFigureOut">
               <a:rPr lang="zh-CN" altLang="en-US" smtClean="0"/>
-              <a:t>2024-10-11</a:t>
+              <a:t>2024/10/17</a:t>
             </a:fld>
             <a:endParaRPr lang="zh-CN" altLang="en-US"/>
           </a:p>
@@ -1655,7 +2095,7 @@
     </p:spTree>
     <p:extLst>
       <p:ext uri="{BB962C8B-B14F-4D97-AF65-F5344CB8AC3E}">
-        <p14:creationId xmlns:p14="http://schemas.microsoft.com/office/powerpoint/2010/main" val="4182610492"/>
+        <p14:creationId xmlns:p14="http://schemas.microsoft.com/office/powerpoint/2010/main" val="3395762155"/>
       </p:ext>
     </p:extLst>
   </p:cSld>
@@ -1722,7 +2162,7 @@
           <a:p>
             <a:fld id="{5E8929CF-35E4-49DC-A48F-DF7B6959BFA4}" type="datetimeFigureOut">
               <a:rPr lang="zh-CN" altLang="en-US" smtClean="0"/>
-              <a:t>2024-10-11</a:t>
+              <a:t>2024/10/17</a:t>
             </a:fld>
             <a:endParaRPr lang="zh-CN" altLang="en-US"/>
           </a:p>
@@ -1773,7 +2213,7 @@
     </p:spTree>
     <p:extLst>
       <p:ext uri="{BB962C8B-B14F-4D97-AF65-F5344CB8AC3E}">
-        <p14:creationId xmlns:p14="http://schemas.microsoft.com/office/powerpoint/2010/main" val="3083116424"/>
+        <p14:creationId xmlns:p14="http://schemas.microsoft.com/office/powerpoint/2010/main" val="2582586623"/>
       </p:ext>
     </p:extLst>
   </p:cSld>
@@ -1817,7 +2257,7 @@
           <a:p>
             <a:fld id="{5E8929CF-35E4-49DC-A48F-DF7B6959BFA4}" type="datetimeFigureOut">
               <a:rPr lang="zh-CN" altLang="en-US" smtClean="0"/>
-              <a:t>2024-10-11</a:t>
+              <a:t>2024/10/17</a:t>
             </a:fld>
             <a:endParaRPr lang="zh-CN" altLang="en-US"/>
           </a:p>
@@ -1868,7 +2308,7 @@
     </p:spTree>
     <p:extLst>
       <p:ext uri="{BB962C8B-B14F-4D97-AF65-F5344CB8AC3E}">
-        <p14:creationId xmlns:p14="http://schemas.microsoft.com/office/powerpoint/2010/main" val="3462066117"/>
+        <p14:creationId xmlns:p14="http://schemas.microsoft.com/office/powerpoint/2010/main" val="3422710468"/>
       </p:ext>
     </p:extLst>
   </p:cSld>
@@ -1907,15 +2347,15 @@
         </p:nvSpPr>
         <p:spPr>
           <a:xfrm>
-            <a:off x="619891" y="719984"/>
-            <a:ext cx="2902585" cy="2519945"/>
+            <a:off x="743890" y="719984"/>
+            <a:ext cx="3483205" cy="2519945"/>
           </a:xfrm>
         </p:spPr>
         <p:txBody>
           <a:bodyPr anchor="b"/>
           <a:lstStyle>
             <a:lvl1pPr>
-              <a:defRPr sz="3149"/>
+              <a:defRPr sz="3780"/>
             </a:lvl1pPr>
           </a:lstStyle>
           <a:p>
@@ -1939,39 +2379,39 @@
         </p:nvSpPr>
         <p:spPr>
           <a:xfrm>
-            <a:off x="3825976" y="1554968"/>
-            <a:ext cx="4556016" cy="7674832"/>
+            <a:off x="4591306" y="1554968"/>
+            <a:ext cx="5467380" cy="7674832"/>
           </a:xfrm>
         </p:spPr>
         <p:txBody>
           <a:bodyPr/>
           <a:lstStyle>
             <a:lvl1pPr>
-              <a:defRPr sz="3149"/>
+              <a:defRPr sz="3780"/>
             </a:lvl1pPr>
             <a:lvl2pPr>
-              <a:defRPr sz="2756"/>
+              <a:defRPr sz="3307"/>
             </a:lvl2pPr>
             <a:lvl3pPr>
-              <a:defRPr sz="2362"/>
+              <a:defRPr sz="2835"/>
             </a:lvl3pPr>
             <a:lvl4pPr>
-              <a:defRPr sz="1968"/>
+              <a:defRPr sz="2362"/>
             </a:lvl4pPr>
             <a:lvl5pPr>
-              <a:defRPr sz="1968"/>
+              <a:defRPr sz="2362"/>
             </a:lvl5pPr>
             <a:lvl6pPr>
-              <a:defRPr sz="1968"/>
+              <a:defRPr sz="2362"/>
             </a:lvl6pPr>
             <a:lvl7pPr>
-              <a:defRPr sz="1968"/>
+              <a:defRPr sz="2362"/>
             </a:lvl7pPr>
             <a:lvl8pPr>
-              <a:defRPr sz="1968"/>
+              <a:defRPr sz="2362"/>
             </a:lvl8pPr>
             <a:lvl9pPr>
-              <a:defRPr sz="1968"/>
+              <a:defRPr sz="2362"/>
             </a:lvl9pPr>
           </a:lstStyle>
           <a:p>
@@ -2024,8 +2464,8 @@
         </p:nvSpPr>
         <p:spPr>
           <a:xfrm>
-            <a:off x="619891" y="3239929"/>
-            <a:ext cx="2902585" cy="6002369"/>
+            <a:off x="743890" y="3239929"/>
+            <a:ext cx="3483205" cy="6002369"/>
           </a:xfrm>
         </p:spPr>
         <p:txBody>
@@ -2033,39 +2473,39 @@
           <a:lstStyle>
             <a:lvl1pPr marL="0" indent="0">
               <a:buNone/>
-              <a:defRPr sz="1575"/>
+              <a:defRPr sz="1890"/>
             </a:lvl1pPr>
-            <a:lvl2pPr marL="449976" indent="0">
-              <a:buNone/>
-              <a:defRPr sz="1378"/>
+            <a:lvl2pPr marL="539999" indent="0">
+              <a:buNone/>
+              <a:defRPr sz="1654"/>
             </a:lvl2pPr>
-            <a:lvl3pPr marL="899952" indent="0">
+            <a:lvl3pPr marL="1079998" indent="0">
+              <a:buNone/>
+              <a:defRPr sz="1417"/>
+            </a:lvl3pPr>
+            <a:lvl4pPr marL="1619997" indent="0">
               <a:buNone/>
               <a:defRPr sz="1181"/>
-            </a:lvl3pPr>
-            <a:lvl4pPr marL="1349929" indent="0">
-              <a:buNone/>
-              <a:defRPr sz="984"/>
             </a:lvl4pPr>
-            <a:lvl5pPr marL="1799905" indent="0">
-              <a:buNone/>
-              <a:defRPr sz="984"/>
+            <a:lvl5pPr marL="2159996" indent="0">
+              <a:buNone/>
+              <a:defRPr sz="1181"/>
             </a:lvl5pPr>
-            <a:lvl6pPr marL="2249881" indent="0">
-              <a:buNone/>
-              <a:defRPr sz="984"/>
+            <a:lvl6pPr marL="2699995" indent="0">
+              <a:buNone/>
+              <a:defRPr sz="1181"/>
             </a:lvl6pPr>
-            <a:lvl7pPr marL="2699857" indent="0">
-              <a:buNone/>
-              <a:defRPr sz="984"/>
+            <a:lvl7pPr marL="3239994" indent="0">
+              <a:buNone/>
+              <a:defRPr sz="1181"/>
             </a:lvl7pPr>
-            <a:lvl8pPr marL="3149834" indent="0">
-              <a:buNone/>
-              <a:defRPr sz="984"/>
+            <a:lvl8pPr marL="3779992" indent="0">
+              <a:buNone/>
+              <a:defRPr sz="1181"/>
             </a:lvl8pPr>
-            <a:lvl9pPr marL="3599810" indent="0">
-              <a:buNone/>
-              <a:defRPr sz="984"/>
+            <a:lvl9pPr marL="4319991" indent="0">
+              <a:buNone/>
+              <a:defRPr sz="1181"/>
             </a:lvl9pPr>
           </a:lstStyle>
           <a:p>
@@ -2094,7 +2534,7 @@
           <a:p>
             <a:fld id="{5E8929CF-35E4-49DC-A48F-DF7B6959BFA4}" type="datetimeFigureOut">
               <a:rPr lang="zh-CN" altLang="en-US" smtClean="0"/>
-              <a:t>2024-10-11</a:t>
+              <a:t>2024/10/17</a:t>
             </a:fld>
             <a:endParaRPr lang="zh-CN" altLang="en-US"/>
           </a:p>
@@ -2145,7 +2585,7 @@
     </p:spTree>
     <p:extLst>
       <p:ext uri="{BB962C8B-B14F-4D97-AF65-F5344CB8AC3E}">
-        <p14:creationId xmlns:p14="http://schemas.microsoft.com/office/powerpoint/2010/main" val="3289646640"/>
+        <p14:creationId xmlns:p14="http://schemas.microsoft.com/office/powerpoint/2010/main" val="4135707317"/>
       </p:ext>
     </p:extLst>
   </p:cSld>
@@ -2184,15 +2624,15 @@
         </p:nvSpPr>
         <p:spPr>
           <a:xfrm>
-            <a:off x="619891" y="719984"/>
-            <a:ext cx="2902585" cy="2519945"/>
+            <a:off x="743890" y="719984"/>
+            <a:ext cx="3483205" cy="2519945"/>
           </a:xfrm>
         </p:spPr>
         <p:txBody>
           <a:bodyPr anchor="b"/>
           <a:lstStyle>
             <a:lvl1pPr>
-              <a:defRPr sz="3149"/>
+              <a:defRPr sz="3780"/>
             </a:lvl1pPr>
           </a:lstStyle>
           <a:p>
@@ -2216,8 +2656,8 @@
         </p:nvSpPr>
         <p:spPr>
           <a:xfrm>
-            <a:off x="3825976" y="1554968"/>
-            <a:ext cx="4556016" cy="7674832"/>
+            <a:off x="4591306" y="1554968"/>
+            <a:ext cx="5467380" cy="7674832"/>
           </a:xfrm>
         </p:spPr>
         <p:txBody>
@@ -2225,39 +2665,39 @@
           <a:lstStyle>
             <a:lvl1pPr marL="0" indent="0">
               <a:buNone/>
-              <a:defRPr sz="3149"/>
+              <a:defRPr sz="3780"/>
             </a:lvl1pPr>
-            <a:lvl2pPr marL="449976" indent="0">
-              <a:buNone/>
-              <a:defRPr sz="2756"/>
+            <a:lvl2pPr marL="539999" indent="0">
+              <a:buNone/>
+              <a:defRPr sz="3307"/>
             </a:lvl2pPr>
-            <a:lvl3pPr marL="899952" indent="0">
+            <a:lvl3pPr marL="1079998" indent="0">
+              <a:buNone/>
+              <a:defRPr sz="2835"/>
+            </a:lvl3pPr>
+            <a:lvl4pPr marL="1619997" indent="0">
               <a:buNone/>
               <a:defRPr sz="2362"/>
-            </a:lvl3pPr>
-            <a:lvl4pPr marL="1349929" indent="0">
-              <a:buNone/>
-              <a:defRPr sz="1968"/>
             </a:lvl4pPr>
-            <a:lvl5pPr marL="1799905" indent="0">
-              <a:buNone/>
-              <a:defRPr sz="1968"/>
+            <a:lvl5pPr marL="2159996" indent="0">
+              <a:buNone/>
+              <a:defRPr sz="2362"/>
             </a:lvl5pPr>
-            <a:lvl6pPr marL="2249881" indent="0">
-              <a:buNone/>
-              <a:defRPr sz="1968"/>
+            <a:lvl6pPr marL="2699995" indent="0">
+              <a:buNone/>
+              <a:defRPr sz="2362"/>
             </a:lvl6pPr>
-            <a:lvl7pPr marL="2699857" indent="0">
-              <a:buNone/>
-              <a:defRPr sz="1968"/>
+            <a:lvl7pPr marL="3239994" indent="0">
+              <a:buNone/>
+              <a:defRPr sz="2362"/>
             </a:lvl7pPr>
-            <a:lvl8pPr marL="3149834" indent="0">
-              <a:buNone/>
-              <a:defRPr sz="1968"/>
+            <a:lvl8pPr marL="3779992" indent="0">
+              <a:buNone/>
+              <a:defRPr sz="2362"/>
             </a:lvl8pPr>
-            <a:lvl9pPr marL="3599810" indent="0">
-              <a:buNone/>
-              <a:defRPr sz="1968"/>
+            <a:lvl9pPr marL="4319991" indent="0">
+              <a:buNone/>
+              <a:defRPr sz="2362"/>
             </a:lvl9pPr>
           </a:lstStyle>
           <a:p>
@@ -2281,8 +2721,8 @@
         </p:nvSpPr>
         <p:spPr>
           <a:xfrm>
-            <a:off x="619891" y="3239929"/>
-            <a:ext cx="2902585" cy="6002369"/>
+            <a:off x="743890" y="3239929"/>
+            <a:ext cx="3483205" cy="6002369"/>
           </a:xfrm>
         </p:spPr>
         <p:txBody>
@@ -2290,39 +2730,39 @@
           <a:lstStyle>
             <a:lvl1pPr marL="0" indent="0">
               <a:buNone/>
-              <a:defRPr sz="1575"/>
+              <a:defRPr sz="1890"/>
             </a:lvl1pPr>
-            <a:lvl2pPr marL="449976" indent="0">
-              <a:buNone/>
-              <a:defRPr sz="1378"/>
+            <a:lvl2pPr marL="539999" indent="0">
+              <a:buNone/>
+              <a:defRPr sz="1654"/>
             </a:lvl2pPr>
-            <a:lvl3pPr marL="899952" indent="0">
+            <a:lvl3pPr marL="1079998" indent="0">
+              <a:buNone/>
+              <a:defRPr sz="1417"/>
+            </a:lvl3pPr>
+            <a:lvl4pPr marL="1619997" indent="0">
               <a:buNone/>
               <a:defRPr sz="1181"/>
-            </a:lvl3pPr>
-            <a:lvl4pPr marL="1349929" indent="0">
-              <a:buNone/>
-              <a:defRPr sz="984"/>
             </a:lvl4pPr>
-            <a:lvl5pPr marL="1799905" indent="0">
-              <a:buNone/>
-              <a:defRPr sz="984"/>
+            <a:lvl5pPr marL="2159996" indent="0">
+              <a:buNone/>
+              <a:defRPr sz="1181"/>
             </a:lvl5pPr>
-            <a:lvl6pPr marL="2249881" indent="0">
-              <a:buNone/>
-              <a:defRPr sz="984"/>
+            <a:lvl6pPr marL="2699995" indent="0">
+              <a:buNone/>
+              <a:defRPr sz="1181"/>
             </a:lvl6pPr>
-            <a:lvl7pPr marL="2699857" indent="0">
-              <a:buNone/>
-              <a:defRPr sz="984"/>
+            <a:lvl7pPr marL="3239994" indent="0">
+              <a:buNone/>
+              <a:defRPr sz="1181"/>
             </a:lvl7pPr>
-            <a:lvl8pPr marL="3149834" indent="0">
-              <a:buNone/>
-              <a:defRPr sz="984"/>
+            <a:lvl8pPr marL="3779992" indent="0">
+              <a:buNone/>
+              <a:defRPr sz="1181"/>
             </a:lvl8pPr>
-            <a:lvl9pPr marL="3599810" indent="0">
-              <a:buNone/>
-              <a:defRPr sz="984"/>
+            <a:lvl9pPr marL="4319991" indent="0">
+              <a:buNone/>
+              <a:defRPr sz="1181"/>
             </a:lvl9pPr>
           </a:lstStyle>
           <a:p>
@@ -2351,7 +2791,7 @@
           <a:p>
             <a:fld id="{5E8929CF-35E4-49DC-A48F-DF7B6959BFA4}" type="datetimeFigureOut">
               <a:rPr lang="zh-CN" altLang="en-US" smtClean="0"/>
-              <a:t>2024-10-11</a:t>
+              <a:t>2024/10/17</a:t>
             </a:fld>
             <a:endParaRPr lang="zh-CN" altLang="en-US"/>
           </a:p>
@@ -2402,7 +2842,7 @@
     </p:spTree>
     <p:extLst>
       <p:ext uri="{BB962C8B-B14F-4D97-AF65-F5344CB8AC3E}">
-        <p14:creationId xmlns:p14="http://schemas.microsoft.com/office/powerpoint/2010/main" val="495151714"/>
+        <p14:creationId xmlns:p14="http://schemas.microsoft.com/office/powerpoint/2010/main" val="3489411002"/>
       </p:ext>
     </p:extLst>
   </p:cSld>
@@ -2446,8 +2886,8 @@
         </p:nvSpPr>
         <p:spPr>
           <a:xfrm>
-            <a:off x="618718" y="574990"/>
-            <a:ext cx="7762102" cy="2087455"/>
+            <a:off x="742484" y="574990"/>
+            <a:ext cx="9314796" cy="2087455"/>
           </a:xfrm>
           <a:prstGeom prst="rect">
             <a:avLst/>
@@ -2479,8 +2919,8 @@
         </p:nvSpPr>
         <p:spPr>
           <a:xfrm>
-            <a:off x="618718" y="2874937"/>
-            <a:ext cx="7762102" cy="6852350"/>
+            <a:off x="742484" y="2874937"/>
+            <a:ext cx="9314796" cy="6852350"/>
           </a:xfrm>
           <a:prstGeom prst="rect">
             <a:avLst/>
@@ -2541,8 +2981,8 @@
         </p:nvSpPr>
         <p:spPr>
           <a:xfrm>
-            <a:off x="618718" y="10009783"/>
-            <a:ext cx="2024896" cy="574987"/>
+            <a:off x="742484" y="10009783"/>
+            <a:ext cx="2429947" cy="574987"/>
           </a:xfrm>
           <a:prstGeom prst="rect">
             <a:avLst/>
@@ -2552,7 +2992,7 @@
           <a:bodyPr vert="horz" lIns="91440" tIns="45720" rIns="91440" bIns="45720" rtlCol="0" anchor="ctr"/>
           <a:lstStyle>
             <a:lvl1pPr algn="l">
-              <a:defRPr sz="1181">
+              <a:defRPr sz="1417">
                 <a:solidFill>
                   <a:schemeClr val="tx1">
                     <a:tint val="82000"/>
@@ -2564,7 +3004,7 @@
           <a:p>
             <a:fld id="{5E8929CF-35E4-49DC-A48F-DF7B6959BFA4}" type="datetimeFigureOut">
               <a:rPr lang="zh-CN" altLang="en-US" smtClean="0"/>
-              <a:t>2024-10-11</a:t>
+              <a:t>2024/10/17</a:t>
             </a:fld>
             <a:endParaRPr lang="zh-CN" altLang="en-US"/>
           </a:p>
@@ -2582,8 +3022,8 @@
         </p:nvSpPr>
         <p:spPr>
           <a:xfrm>
-            <a:off x="2981097" y="10009783"/>
-            <a:ext cx="3037344" cy="574987"/>
+            <a:off x="3577422" y="10009783"/>
+            <a:ext cx="3644920" cy="574987"/>
           </a:xfrm>
           <a:prstGeom prst="rect">
             <a:avLst/>
@@ -2593,7 +3033,7 @@
           <a:bodyPr vert="horz" lIns="91440" tIns="45720" rIns="91440" bIns="45720" rtlCol="0" anchor="ctr"/>
           <a:lstStyle>
             <a:lvl1pPr algn="ctr">
-              <a:defRPr sz="1181">
+              <a:defRPr sz="1417">
                 <a:solidFill>
                   <a:schemeClr val="tx1">
                     <a:tint val="82000"/>
@@ -2619,8 +3059,8 @@
         </p:nvSpPr>
         <p:spPr>
           <a:xfrm>
-            <a:off x="6355924" y="10009783"/>
-            <a:ext cx="2024896" cy="574987"/>
+            <a:off x="7627332" y="10009783"/>
+            <a:ext cx="2429947" cy="574987"/>
           </a:xfrm>
           <a:prstGeom prst="rect">
             <a:avLst/>
@@ -2630,7 +3070,7 @@
           <a:bodyPr vert="horz" lIns="91440" tIns="45720" rIns="91440" bIns="45720" rtlCol="0" anchor="ctr"/>
           <a:lstStyle>
             <a:lvl1pPr algn="r">
-              <a:defRPr sz="1181">
+              <a:defRPr sz="1417">
                 <a:solidFill>
                   <a:schemeClr val="tx1">
                     <a:tint val="82000"/>
@@ -2651,27 +3091,27 @@
     </p:spTree>
     <p:extLst>
       <p:ext uri="{BB962C8B-B14F-4D97-AF65-F5344CB8AC3E}">
-        <p14:creationId xmlns:p14="http://schemas.microsoft.com/office/powerpoint/2010/main" val="3691683233"/>
+        <p14:creationId xmlns:p14="http://schemas.microsoft.com/office/powerpoint/2010/main" val="3301013206"/>
       </p:ext>
     </p:extLst>
   </p:cSld>
   <p:clrMap bg1="lt1" tx1="dk1" bg2="lt2" tx2="dk2" accent1="accent1" accent2="accent2" accent3="accent3" accent4="accent4" accent5="accent5" accent6="accent6" hlink="hlink" folHlink="folHlink"/>
   <p:sldLayoutIdLst>
-    <p:sldLayoutId id="2147483697" r:id="rId1"/>
-    <p:sldLayoutId id="2147483698" r:id="rId2"/>
-    <p:sldLayoutId id="2147483699" r:id="rId3"/>
-    <p:sldLayoutId id="2147483700" r:id="rId4"/>
-    <p:sldLayoutId id="2147483701" r:id="rId5"/>
-    <p:sldLayoutId id="2147483702" r:id="rId6"/>
-    <p:sldLayoutId id="2147483703" r:id="rId7"/>
-    <p:sldLayoutId id="2147483704" r:id="rId8"/>
-    <p:sldLayoutId id="2147483705" r:id="rId9"/>
-    <p:sldLayoutId id="2147483706" r:id="rId10"/>
-    <p:sldLayoutId id="2147483707" r:id="rId11"/>
+    <p:sldLayoutId id="2147483709" r:id="rId1"/>
+    <p:sldLayoutId id="2147483710" r:id="rId2"/>
+    <p:sldLayoutId id="2147483711" r:id="rId3"/>
+    <p:sldLayoutId id="2147483712" r:id="rId4"/>
+    <p:sldLayoutId id="2147483713" r:id="rId5"/>
+    <p:sldLayoutId id="2147483714" r:id="rId6"/>
+    <p:sldLayoutId id="2147483715" r:id="rId7"/>
+    <p:sldLayoutId id="2147483716" r:id="rId8"/>
+    <p:sldLayoutId id="2147483717" r:id="rId9"/>
+    <p:sldLayoutId id="2147483718" r:id="rId10"/>
+    <p:sldLayoutId id="2147483719" r:id="rId11"/>
   </p:sldLayoutIdLst>
   <p:txStyles>
     <p:titleStyle>
-      <a:lvl1pPr algn="l" defTabSz="899952" rtl="0" eaLnBrk="1" latinLnBrk="0" hangingPunct="1">
+      <a:lvl1pPr algn="l" defTabSz="1079998" rtl="0" eaLnBrk="1" latinLnBrk="0" hangingPunct="1">
         <a:lnSpc>
           <a:spcPct val="90000"/>
         </a:lnSpc>
@@ -2679,7 +3119,7 @@
           <a:spcPct val="0"/>
         </a:spcBef>
         <a:buNone/>
-        <a:defRPr sz="4330" kern="1200">
+        <a:defRPr sz="5197" kern="1200">
           <a:solidFill>
             <a:schemeClr val="tx1"/>
           </a:solidFill>
@@ -2690,16 +3130,16 @@
       </a:lvl1pPr>
     </p:titleStyle>
     <p:bodyStyle>
-      <a:lvl1pPr marL="224988" indent="-224988" algn="l" defTabSz="899952" rtl="0" eaLnBrk="1" latinLnBrk="0" hangingPunct="1">
+      <a:lvl1pPr marL="269999" indent="-269999" algn="l" defTabSz="1079998" rtl="0" eaLnBrk="1" latinLnBrk="0" hangingPunct="1">
         <a:lnSpc>
           <a:spcPct val="90000"/>
         </a:lnSpc>
         <a:spcBef>
-          <a:spcPts val="984"/>
+          <a:spcPts val="1181"/>
         </a:spcBef>
         <a:buFont typeface="Arial" panose="020B0604020202020204" pitchFamily="34" charset="0"/>
         <a:buChar char="•"/>
-        <a:defRPr sz="2756" kern="1200">
+        <a:defRPr sz="3307" kern="1200">
           <a:solidFill>
             <a:schemeClr val="tx1"/>
           </a:solidFill>
@@ -2708,12 +3148,30 @@
           <a:cs typeface="+mn-cs"/>
         </a:defRPr>
       </a:lvl1pPr>
-      <a:lvl2pPr marL="674964" indent="-224988" algn="l" defTabSz="899952" rtl="0" eaLnBrk="1" latinLnBrk="0" hangingPunct="1">
+      <a:lvl2pPr marL="809998" indent="-269999" algn="l" defTabSz="1079998" rtl="0" eaLnBrk="1" latinLnBrk="0" hangingPunct="1">
         <a:lnSpc>
           <a:spcPct val="90000"/>
         </a:lnSpc>
         <a:spcBef>
-          <a:spcPts val="492"/>
+          <a:spcPts val="591"/>
+        </a:spcBef>
+        <a:buFont typeface="Arial" panose="020B0604020202020204" pitchFamily="34" charset="0"/>
+        <a:buChar char="•"/>
+        <a:defRPr sz="2835" kern="1200">
+          <a:solidFill>
+            <a:schemeClr val="tx1"/>
+          </a:solidFill>
+          <a:latin typeface="+mn-lt"/>
+          <a:ea typeface="+mn-ea"/>
+          <a:cs typeface="+mn-cs"/>
+        </a:defRPr>
+      </a:lvl2pPr>
+      <a:lvl3pPr marL="1349997" indent="-269999" algn="l" defTabSz="1079998" rtl="0" eaLnBrk="1" latinLnBrk="0" hangingPunct="1">
+        <a:lnSpc>
+          <a:spcPct val="90000"/>
+        </a:lnSpc>
+        <a:spcBef>
+          <a:spcPts val="591"/>
         </a:spcBef>
         <a:buFont typeface="Arial" panose="020B0604020202020204" pitchFamily="34" charset="0"/>
         <a:buChar char="•"/>
@@ -2725,35 +3183,17 @@
           <a:ea typeface="+mn-ea"/>
           <a:cs typeface="+mn-cs"/>
         </a:defRPr>
-      </a:lvl2pPr>
-      <a:lvl3pPr marL="1124941" indent="-224988" algn="l" defTabSz="899952" rtl="0" eaLnBrk="1" latinLnBrk="0" hangingPunct="1">
+      </a:lvl3pPr>
+      <a:lvl4pPr marL="1889996" indent="-269999" algn="l" defTabSz="1079998" rtl="0" eaLnBrk="1" latinLnBrk="0" hangingPunct="1">
         <a:lnSpc>
           <a:spcPct val="90000"/>
         </a:lnSpc>
         <a:spcBef>
-          <a:spcPts val="492"/>
+          <a:spcPts val="591"/>
         </a:spcBef>
         <a:buFont typeface="Arial" panose="020B0604020202020204" pitchFamily="34" charset="0"/>
         <a:buChar char="•"/>
-        <a:defRPr sz="1968" kern="1200">
-          <a:solidFill>
-            <a:schemeClr val="tx1"/>
-          </a:solidFill>
-          <a:latin typeface="+mn-lt"/>
-          <a:ea typeface="+mn-ea"/>
-          <a:cs typeface="+mn-cs"/>
-        </a:defRPr>
-      </a:lvl3pPr>
-      <a:lvl4pPr marL="1574917" indent="-224988" algn="l" defTabSz="899952" rtl="0" eaLnBrk="1" latinLnBrk="0" hangingPunct="1">
-        <a:lnSpc>
-          <a:spcPct val="90000"/>
-        </a:lnSpc>
-        <a:spcBef>
-          <a:spcPts val="492"/>
-        </a:spcBef>
-        <a:buFont typeface="Arial" panose="020B0604020202020204" pitchFamily="34" charset="0"/>
-        <a:buChar char="•"/>
-        <a:defRPr sz="1772" kern="1200">
+        <a:defRPr sz="2126" kern="1200">
           <a:solidFill>
             <a:schemeClr val="tx1"/>
           </a:solidFill>
@@ -2762,16 +3202,16 @@
           <a:cs typeface="+mn-cs"/>
         </a:defRPr>
       </a:lvl4pPr>
-      <a:lvl5pPr marL="2024893" indent="-224988" algn="l" defTabSz="899952" rtl="0" eaLnBrk="1" latinLnBrk="0" hangingPunct="1">
+      <a:lvl5pPr marL="2429995" indent="-269999" algn="l" defTabSz="1079998" rtl="0" eaLnBrk="1" latinLnBrk="0" hangingPunct="1">
         <a:lnSpc>
           <a:spcPct val="90000"/>
         </a:lnSpc>
         <a:spcBef>
-          <a:spcPts val="492"/>
+          <a:spcPts val="591"/>
         </a:spcBef>
         <a:buFont typeface="Arial" panose="020B0604020202020204" pitchFamily="34" charset="0"/>
         <a:buChar char="•"/>
-        <a:defRPr sz="1772" kern="1200">
+        <a:defRPr sz="2126" kern="1200">
           <a:solidFill>
             <a:schemeClr val="tx1"/>
           </a:solidFill>
@@ -2780,16 +3220,16 @@
           <a:cs typeface="+mn-cs"/>
         </a:defRPr>
       </a:lvl5pPr>
-      <a:lvl6pPr marL="2474869" indent="-224988" algn="l" defTabSz="899952" rtl="0" eaLnBrk="1" latinLnBrk="0" hangingPunct="1">
+      <a:lvl6pPr marL="2969994" indent="-269999" algn="l" defTabSz="1079998" rtl="0" eaLnBrk="1" latinLnBrk="0" hangingPunct="1">
         <a:lnSpc>
           <a:spcPct val="90000"/>
         </a:lnSpc>
         <a:spcBef>
-          <a:spcPts val="492"/>
+          <a:spcPts val="591"/>
         </a:spcBef>
         <a:buFont typeface="Arial" panose="020B0604020202020204" pitchFamily="34" charset="0"/>
         <a:buChar char="•"/>
-        <a:defRPr sz="1772" kern="1200">
+        <a:defRPr sz="2126" kern="1200">
           <a:solidFill>
             <a:schemeClr val="tx1"/>
           </a:solidFill>
@@ -2798,16 +3238,16 @@
           <a:cs typeface="+mn-cs"/>
         </a:defRPr>
       </a:lvl6pPr>
-      <a:lvl7pPr marL="2924846" indent="-224988" algn="l" defTabSz="899952" rtl="0" eaLnBrk="1" latinLnBrk="0" hangingPunct="1">
+      <a:lvl7pPr marL="3509993" indent="-269999" algn="l" defTabSz="1079998" rtl="0" eaLnBrk="1" latinLnBrk="0" hangingPunct="1">
         <a:lnSpc>
           <a:spcPct val="90000"/>
         </a:lnSpc>
         <a:spcBef>
-          <a:spcPts val="492"/>
+          <a:spcPts val="591"/>
         </a:spcBef>
         <a:buFont typeface="Arial" panose="020B0604020202020204" pitchFamily="34" charset="0"/>
         <a:buChar char="•"/>
-        <a:defRPr sz="1772" kern="1200">
+        <a:defRPr sz="2126" kern="1200">
           <a:solidFill>
             <a:schemeClr val="tx1"/>
           </a:solidFill>
@@ -2816,16 +3256,16 @@
           <a:cs typeface="+mn-cs"/>
         </a:defRPr>
       </a:lvl7pPr>
-      <a:lvl8pPr marL="3374822" indent="-224988" algn="l" defTabSz="899952" rtl="0" eaLnBrk="1" latinLnBrk="0" hangingPunct="1">
+      <a:lvl8pPr marL="4049992" indent="-269999" algn="l" defTabSz="1079998" rtl="0" eaLnBrk="1" latinLnBrk="0" hangingPunct="1">
         <a:lnSpc>
           <a:spcPct val="90000"/>
         </a:lnSpc>
         <a:spcBef>
-          <a:spcPts val="492"/>
+          <a:spcPts val="591"/>
         </a:spcBef>
         <a:buFont typeface="Arial" panose="020B0604020202020204" pitchFamily="34" charset="0"/>
         <a:buChar char="•"/>
-        <a:defRPr sz="1772" kern="1200">
+        <a:defRPr sz="2126" kern="1200">
           <a:solidFill>
             <a:schemeClr val="tx1"/>
           </a:solidFill>
@@ -2834,16 +3274,16 @@
           <a:cs typeface="+mn-cs"/>
         </a:defRPr>
       </a:lvl8pPr>
-      <a:lvl9pPr marL="3824798" indent="-224988" algn="l" defTabSz="899952" rtl="0" eaLnBrk="1" latinLnBrk="0" hangingPunct="1">
+      <a:lvl9pPr marL="4589991" indent="-269999" algn="l" defTabSz="1079998" rtl="0" eaLnBrk="1" latinLnBrk="0" hangingPunct="1">
         <a:lnSpc>
           <a:spcPct val="90000"/>
         </a:lnSpc>
         <a:spcBef>
-          <a:spcPts val="492"/>
+          <a:spcPts val="591"/>
         </a:spcBef>
         <a:buFont typeface="Arial" panose="020B0604020202020204" pitchFamily="34" charset="0"/>
         <a:buChar char="•"/>
-        <a:defRPr sz="1772" kern="1200">
+        <a:defRPr sz="2126" kern="1200">
           <a:solidFill>
             <a:schemeClr val="tx1"/>
           </a:solidFill>
@@ -2857,8 +3297,8 @@
       <a:defPPr>
         <a:defRPr lang="en-US"/>
       </a:defPPr>
-      <a:lvl1pPr marL="0" algn="l" defTabSz="899952" rtl="0" eaLnBrk="1" latinLnBrk="0" hangingPunct="1">
-        <a:defRPr sz="1772" kern="1200">
+      <a:lvl1pPr marL="0" algn="l" defTabSz="1079998" rtl="0" eaLnBrk="1" latinLnBrk="0" hangingPunct="1">
+        <a:defRPr sz="2126" kern="1200">
           <a:solidFill>
             <a:schemeClr val="tx1"/>
           </a:solidFill>
@@ -2867,8 +3307,8 @@
           <a:cs typeface="+mn-cs"/>
         </a:defRPr>
       </a:lvl1pPr>
-      <a:lvl2pPr marL="449976" algn="l" defTabSz="899952" rtl="0" eaLnBrk="1" latinLnBrk="0" hangingPunct="1">
-        <a:defRPr sz="1772" kern="1200">
+      <a:lvl2pPr marL="539999" algn="l" defTabSz="1079998" rtl="0" eaLnBrk="1" latinLnBrk="0" hangingPunct="1">
+        <a:defRPr sz="2126" kern="1200">
           <a:solidFill>
             <a:schemeClr val="tx1"/>
           </a:solidFill>
@@ -2877,8 +3317,8 @@
           <a:cs typeface="+mn-cs"/>
         </a:defRPr>
       </a:lvl2pPr>
-      <a:lvl3pPr marL="899952" algn="l" defTabSz="899952" rtl="0" eaLnBrk="1" latinLnBrk="0" hangingPunct="1">
-        <a:defRPr sz="1772" kern="1200">
+      <a:lvl3pPr marL="1079998" algn="l" defTabSz="1079998" rtl="0" eaLnBrk="1" latinLnBrk="0" hangingPunct="1">
+        <a:defRPr sz="2126" kern="1200">
           <a:solidFill>
             <a:schemeClr val="tx1"/>
           </a:solidFill>
@@ -2887,8 +3327,8 @@
           <a:cs typeface="+mn-cs"/>
         </a:defRPr>
       </a:lvl3pPr>
-      <a:lvl4pPr marL="1349929" algn="l" defTabSz="899952" rtl="0" eaLnBrk="1" latinLnBrk="0" hangingPunct="1">
-        <a:defRPr sz="1772" kern="1200">
+      <a:lvl4pPr marL="1619997" algn="l" defTabSz="1079998" rtl="0" eaLnBrk="1" latinLnBrk="0" hangingPunct="1">
+        <a:defRPr sz="2126" kern="1200">
           <a:solidFill>
             <a:schemeClr val="tx1"/>
           </a:solidFill>
@@ -2897,8 +3337,8 @@
           <a:cs typeface="+mn-cs"/>
         </a:defRPr>
       </a:lvl4pPr>
-      <a:lvl5pPr marL="1799905" algn="l" defTabSz="899952" rtl="0" eaLnBrk="1" latinLnBrk="0" hangingPunct="1">
-        <a:defRPr sz="1772" kern="1200">
+      <a:lvl5pPr marL="2159996" algn="l" defTabSz="1079998" rtl="0" eaLnBrk="1" latinLnBrk="0" hangingPunct="1">
+        <a:defRPr sz="2126" kern="1200">
           <a:solidFill>
             <a:schemeClr val="tx1"/>
           </a:solidFill>
@@ -2907,8 +3347,8 @@
           <a:cs typeface="+mn-cs"/>
         </a:defRPr>
       </a:lvl5pPr>
-      <a:lvl6pPr marL="2249881" algn="l" defTabSz="899952" rtl="0" eaLnBrk="1" latinLnBrk="0" hangingPunct="1">
-        <a:defRPr sz="1772" kern="1200">
+      <a:lvl6pPr marL="2699995" algn="l" defTabSz="1079998" rtl="0" eaLnBrk="1" latinLnBrk="0" hangingPunct="1">
+        <a:defRPr sz="2126" kern="1200">
           <a:solidFill>
             <a:schemeClr val="tx1"/>
           </a:solidFill>
@@ -2917,8 +3357,8 @@
           <a:cs typeface="+mn-cs"/>
         </a:defRPr>
       </a:lvl6pPr>
-      <a:lvl7pPr marL="2699857" algn="l" defTabSz="899952" rtl="0" eaLnBrk="1" latinLnBrk="0" hangingPunct="1">
-        <a:defRPr sz="1772" kern="1200">
+      <a:lvl7pPr marL="3239994" algn="l" defTabSz="1079998" rtl="0" eaLnBrk="1" latinLnBrk="0" hangingPunct="1">
+        <a:defRPr sz="2126" kern="1200">
           <a:solidFill>
             <a:schemeClr val="tx1"/>
           </a:solidFill>
@@ -2927,8 +3367,8 @@
           <a:cs typeface="+mn-cs"/>
         </a:defRPr>
       </a:lvl7pPr>
-      <a:lvl8pPr marL="3149834" algn="l" defTabSz="899952" rtl="0" eaLnBrk="1" latinLnBrk="0" hangingPunct="1">
-        <a:defRPr sz="1772" kern="1200">
+      <a:lvl8pPr marL="3779992" algn="l" defTabSz="1079998" rtl="0" eaLnBrk="1" latinLnBrk="0" hangingPunct="1">
+        <a:defRPr sz="2126" kern="1200">
           <a:solidFill>
             <a:schemeClr val="tx1"/>
           </a:solidFill>
@@ -2937,8 +3377,8 @@
           <a:cs typeface="+mn-cs"/>
         </a:defRPr>
       </a:lvl8pPr>
-      <a:lvl9pPr marL="3599810" algn="l" defTabSz="899952" rtl="0" eaLnBrk="1" latinLnBrk="0" hangingPunct="1">
-        <a:defRPr sz="1772" kern="1200">
+      <a:lvl9pPr marL="4319991" algn="l" defTabSz="1079998" rtl="0" eaLnBrk="1" latinLnBrk="0" hangingPunct="1">
+        <a:defRPr sz="2126" kern="1200">
           <a:solidFill>
             <a:schemeClr val="tx1"/>
           </a:solidFill>
@@ -2969,77 +3409,6 @@
           <a:chExt cx="0" cy="0"/>
         </a:xfrm>
       </p:grpSpPr>
-      <p:pic>
-        <p:nvPicPr>
-          <p:cNvPr id="79" name="图片 78" descr="图表, 散点图&#10;&#10;描述已自动生成">
-            <a:extLst>
-              <a:ext uri="{FF2B5EF4-FFF2-40B4-BE49-F238E27FC236}">
-                <a16:creationId xmlns:a16="http://schemas.microsoft.com/office/drawing/2014/main" id="{C489AB44-FF07-51B3-0522-66B3A5472CF3}"/>
-              </a:ext>
-            </a:extLst>
-          </p:cNvPr>
-          <p:cNvPicPr>
-            <a:picLocks noChangeAspect="1"/>
-          </p:cNvPicPr>
-          <p:nvPr/>
-        </p:nvPicPr>
-        <p:blipFill>
-          <a:blip r:embed="rId2">
-            <a:extLst>
-              <a:ext uri="{28A0092B-C50C-407E-A947-70E740481C1C}">
-                <a14:useLocalDpi xmlns:a14="http://schemas.microsoft.com/office/drawing/2010/main" val="0"/>
-              </a:ext>
-            </a:extLst>
-          </a:blip>
-          <a:srcRect b="5682"/>
-          <a:stretch/>
-        </p:blipFill>
-        <p:spPr>
-          <a:xfrm>
-            <a:off x="3438347" y="7636590"/>
-            <a:ext cx="5334324" cy="2874993"/>
-          </a:xfrm>
-          <a:prstGeom prst="rect">
-            <a:avLst/>
-          </a:prstGeom>
-        </p:spPr>
-      </p:pic>
-      <p:pic>
-        <p:nvPicPr>
-          <p:cNvPr id="5" name="图片 4">
-            <a:extLst>
-              <a:ext uri="{FF2B5EF4-FFF2-40B4-BE49-F238E27FC236}">
-                <a16:creationId xmlns:a16="http://schemas.microsoft.com/office/drawing/2014/main" id="{A3C20D4C-5D32-3C07-4CA2-E7163F5EC313}"/>
-              </a:ext>
-            </a:extLst>
-          </p:cNvPr>
-          <p:cNvPicPr>
-            <a:picLocks noChangeAspect="1"/>
-          </p:cNvPicPr>
-          <p:nvPr/>
-        </p:nvPicPr>
-        <p:blipFill>
-          <a:blip r:embed="rId3">
-            <a:extLst>
-              <a:ext uri="{28A0092B-C50C-407E-A947-70E740481C1C}">
-                <a14:useLocalDpi xmlns:a14="http://schemas.microsoft.com/office/drawing/2010/main" val="0"/>
-              </a:ext>
-            </a:extLst>
-          </a:blip>
-          <a:stretch>
-            <a:fillRect/>
-          </a:stretch>
-        </p:blipFill>
-        <p:spPr>
-          <a:xfrm>
-            <a:off x="101600" y="976136"/>
-            <a:ext cx="8796338" cy="5496520"/>
-          </a:xfrm>
-          <a:prstGeom prst="rect">
-            <a:avLst/>
-          </a:prstGeom>
-        </p:spPr>
-      </p:pic>
       <p:grpSp>
         <p:nvGrpSpPr>
           <p:cNvPr id="40" name="组合 39">
@@ -3054,7 +3423,7 @@
         </p:nvGrpSpPr>
         <p:grpSpPr>
           <a:xfrm>
-            <a:off x="483635" y="303993"/>
+            <a:off x="491475" y="819039"/>
             <a:ext cx="3966376" cy="633746"/>
             <a:chOff x="483635" y="96906"/>
             <a:chExt cx="3966376" cy="633746"/>
@@ -3131,7 +3500,7 @@
               <a:r>
                 <a:rPr lang="en-US" altLang="zh-CN" sz="1400" b="1" dirty="0">
                   <a:solidFill>
-                    <a:srgbClr val="701C14"/>
+                    <a:srgbClr val="8AC3C6"/>
                   </a:solidFill>
                   <a:latin typeface="Arial" panose="020B0604020202020204" pitchFamily="34" charset="0"/>
                   <a:cs typeface="Arial" panose="020B0604020202020204" pitchFamily="34" charset="0"/>
@@ -3141,7 +3510,7 @@
               <a:r>
                 <a:rPr lang="zh-CN" altLang="en-US" sz="1400" b="1" dirty="0">
                   <a:solidFill>
-                    <a:srgbClr val="701C14"/>
+                    <a:srgbClr val="8AC3C6"/>
                   </a:solidFill>
                   <a:latin typeface="Arial" panose="020B0604020202020204" pitchFamily="34" charset="0"/>
                   <a:cs typeface="Arial" panose="020B0604020202020204" pitchFamily="34" charset="0"/>
@@ -3151,7 +3520,7 @@
               <a:r>
                 <a:rPr lang="en-US" altLang="zh-CN" sz="1400" b="1" dirty="0">
                   <a:solidFill>
-                    <a:srgbClr val="701C14"/>
+                    <a:srgbClr val="8AC3C6"/>
                   </a:solidFill>
                   <a:latin typeface="Arial" panose="020B0604020202020204" pitchFamily="34" charset="0"/>
                   <a:cs typeface="Arial" panose="020B0604020202020204" pitchFamily="34" charset="0"/>
@@ -3473,7 +3842,7 @@
         </p:nvGrpSpPr>
         <p:grpSpPr>
           <a:xfrm>
-            <a:off x="4891310" y="288180"/>
+            <a:off x="4719336" y="803226"/>
             <a:ext cx="3966376" cy="633746"/>
             <a:chOff x="483635" y="96906"/>
             <a:chExt cx="3966376" cy="633746"/>
@@ -3550,7 +3919,7 @@
               <a:r>
                 <a:rPr lang="en-US" altLang="zh-CN" sz="1400" b="1" dirty="0">
                   <a:solidFill>
-                    <a:srgbClr val="701C14"/>
+                    <a:srgbClr val="8AC3C6"/>
                   </a:solidFill>
                   <a:latin typeface="Arial" panose="020B0604020202020204" pitchFamily="34" charset="0"/>
                   <a:cs typeface="Arial" panose="020B0604020202020204" pitchFamily="34" charset="0"/>
@@ -3560,7 +3929,7 @@
               <a:r>
                 <a:rPr lang="zh-CN" altLang="en-US" sz="1400" b="1" dirty="0">
                   <a:solidFill>
-                    <a:srgbClr val="701C14"/>
+                    <a:srgbClr val="8AC3C6"/>
                   </a:solidFill>
                   <a:latin typeface="Arial" panose="020B0604020202020204" pitchFamily="34" charset="0"/>
                   <a:cs typeface="Arial" panose="020B0604020202020204" pitchFamily="34" charset="0"/>
@@ -3570,7 +3939,7 @@
               <a:r>
                 <a:rPr lang="en-US" altLang="zh-CN" sz="1400" b="1" dirty="0">
                   <a:solidFill>
-                    <a:srgbClr val="701C14"/>
+                    <a:srgbClr val="8AC3C6"/>
                   </a:solidFill>
                   <a:latin typeface="Arial" panose="020B0604020202020204" pitchFamily="34" charset="0"/>
                   <a:cs typeface="Arial" panose="020B0604020202020204" pitchFamily="34" charset="0"/>
@@ -3892,7 +4261,7 @@
         </p:nvGrpSpPr>
         <p:grpSpPr>
           <a:xfrm>
-            <a:off x="79994" y="7753316"/>
+            <a:off x="85875" y="7753317"/>
             <a:ext cx="3034117" cy="3029649"/>
             <a:chOff x="205402" y="6314438"/>
             <a:chExt cx="3034117" cy="3029649"/>
@@ -4083,7 +4452,7 @@
         </p:nvSpPr>
         <p:spPr>
           <a:xfrm>
-            <a:off x="79993" y="346031"/>
+            <a:off x="0" y="16175"/>
             <a:ext cx="395220" cy="369332"/>
           </a:xfrm>
           <a:prstGeom prst="rect">
@@ -4122,7 +4491,7 @@
         </p:nvSpPr>
         <p:spPr>
           <a:xfrm>
-            <a:off x="79993" y="6772573"/>
+            <a:off x="0" y="6817595"/>
             <a:ext cx="395220" cy="369332"/>
           </a:xfrm>
           <a:prstGeom prst="rect">
@@ -4142,7 +4511,7 @@
                 <a:latin typeface="Arial" panose="020B0604020202020204" pitchFamily="34" charset="0"/>
                 <a:cs typeface="Arial" panose="020B0604020202020204" pitchFamily="34" charset="0"/>
               </a:rPr>
-              <a:t>B</a:t>
+              <a:t>C</a:t>
             </a:r>
           </a:p>
         </p:txBody>
@@ -4161,7 +4530,7 @@
         </p:nvSpPr>
         <p:spPr>
           <a:xfrm>
-            <a:off x="3250738" y="6772573"/>
+            <a:off x="3170745" y="6817595"/>
             <a:ext cx="395220" cy="369332"/>
           </a:xfrm>
           <a:prstGeom prst="rect">
@@ -4181,47 +4550,11 @@
                 <a:latin typeface="Arial" panose="020B0604020202020204" pitchFamily="34" charset="0"/>
                 <a:cs typeface="Arial" panose="020B0604020202020204" pitchFamily="34" charset="0"/>
               </a:rPr>
-              <a:t>C</a:t>
-            </a:r>
-          </a:p>
-        </p:txBody>
-      </p:sp>
-      <p:pic>
-        <p:nvPicPr>
-          <p:cNvPr id="77" name="图片 76" descr="图表, 散点图&#10;&#10;描述已自动生成">
-            <a:extLst>
-              <a:ext uri="{FF2B5EF4-FFF2-40B4-BE49-F238E27FC236}">
-                <a16:creationId xmlns:a16="http://schemas.microsoft.com/office/drawing/2014/main" id="{DA86565A-F14A-628B-C467-C79399AF53FE}"/>
-              </a:ext>
-            </a:extLst>
-          </p:cNvPr>
-          <p:cNvPicPr>
-            <a:picLocks noChangeAspect="1"/>
-          </p:cNvPicPr>
-          <p:nvPr/>
-        </p:nvPicPr>
-        <p:blipFill>
-          <a:blip r:embed="rId4">
-            <a:extLst>
-              <a:ext uri="{28A0092B-C50C-407E-A947-70E740481C1C}">
-                <a14:useLocalDpi xmlns:a14="http://schemas.microsoft.com/office/drawing/2010/main" val="0"/>
-              </a:ext>
-            </a:extLst>
-          </a:blip>
-          <a:stretch>
-            <a:fillRect/>
-          </a:stretch>
-        </p:blipFill>
-        <p:spPr>
-          <a:xfrm>
-            <a:off x="360000" y="7681656"/>
-            <a:ext cx="2808000" cy="2808000"/>
-          </a:xfrm>
-          <a:prstGeom prst="rect">
-            <a:avLst/>
-          </a:prstGeom>
-        </p:spPr>
-      </p:pic>
+              <a:t>D</a:t>
+            </a:r>
+          </a:p>
+        </p:txBody>
+      </p:sp>
       <p:pic>
         <p:nvPicPr>
           <p:cNvPr id="80" name="图片 79" descr="图表, 散点图&#10;&#10;描述已自动生成">
@@ -4237,7 +4570,7 @@
           <p:nvPr/>
         </p:nvPicPr>
         <p:blipFill>
-          <a:blip r:embed="rId2">
+          <a:blip r:embed="rId3">
             <a:extLst>
               <a:ext uri="{28A0092B-C50C-407E-A947-70E740481C1C}">
                 <a14:useLocalDpi xmlns:a14="http://schemas.microsoft.com/office/drawing/2010/main" val="0"/>
@@ -4249,7 +4582,7 @@
         </p:blipFill>
         <p:spPr>
           <a:xfrm>
-            <a:off x="3409849" y="10580478"/>
+            <a:off x="3228970" y="10624216"/>
             <a:ext cx="5334324" cy="158750"/>
           </a:xfrm>
           <a:prstGeom prst="rect">
@@ -4273,7 +4606,7 @@
         </p:nvCxnSpPr>
         <p:spPr>
           <a:xfrm>
-            <a:off x="3881082" y="10540632"/>
+            <a:off x="3666562" y="10573969"/>
             <a:ext cx="929044" cy="0"/>
           </a:xfrm>
           <a:prstGeom prst="line">
@@ -4320,7 +4653,7 @@
         </p:nvCxnSpPr>
         <p:spPr>
           <a:xfrm>
-            <a:off x="5211565" y="10540632"/>
+            <a:off x="4997045" y="10573969"/>
             <a:ext cx="929044" cy="0"/>
           </a:xfrm>
           <a:prstGeom prst="line">
@@ -4367,7 +4700,7 @@
         </p:nvCxnSpPr>
         <p:spPr>
           <a:xfrm>
-            <a:off x="6475679" y="10540632"/>
+            <a:off x="6261159" y="10573969"/>
             <a:ext cx="929044" cy="0"/>
           </a:xfrm>
           <a:prstGeom prst="line">
@@ -4414,7 +4747,7 @@
         </p:nvCxnSpPr>
         <p:spPr>
           <a:xfrm>
-            <a:off x="7757566" y="10540632"/>
+            <a:off x="7543046" y="10573969"/>
             <a:ext cx="929044" cy="0"/>
           </a:xfrm>
           <a:prstGeom prst="line">
@@ -4459,7 +4792,7 @@
         </p:nvSpPr>
         <p:spPr>
           <a:xfrm>
-            <a:off x="345989" y="7107734"/>
+            <a:off x="265997" y="7179395"/>
             <a:ext cx="8307559" cy="369333"/>
           </a:xfrm>
           <a:custGeom>
@@ -4574,42 +4907,12 @@
           </a:p>
         </p:txBody>
       </p:sp>
-    </p:spTree>
-    <p:extLst>
-      <p:ext uri="{BB962C8B-B14F-4D97-AF65-F5344CB8AC3E}">
-        <p14:creationId xmlns:p14="http://schemas.microsoft.com/office/powerpoint/2010/main" val="2438493942"/>
-      </p:ext>
-    </p:extLst>
-  </p:cSld>
-  <p:clrMapOvr>
-    <a:masterClrMapping/>
-  </p:clrMapOvr>
-</p:sld>
-</file>
-
-<file path=ppt/slides/slide2.xml><?xml version="1.0" encoding="utf-8"?>
-<p:sld xmlns:a="http://schemas.openxmlformats.org/drawingml/2006/main" xmlns:r="http://schemas.openxmlformats.org/officeDocument/2006/relationships" xmlns:p="http://schemas.openxmlformats.org/presentationml/2006/main">
-  <p:cSld>
-    <p:spTree>
-      <p:nvGrpSpPr>
-        <p:cNvPr id="1" name=""/>
-        <p:cNvGrpSpPr/>
-        <p:nvPr/>
-      </p:nvGrpSpPr>
-      <p:grpSpPr>
-        <a:xfrm>
-          <a:off x="0" y="0"/>
-          <a:ext cx="0" cy="0"/>
-          <a:chOff x="0" y="0"/>
-          <a:chExt cx="0" cy="0"/>
-        </a:xfrm>
-      </p:grpSpPr>
-      <p:sp>
-        <p:nvSpPr>
-          <p:cNvPr id="7" name="任意多边形: 形状 6">
+      <p:sp>
+        <p:nvSpPr>
+          <p:cNvPr id="9" name="任意多边形: 形状 8">
             <a:extLst>
               <a:ext uri="{FF2B5EF4-FFF2-40B4-BE49-F238E27FC236}">
-                <a16:creationId xmlns:a16="http://schemas.microsoft.com/office/drawing/2014/main" id="{A83AC541-1356-DF62-C175-221BF13202AD}"/>
+                <a16:creationId xmlns:a16="http://schemas.microsoft.com/office/drawing/2014/main" id="{7C68606E-33D7-E76A-6F1E-3FE608F09E8A}"/>
               </a:ext>
             </a:extLst>
           </p:cNvPr>
@@ -4618,8 +4921,8 @@
         </p:nvSpPr>
         <p:spPr>
           <a:xfrm>
-            <a:off x="157163" y="4130040"/>
-            <a:ext cx="8515350" cy="449580"/>
+            <a:off x="265997" y="355044"/>
+            <a:ext cx="8307559" cy="369333"/>
           </a:xfrm>
           <a:custGeom>
             <a:avLst/>
@@ -4733,10 +5036,314 @@
           </a:p>
         </p:txBody>
       </p:sp>
+      <p:sp>
+        <p:nvSpPr>
+          <p:cNvPr id="11" name="文本框 10">
+            <a:extLst>
+              <a:ext uri="{FF2B5EF4-FFF2-40B4-BE49-F238E27FC236}">
+                <a16:creationId xmlns:a16="http://schemas.microsoft.com/office/drawing/2014/main" id="{27A70DC7-78E0-6D87-2BB0-40443BD5C60E}"/>
+              </a:ext>
+            </a:extLst>
+          </p:cNvPr>
+          <p:cNvSpPr txBox="1"/>
+          <p:nvPr/>
+        </p:nvSpPr>
+        <p:spPr>
+          <a:xfrm>
+            <a:off x="8539308" y="16175"/>
+            <a:ext cx="395220" cy="369332"/>
+          </a:xfrm>
+          <a:prstGeom prst="rect">
+            <a:avLst/>
+          </a:prstGeom>
+          <a:noFill/>
+        </p:spPr>
+        <p:txBody>
+          <a:bodyPr wrap="square" rtlCol="0">
+            <a:spAutoFit/>
+          </a:bodyPr>
+          <a:lstStyle/>
+          <a:p>
+            <a:pPr algn="ctr"/>
+            <a:r>
+              <a:rPr lang="en-US" altLang="zh-CN" dirty="0">
+                <a:latin typeface="Arial" panose="020B0604020202020204" pitchFamily="34" charset="0"/>
+                <a:cs typeface="Arial" panose="020B0604020202020204" pitchFamily="34" charset="0"/>
+              </a:rPr>
+              <a:t>B</a:t>
+            </a:r>
+          </a:p>
+        </p:txBody>
+      </p:sp>
+      <p:sp>
+        <p:nvSpPr>
+          <p:cNvPr id="12" name="文本框 11">
+            <a:extLst>
+              <a:ext uri="{FF2B5EF4-FFF2-40B4-BE49-F238E27FC236}">
+                <a16:creationId xmlns:a16="http://schemas.microsoft.com/office/drawing/2014/main" id="{3A5ACFEF-B0FC-594A-6EBE-23ED93057FFD}"/>
+              </a:ext>
+            </a:extLst>
+          </p:cNvPr>
+          <p:cNvSpPr txBox="1"/>
+          <p:nvPr/>
+        </p:nvSpPr>
+        <p:spPr>
+          <a:xfrm>
+            <a:off x="501214" y="398383"/>
+            <a:ext cx="7939777" cy="323165"/>
+          </a:xfrm>
+          <a:prstGeom prst="rect">
+            <a:avLst/>
+          </a:prstGeom>
+          <a:noFill/>
+        </p:spPr>
+        <p:txBody>
+          <a:bodyPr wrap="square" rtlCol="0">
+            <a:spAutoFit/>
+          </a:bodyPr>
+          <a:lstStyle/>
+          <a:p>
+            <a:pPr algn="ctr"/>
+            <a:r>
+              <a:rPr lang="en-US" altLang="zh-CN" sz="1500" b="1" dirty="0">
+                <a:latin typeface="Arial" panose="020B0604020202020204" pitchFamily="34" charset="0"/>
+                <a:cs typeface="Arial" panose="020B0604020202020204" pitchFamily="34" charset="0"/>
+              </a:rPr>
+              <a:t>Benchmarking Performance of </a:t>
+            </a:r>
+            <a:r>
+              <a:rPr lang="en-US" altLang="zh-CN" sz="1500" b="1" dirty="0">
+                <a:solidFill>
+                  <a:srgbClr val="8AC3C6"/>
+                </a:solidFill>
+                <a:latin typeface="Arial" panose="020B0604020202020204" pitchFamily="34" charset="0"/>
+                <a:cs typeface="Arial" panose="020B0604020202020204" pitchFamily="34" charset="0"/>
+              </a:rPr>
+              <a:t>Mine Framework </a:t>
+            </a:r>
+            <a:r>
+              <a:rPr lang="en-US" altLang="zh-CN" sz="1500" b="1" dirty="0">
+                <a:latin typeface="Arial" panose="020B0604020202020204" pitchFamily="34" charset="0"/>
+                <a:cs typeface="Arial" panose="020B0604020202020204" pitchFamily="34" charset="0"/>
+              </a:rPr>
+              <a:t>based on Five-Fold Cross-Validation</a:t>
+            </a:r>
+          </a:p>
+        </p:txBody>
+      </p:sp>
+      <p:sp>
+        <p:nvSpPr>
+          <p:cNvPr id="13" name="文本框 12">
+            <a:extLst>
+              <a:ext uri="{FF2B5EF4-FFF2-40B4-BE49-F238E27FC236}">
+                <a16:creationId xmlns:a16="http://schemas.microsoft.com/office/drawing/2014/main" id="{701A9E6D-AE5E-592F-1F59-9F3A765F125E}"/>
+              </a:ext>
+            </a:extLst>
+          </p:cNvPr>
+          <p:cNvSpPr txBox="1"/>
+          <p:nvPr/>
+        </p:nvSpPr>
+        <p:spPr>
+          <a:xfrm>
+            <a:off x="97911" y="7208218"/>
+            <a:ext cx="8725859" cy="323165"/>
+          </a:xfrm>
+          <a:prstGeom prst="rect">
+            <a:avLst/>
+          </a:prstGeom>
+          <a:noFill/>
+        </p:spPr>
+        <p:txBody>
+          <a:bodyPr wrap="square" rtlCol="0">
+            <a:spAutoFit/>
+          </a:bodyPr>
+          <a:lstStyle/>
+          <a:p>
+            <a:pPr algn="ctr"/>
+            <a:r>
+              <a:rPr lang="en-US" altLang="zh-CN" sz="1500" b="1" dirty="0">
+                <a:solidFill>
+                  <a:srgbClr val="8AC3C6"/>
+                </a:solidFill>
+                <a:latin typeface="Arial" panose="020B0604020202020204" pitchFamily="34" charset="0"/>
+                <a:cs typeface="Arial" panose="020B0604020202020204" pitchFamily="34" charset="0"/>
+              </a:rPr>
+              <a:t>Testing Performance </a:t>
+            </a:r>
+            <a:r>
+              <a:rPr lang="en-US" altLang="zh-CN" sz="1500" b="1" dirty="0">
+                <a:latin typeface="Arial" panose="020B0604020202020204" pitchFamily="34" charset="0"/>
+                <a:cs typeface="Arial" panose="020B0604020202020204" pitchFamily="34" charset="0"/>
+              </a:rPr>
+              <a:t>and </a:t>
+            </a:r>
+            <a:r>
+              <a:rPr lang="en-US" altLang="zh-CN" sz="1500" b="1" dirty="0">
+                <a:solidFill>
+                  <a:srgbClr val="8AC3C6"/>
+                </a:solidFill>
+                <a:latin typeface="Arial" panose="020B0604020202020204" pitchFamily="34" charset="0"/>
+                <a:cs typeface="Arial" panose="020B0604020202020204" pitchFamily="34" charset="0"/>
+              </a:rPr>
+              <a:t>Case Study </a:t>
+            </a:r>
+            <a:r>
+              <a:rPr lang="en-US" altLang="zh-CN" sz="1500" b="1" dirty="0">
+                <a:latin typeface="Arial" panose="020B0604020202020204" pitchFamily="34" charset="0"/>
+                <a:cs typeface="Arial" panose="020B0604020202020204" pitchFamily="34" charset="0"/>
+              </a:rPr>
+              <a:t>of Mine Framework on Real-World Situations</a:t>
+            </a:r>
+          </a:p>
+        </p:txBody>
+      </p:sp>
+      <p:pic>
+        <p:nvPicPr>
+          <p:cNvPr id="39" name="图片 38" descr="图表, 散点图&#10;&#10;描述已自动生成">
+            <a:extLst>
+              <a:ext uri="{FF2B5EF4-FFF2-40B4-BE49-F238E27FC236}">
+                <a16:creationId xmlns:a16="http://schemas.microsoft.com/office/drawing/2014/main" id="{4F5F1C6F-8720-4BF9-A84B-B7703C958EF5}"/>
+              </a:ext>
+            </a:extLst>
+          </p:cNvPr>
+          <p:cNvPicPr>
+            <a:picLocks noChangeAspect="1"/>
+          </p:cNvPicPr>
+          <p:nvPr/>
+        </p:nvPicPr>
+        <p:blipFill>
+          <a:blip r:embed="rId4">
+            <a:extLst>
+              <a:ext uri="{28A0092B-C50C-407E-A947-70E740481C1C}">
+                <a14:useLocalDpi xmlns:a14="http://schemas.microsoft.com/office/drawing/2010/main" val="0"/>
+              </a:ext>
+            </a:extLst>
+          </a:blip>
+          <a:srcRect b="6120"/>
+          <a:stretch/>
+        </p:blipFill>
+        <p:spPr>
+          <a:xfrm>
+            <a:off x="3219229" y="7638374"/>
+            <a:ext cx="5335200" cy="2862107"/>
+          </a:xfrm>
+          <a:prstGeom prst="rect">
+            <a:avLst/>
+          </a:prstGeom>
+        </p:spPr>
+      </p:pic>
+      <p:pic>
+        <p:nvPicPr>
+          <p:cNvPr id="54" name="图片 53" descr="图形用户界面&#10;&#10;描述已自动生成">
+            <a:extLst>
+              <a:ext uri="{FF2B5EF4-FFF2-40B4-BE49-F238E27FC236}">
+                <a16:creationId xmlns:a16="http://schemas.microsoft.com/office/drawing/2014/main" id="{BFF31FF0-8176-F689-5D81-9A1F6168DAB8}"/>
+              </a:ext>
+            </a:extLst>
+          </p:cNvPr>
+          <p:cNvPicPr>
+            <a:picLocks noChangeAspect="1"/>
+          </p:cNvPicPr>
+          <p:nvPr/>
+        </p:nvPicPr>
+        <p:blipFill>
+          <a:blip r:embed="rId5">
+            <a:extLst>
+              <a:ext uri="{28A0092B-C50C-407E-A947-70E740481C1C}">
+                <a14:useLocalDpi xmlns:a14="http://schemas.microsoft.com/office/drawing/2010/main" val="0"/>
+              </a:ext>
+            </a:extLst>
+          </a:blip>
+          <a:stretch>
+            <a:fillRect/>
+          </a:stretch>
+        </p:blipFill>
+        <p:spPr>
+          <a:xfrm>
+            <a:off x="8892407" y="355044"/>
+            <a:ext cx="1740226" cy="10441353"/>
+          </a:xfrm>
+          <a:prstGeom prst="rect">
+            <a:avLst/>
+          </a:prstGeom>
+        </p:spPr>
+      </p:pic>
+      <p:pic>
+        <p:nvPicPr>
+          <p:cNvPr id="56" name="图片 55" descr="日历&#10;&#10;描述已自动生成">
+            <a:extLst>
+              <a:ext uri="{FF2B5EF4-FFF2-40B4-BE49-F238E27FC236}">
+                <a16:creationId xmlns:a16="http://schemas.microsoft.com/office/drawing/2014/main" id="{93457341-22CB-9340-C054-7FE88319F501}"/>
+              </a:ext>
+            </a:extLst>
+          </p:cNvPr>
+          <p:cNvPicPr>
+            <a:picLocks noChangeAspect="1"/>
+          </p:cNvPicPr>
+          <p:nvPr/>
+        </p:nvPicPr>
+        <p:blipFill>
+          <a:blip r:embed="rId6">
+            <a:extLst>
+              <a:ext uri="{28A0092B-C50C-407E-A947-70E740481C1C}">
+                <a14:useLocalDpi xmlns:a14="http://schemas.microsoft.com/office/drawing/2010/main" val="0"/>
+              </a:ext>
+            </a:extLst>
+          </a:blip>
+          <a:stretch>
+            <a:fillRect/>
+          </a:stretch>
+        </p:blipFill>
+        <p:spPr>
+          <a:xfrm>
+            <a:off x="165600" y="1533600"/>
+            <a:ext cx="8496000" cy="5496520"/>
+          </a:xfrm>
+          <a:prstGeom prst="rect">
+            <a:avLst/>
+          </a:prstGeom>
+        </p:spPr>
+      </p:pic>
+      <p:pic>
+        <p:nvPicPr>
+          <p:cNvPr id="58" name="图片 57" descr="图表, 散点图&#10;&#10;描述已自动生成">
+            <a:extLst>
+              <a:ext uri="{FF2B5EF4-FFF2-40B4-BE49-F238E27FC236}">
+                <a16:creationId xmlns:a16="http://schemas.microsoft.com/office/drawing/2014/main" id="{8F91C411-4CA4-B1CB-28C0-573F19056527}"/>
+              </a:ext>
+            </a:extLst>
+          </p:cNvPr>
+          <p:cNvPicPr>
+            <a:picLocks noChangeAspect="1"/>
+          </p:cNvPicPr>
+          <p:nvPr/>
+        </p:nvPicPr>
+        <p:blipFill>
+          <a:blip r:embed="rId7">
+            <a:extLst>
+              <a:ext uri="{28A0092B-C50C-407E-A947-70E740481C1C}">
+                <a14:useLocalDpi xmlns:a14="http://schemas.microsoft.com/office/drawing/2010/main" val="0"/>
+              </a:ext>
+            </a:extLst>
+          </a:blip>
+          <a:stretch>
+            <a:fillRect/>
+          </a:stretch>
+        </p:blipFill>
+        <p:spPr>
+          <a:xfrm>
+            <a:off x="367200" y="7682400"/>
+            <a:ext cx="2808000" cy="2808000"/>
+          </a:xfrm>
+          <a:prstGeom prst="rect">
+            <a:avLst/>
+          </a:prstGeom>
+        </p:spPr>
+      </p:pic>
     </p:spTree>
     <p:extLst>
       <p:ext uri="{BB962C8B-B14F-4D97-AF65-F5344CB8AC3E}">
-        <p14:creationId xmlns:p14="http://schemas.microsoft.com/office/powerpoint/2010/main" val="1696438765"/>
+        <p14:creationId xmlns:p14="http://schemas.microsoft.com/office/powerpoint/2010/main" val="2438493942"/>
       </p:ext>
     </p:extLst>
   </p:cSld>
@@ -5059,4 +5666,319 @@
     </a:ext>
   </a:extLst>
 </a:theme>
+</file>
+
+<file path=ppt/theme/theme2.xml><?xml version="1.0" encoding="utf-8"?>
+<a:theme xmlns:a="http://schemas.openxmlformats.org/drawingml/2006/main" name="Office 主题​​">
+  <a:themeElements>
+    <a:clrScheme name="Office">
+      <a:dk1>
+        <a:sysClr val="windowText" lastClr="000000"/>
+      </a:dk1>
+      <a:lt1>
+        <a:sysClr val="window" lastClr="FFFFFF"/>
+      </a:lt1>
+      <a:dk2>
+        <a:srgbClr val="0E2841"/>
+      </a:dk2>
+      <a:lt2>
+        <a:srgbClr val="E8E8E8"/>
+      </a:lt2>
+      <a:accent1>
+        <a:srgbClr val="156082"/>
+      </a:accent1>
+      <a:accent2>
+        <a:srgbClr val="E97132"/>
+      </a:accent2>
+      <a:accent3>
+        <a:srgbClr val="196B24"/>
+      </a:accent3>
+      <a:accent4>
+        <a:srgbClr val="0F9ED5"/>
+      </a:accent4>
+      <a:accent5>
+        <a:srgbClr val="A02B93"/>
+      </a:accent5>
+      <a:accent6>
+        <a:srgbClr val="4EA72E"/>
+      </a:accent6>
+      <a:hlink>
+        <a:srgbClr val="467886"/>
+      </a:hlink>
+      <a:folHlink>
+        <a:srgbClr val="96607D"/>
+      </a:folHlink>
+    </a:clrScheme>
+    <a:fontScheme name="Office">
+      <a:majorFont>
+        <a:latin typeface="等线 Light" panose="02110004020202020204"/>
+        <a:ea typeface=""/>
+        <a:cs typeface=""/>
+        <a:font script="Jpan" typeface="游ゴシック Light"/>
+        <a:font script="Hang" typeface="맑은 고딕"/>
+        <a:font script="Hans" typeface="等线 Light"/>
+        <a:font script="Hant" typeface="新細明體"/>
+        <a:font script="Arab" typeface="Times New Roman"/>
+        <a:font script="Hebr" typeface="Times New Roman"/>
+        <a:font script="Thai" typeface="Angsana New"/>
+        <a:font script="Ethi" typeface="Nyala"/>
+        <a:font script="Beng" typeface="Vrinda"/>
+        <a:font script="Gujr" typeface="Shruti"/>
+        <a:font script="Khmr" typeface="MoolBoran"/>
+        <a:font script="Knda" typeface="Tunga"/>
+        <a:font script="Guru" typeface="Raavi"/>
+        <a:font script="Cans" typeface="Euphemia"/>
+        <a:font script="Cher" typeface="Plantagenet Cherokee"/>
+        <a:font script="Yiii" typeface="Microsoft Yi Baiti"/>
+        <a:font script="Tibt" typeface="Microsoft Himalaya"/>
+        <a:font script="Thaa" typeface="MV Boli"/>
+        <a:font script="Deva" typeface="Mangal"/>
+        <a:font script="Telu" typeface="Gautami"/>
+        <a:font script="Taml" typeface="Latha"/>
+        <a:font script="Syrc" typeface="Estrangelo Edessa"/>
+        <a:font script="Orya" typeface="Kalinga"/>
+        <a:font script="Mlym" typeface="Kartika"/>
+        <a:font script="Laoo" typeface="DokChampa"/>
+        <a:font script="Sinh" typeface="Iskoola Pota"/>
+        <a:font script="Mong" typeface="Mongolian Baiti"/>
+        <a:font script="Viet" typeface="Times New Roman"/>
+        <a:font script="Uigh" typeface="Microsoft Uighur"/>
+        <a:font script="Geor" typeface="Sylfaen"/>
+        <a:font script="Armn" typeface="Arial"/>
+        <a:font script="Bugi" typeface="Leelawadee UI"/>
+        <a:font script="Bopo" typeface="Microsoft JhengHei"/>
+        <a:font script="Java" typeface="Javanese Text"/>
+        <a:font script="Lisu" typeface="Segoe UI"/>
+        <a:font script="Mymr" typeface="Myanmar Text"/>
+        <a:font script="Nkoo" typeface="Ebrima"/>
+        <a:font script="Olck" typeface="Nirmala UI"/>
+        <a:font script="Osma" typeface="Ebrima"/>
+        <a:font script="Phag" typeface="Phagspa"/>
+        <a:font script="Syrn" typeface="Estrangelo Edessa"/>
+        <a:font script="Syrj" typeface="Estrangelo Edessa"/>
+        <a:font script="Syre" typeface="Estrangelo Edessa"/>
+        <a:font script="Sora" typeface="Nirmala UI"/>
+        <a:font script="Tale" typeface="Microsoft Tai Le"/>
+        <a:font script="Talu" typeface="Microsoft New Tai Lue"/>
+        <a:font script="Tfng" typeface="Ebrima"/>
+      </a:majorFont>
+      <a:minorFont>
+        <a:latin typeface="等线" panose="02110004020202020204"/>
+        <a:ea typeface=""/>
+        <a:cs typeface=""/>
+        <a:font script="Jpan" typeface="游ゴシック"/>
+        <a:font script="Hang" typeface="맑은 고딕"/>
+        <a:font script="Hans" typeface="等线"/>
+        <a:font script="Hant" typeface="新細明體"/>
+        <a:font script="Arab" typeface="Arial"/>
+        <a:font script="Hebr" typeface="Arial"/>
+        <a:font script="Thai" typeface="Cordia New"/>
+        <a:font script="Ethi" typeface="Nyala"/>
+        <a:font script="Beng" typeface="Vrinda"/>
+        <a:font script="Gujr" typeface="Shruti"/>
+        <a:font script="Khmr" typeface="DaunPenh"/>
+        <a:font script="Knda" typeface="Tunga"/>
+        <a:font script="Guru" typeface="Raavi"/>
+        <a:font script="Cans" typeface="Euphemia"/>
+        <a:font script="Cher" typeface="Plantagenet Cherokee"/>
+        <a:font script="Yiii" typeface="Microsoft Yi Baiti"/>
+        <a:font script="Tibt" typeface="Microsoft Himalaya"/>
+        <a:font script="Thaa" typeface="MV Boli"/>
+        <a:font script="Deva" typeface="Mangal"/>
+        <a:font script="Telu" typeface="Gautami"/>
+        <a:font script="Taml" typeface="Latha"/>
+        <a:font script="Syrc" typeface="Estrangelo Edessa"/>
+        <a:font script="Orya" typeface="Kalinga"/>
+        <a:font script="Mlym" typeface="Kartika"/>
+        <a:font script="Laoo" typeface="DokChampa"/>
+        <a:font script="Sinh" typeface="Iskoola Pota"/>
+        <a:font script="Mong" typeface="Mongolian Baiti"/>
+        <a:font script="Viet" typeface="Arial"/>
+        <a:font script="Uigh" typeface="Microsoft Uighur"/>
+        <a:font script="Geor" typeface="Sylfaen"/>
+        <a:font script="Armn" typeface="Arial"/>
+        <a:font script="Bugi" typeface="Leelawadee UI"/>
+        <a:font script="Bopo" typeface="Microsoft JhengHei"/>
+        <a:font script="Java" typeface="Javanese Text"/>
+        <a:font script="Lisu" typeface="Segoe UI"/>
+        <a:font script="Mymr" typeface="Myanmar Text"/>
+        <a:font script="Nkoo" typeface="Ebrima"/>
+        <a:font script="Olck" typeface="Nirmala UI"/>
+        <a:font script="Osma" typeface="Ebrima"/>
+        <a:font script="Phag" typeface="Phagspa"/>
+        <a:font script="Syrn" typeface="Estrangelo Edessa"/>
+        <a:font script="Syrj" typeface="Estrangelo Edessa"/>
+        <a:font script="Syre" typeface="Estrangelo Edessa"/>
+        <a:font script="Sora" typeface="Nirmala UI"/>
+        <a:font script="Tale" typeface="Microsoft Tai Le"/>
+        <a:font script="Talu" typeface="Microsoft New Tai Lue"/>
+        <a:font script="Tfng" typeface="Ebrima"/>
+      </a:minorFont>
+    </a:fontScheme>
+    <a:fmtScheme name="Office">
+      <a:fillStyleLst>
+        <a:solidFill>
+          <a:schemeClr val="phClr"/>
+        </a:solidFill>
+        <a:gradFill rotWithShape="1">
+          <a:gsLst>
+            <a:gs pos="0">
+              <a:schemeClr val="phClr">
+                <a:lumMod val="110000"/>
+                <a:satMod val="105000"/>
+                <a:tint val="67000"/>
+              </a:schemeClr>
+            </a:gs>
+            <a:gs pos="50000">
+              <a:schemeClr val="phClr">
+                <a:lumMod val="105000"/>
+                <a:satMod val="103000"/>
+                <a:tint val="73000"/>
+              </a:schemeClr>
+            </a:gs>
+            <a:gs pos="100000">
+              <a:schemeClr val="phClr">
+                <a:lumMod val="105000"/>
+                <a:satMod val="109000"/>
+                <a:tint val="81000"/>
+              </a:schemeClr>
+            </a:gs>
+          </a:gsLst>
+          <a:lin ang="5400000" scaled="0"/>
+        </a:gradFill>
+        <a:gradFill rotWithShape="1">
+          <a:gsLst>
+            <a:gs pos="0">
+              <a:schemeClr val="phClr">
+                <a:satMod val="103000"/>
+                <a:lumMod val="102000"/>
+                <a:tint val="94000"/>
+              </a:schemeClr>
+            </a:gs>
+            <a:gs pos="50000">
+              <a:schemeClr val="phClr">
+                <a:satMod val="110000"/>
+                <a:lumMod val="100000"/>
+                <a:shade val="100000"/>
+              </a:schemeClr>
+            </a:gs>
+            <a:gs pos="100000">
+              <a:schemeClr val="phClr">
+                <a:lumMod val="99000"/>
+                <a:satMod val="120000"/>
+                <a:shade val="78000"/>
+              </a:schemeClr>
+            </a:gs>
+          </a:gsLst>
+          <a:lin ang="5400000" scaled="0"/>
+        </a:gradFill>
+      </a:fillStyleLst>
+      <a:lnStyleLst>
+        <a:ln w="12700" cap="flat" cmpd="sng" algn="ctr">
+          <a:solidFill>
+            <a:schemeClr val="phClr"/>
+          </a:solidFill>
+          <a:prstDash val="solid"/>
+          <a:miter lim="800000"/>
+        </a:ln>
+        <a:ln w="19050" cap="flat" cmpd="sng" algn="ctr">
+          <a:solidFill>
+            <a:schemeClr val="phClr"/>
+          </a:solidFill>
+          <a:prstDash val="solid"/>
+          <a:miter lim="800000"/>
+        </a:ln>
+        <a:ln w="25400" cap="flat" cmpd="sng" algn="ctr">
+          <a:solidFill>
+            <a:schemeClr val="phClr"/>
+          </a:solidFill>
+          <a:prstDash val="solid"/>
+          <a:miter lim="800000"/>
+        </a:ln>
+      </a:lnStyleLst>
+      <a:effectStyleLst>
+        <a:effectStyle>
+          <a:effectLst/>
+        </a:effectStyle>
+        <a:effectStyle>
+          <a:effectLst/>
+        </a:effectStyle>
+        <a:effectStyle>
+          <a:effectLst>
+            <a:outerShdw blurRad="57150" dist="19050" dir="5400000" algn="ctr" rotWithShape="0">
+              <a:srgbClr val="000000">
+                <a:alpha val="63000"/>
+              </a:srgbClr>
+            </a:outerShdw>
+          </a:effectLst>
+        </a:effectStyle>
+      </a:effectStyleLst>
+      <a:bgFillStyleLst>
+        <a:solidFill>
+          <a:schemeClr val="phClr"/>
+        </a:solidFill>
+        <a:solidFill>
+          <a:schemeClr val="phClr">
+            <a:tint val="95000"/>
+            <a:satMod val="170000"/>
+          </a:schemeClr>
+        </a:solidFill>
+        <a:gradFill rotWithShape="1">
+          <a:gsLst>
+            <a:gs pos="0">
+              <a:schemeClr val="phClr">
+                <a:tint val="93000"/>
+                <a:satMod val="150000"/>
+                <a:shade val="98000"/>
+                <a:lumMod val="102000"/>
+              </a:schemeClr>
+            </a:gs>
+            <a:gs pos="50000">
+              <a:schemeClr val="phClr">
+                <a:tint val="98000"/>
+                <a:satMod val="130000"/>
+                <a:shade val="90000"/>
+                <a:lumMod val="103000"/>
+              </a:schemeClr>
+            </a:gs>
+            <a:gs pos="100000">
+              <a:schemeClr val="phClr">
+                <a:shade val="63000"/>
+                <a:satMod val="120000"/>
+              </a:schemeClr>
+            </a:gs>
+          </a:gsLst>
+          <a:lin ang="5400000" scaled="0"/>
+        </a:gradFill>
+      </a:bgFillStyleLst>
+    </a:fmtScheme>
+  </a:themeElements>
+  <a:objectDefaults>
+    <a:lnDef>
+      <a:spPr/>
+      <a:bodyPr/>
+      <a:lstStyle/>
+      <a:style>
+        <a:lnRef idx="2">
+          <a:schemeClr val="accent1"/>
+        </a:lnRef>
+        <a:fillRef idx="0">
+          <a:schemeClr val="accent1"/>
+        </a:fillRef>
+        <a:effectRef idx="1">
+          <a:schemeClr val="accent1"/>
+        </a:effectRef>
+        <a:fontRef idx="minor">
+          <a:schemeClr val="tx1"/>
+        </a:fontRef>
+      </a:style>
+    </a:lnDef>
+  </a:objectDefaults>
+  <a:extraClrSchemeLst/>
+  <a:extLst>
+    <a:ext uri="{05A4C25C-085E-4340-85A3-A5531E510DB2}">
+      <thm15:themeFamily xmlns:thm15="http://schemas.microsoft.com/office/thememl/2012/main" name="Office Theme" id="{2E142A2C-CD16-42D6-873A-C26D2A0506FA}" vid="{1BDDFF52-6CD6-40A5-AB3C-68EB2F1E4D0A}"/>
+    </a:ext>
+  </a:extLst>
+</a:theme>
 </file>
--- a/docs/figure.pptx
+++ b/docs/figure.pptx
@@ -5,10 +5,11 @@
     <p:sldMasterId id="2147483708" r:id="rId1"/>
   </p:sldMasterIdLst>
   <p:notesMasterIdLst>
-    <p:notesMasterId r:id="rId3"/>
+    <p:notesMasterId r:id="rId4"/>
   </p:notesMasterIdLst>
   <p:sldIdLst>
     <p:sldId id="256" r:id="rId2"/>
+    <p:sldId id="257" r:id="rId3"/>
   </p:sldIdLst>
   <p:sldSz cx="10799763" cy="10799763"/>
   <p:notesSz cx="6858000" cy="9144000"/>
@@ -197,7 +198,7 @@
           <a:p>
             <a:fld id="{ED3D9DC7-2146-4022-8C3D-055011F23F12}" type="datetimeFigureOut">
               <a:rPr lang="zh-CN" altLang="en-US" smtClean="0"/>
-              <a:t>2024/10/17</a:t>
+              <a:t>2024-10-18</a:t>
             </a:fld>
             <a:endParaRPr lang="zh-CN" altLang="en-US"/>
           </a:p>
@@ -679,7 +680,7 @@
           <a:p>
             <a:fld id="{5E8929CF-35E4-49DC-A48F-DF7B6959BFA4}" type="datetimeFigureOut">
               <a:rPr lang="zh-CN" altLang="en-US" smtClean="0"/>
-              <a:t>2024/10/17</a:t>
+              <a:t>2024-10-18</a:t>
             </a:fld>
             <a:endParaRPr lang="zh-CN" altLang="en-US"/>
           </a:p>
@@ -849,7 +850,7 @@
           <a:p>
             <a:fld id="{5E8929CF-35E4-49DC-A48F-DF7B6959BFA4}" type="datetimeFigureOut">
               <a:rPr lang="zh-CN" altLang="en-US" smtClean="0"/>
-              <a:t>2024/10/17</a:t>
+              <a:t>2024-10-18</a:t>
             </a:fld>
             <a:endParaRPr lang="zh-CN" altLang="en-US"/>
           </a:p>
@@ -1029,7 +1030,7 @@
           <a:p>
             <a:fld id="{5E8929CF-35E4-49DC-A48F-DF7B6959BFA4}" type="datetimeFigureOut">
               <a:rPr lang="zh-CN" altLang="en-US" smtClean="0"/>
-              <a:t>2024/10/17</a:t>
+              <a:t>2024-10-18</a:t>
             </a:fld>
             <a:endParaRPr lang="zh-CN" altLang="en-US"/>
           </a:p>
@@ -1199,7 +1200,7 @@
           <a:p>
             <a:fld id="{5E8929CF-35E4-49DC-A48F-DF7B6959BFA4}" type="datetimeFigureOut">
               <a:rPr lang="zh-CN" altLang="en-US" smtClean="0"/>
-              <a:t>2024/10/17</a:t>
+              <a:t>2024-10-18</a:t>
             </a:fld>
             <a:endParaRPr lang="zh-CN" altLang="en-US"/>
           </a:p>
@@ -1445,7 +1446,7 @@
           <a:p>
             <a:fld id="{5E8929CF-35E4-49DC-A48F-DF7B6959BFA4}" type="datetimeFigureOut">
               <a:rPr lang="zh-CN" altLang="en-US" smtClean="0"/>
-              <a:t>2024/10/17</a:t>
+              <a:t>2024-10-18</a:t>
             </a:fld>
             <a:endParaRPr lang="zh-CN" altLang="en-US"/>
           </a:p>
@@ -1677,7 +1678,7 @@
           <a:p>
             <a:fld id="{5E8929CF-35E4-49DC-A48F-DF7B6959BFA4}" type="datetimeFigureOut">
               <a:rPr lang="zh-CN" altLang="en-US" smtClean="0"/>
-              <a:t>2024/10/17</a:t>
+              <a:t>2024-10-18</a:t>
             </a:fld>
             <a:endParaRPr lang="zh-CN" altLang="en-US"/>
           </a:p>
@@ -2044,7 +2045,7 @@
           <a:p>
             <a:fld id="{5E8929CF-35E4-49DC-A48F-DF7B6959BFA4}" type="datetimeFigureOut">
               <a:rPr lang="zh-CN" altLang="en-US" smtClean="0"/>
-              <a:t>2024/10/17</a:t>
+              <a:t>2024-10-18</a:t>
             </a:fld>
             <a:endParaRPr lang="zh-CN" altLang="en-US"/>
           </a:p>
@@ -2162,7 +2163,7 @@
           <a:p>
             <a:fld id="{5E8929CF-35E4-49DC-A48F-DF7B6959BFA4}" type="datetimeFigureOut">
               <a:rPr lang="zh-CN" altLang="en-US" smtClean="0"/>
-              <a:t>2024/10/17</a:t>
+              <a:t>2024-10-18</a:t>
             </a:fld>
             <a:endParaRPr lang="zh-CN" altLang="en-US"/>
           </a:p>
@@ -2257,7 +2258,7 @@
           <a:p>
             <a:fld id="{5E8929CF-35E4-49DC-A48F-DF7B6959BFA4}" type="datetimeFigureOut">
               <a:rPr lang="zh-CN" altLang="en-US" smtClean="0"/>
-              <a:t>2024/10/17</a:t>
+              <a:t>2024-10-18</a:t>
             </a:fld>
             <a:endParaRPr lang="zh-CN" altLang="en-US"/>
           </a:p>
@@ -2534,7 +2535,7 @@
           <a:p>
             <a:fld id="{5E8929CF-35E4-49DC-A48F-DF7B6959BFA4}" type="datetimeFigureOut">
               <a:rPr lang="zh-CN" altLang="en-US" smtClean="0"/>
-              <a:t>2024/10/17</a:t>
+              <a:t>2024-10-18</a:t>
             </a:fld>
             <a:endParaRPr lang="zh-CN" altLang="en-US"/>
           </a:p>
@@ -2791,7 +2792,7 @@
           <a:p>
             <a:fld id="{5E8929CF-35E4-49DC-A48F-DF7B6959BFA4}" type="datetimeFigureOut">
               <a:rPr lang="zh-CN" altLang="en-US" smtClean="0"/>
-              <a:t>2024/10/17</a:t>
+              <a:t>2024-10-18</a:t>
             </a:fld>
             <a:endParaRPr lang="zh-CN" altLang="en-US"/>
           </a:p>
@@ -3004,7 +3005,7 @@
           <a:p>
             <a:fld id="{5E8929CF-35E4-49DC-A48F-DF7B6959BFA4}" type="datetimeFigureOut">
               <a:rPr lang="zh-CN" altLang="en-US" smtClean="0"/>
-              <a:t>2024/10/17</a:t>
+              <a:t>2024-10-18</a:t>
             </a:fld>
             <a:endParaRPr lang="zh-CN" altLang="en-US"/>
           </a:p>
@@ -3423,7 +3424,7 @@
         </p:nvGrpSpPr>
         <p:grpSpPr>
           <a:xfrm>
-            <a:off x="491475" y="819039"/>
+            <a:off x="491475" y="766184"/>
             <a:ext cx="3966376" cy="633746"/>
             <a:chOff x="483635" y="96906"/>
             <a:chExt cx="3966376" cy="633746"/>
@@ -3500,7 +3501,7 @@
               <a:r>
                 <a:rPr lang="en-US" altLang="zh-CN" sz="1400" b="1" dirty="0">
                   <a:solidFill>
-                    <a:srgbClr val="8AC3C6"/>
+                    <a:srgbClr val="394C81"/>
                   </a:solidFill>
                   <a:latin typeface="Arial" panose="020B0604020202020204" pitchFamily="34" charset="0"/>
                   <a:cs typeface="Arial" panose="020B0604020202020204" pitchFamily="34" charset="0"/>
@@ -3510,7 +3511,7 @@
               <a:r>
                 <a:rPr lang="zh-CN" altLang="en-US" sz="1400" b="1" dirty="0">
                   <a:solidFill>
-                    <a:srgbClr val="8AC3C6"/>
+                    <a:srgbClr val="394C81"/>
                   </a:solidFill>
                   <a:latin typeface="Arial" panose="020B0604020202020204" pitchFamily="34" charset="0"/>
                   <a:cs typeface="Arial" panose="020B0604020202020204" pitchFamily="34" charset="0"/>
@@ -3520,7 +3521,7 @@
               <a:r>
                 <a:rPr lang="en-US" altLang="zh-CN" sz="1400" b="1" dirty="0">
                   <a:solidFill>
-                    <a:srgbClr val="8AC3C6"/>
+                    <a:srgbClr val="394C81"/>
                   </a:solidFill>
                   <a:latin typeface="Arial" panose="020B0604020202020204" pitchFamily="34" charset="0"/>
                   <a:cs typeface="Arial" panose="020B0604020202020204" pitchFamily="34" charset="0"/>
@@ -3842,7 +3843,7 @@
         </p:nvGrpSpPr>
         <p:grpSpPr>
           <a:xfrm>
-            <a:off x="4719336" y="803226"/>
+            <a:off x="4719336" y="750371"/>
             <a:ext cx="3966376" cy="633746"/>
             <a:chOff x="483635" y="96906"/>
             <a:chExt cx="3966376" cy="633746"/>
@@ -3919,7 +3920,7 @@
               <a:r>
                 <a:rPr lang="en-US" altLang="zh-CN" sz="1400" b="1" dirty="0">
                   <a:solidFill>
-                    <a:srgbClr val="8AC3C6"/>
+                    <a:srgbClr val="394C81"/>
                   </a:solidFill>
                   <a:latin typeface="Arial" panose="020B0604020202020204" pitchFamily="34" charset="0"/>
                   <a:cs typeface="Arial" panose="020B0604020202020204" pitchFamily="34" charset="0"/>
@@ -3929,7 +3930,7 @@
               <a:r>
                 <a:rPr lang="zh-CN" altLang="en-US" sz="1400" b="1" dirty="0">
                   <a:solidFill>
-                    <a:srgbClr val="8AC3C6"/>
+                    <a:srgbClr val="394C81"/>
                   </a:solidFill>
                   <a:latin typeface="Arial" panose="020B0604020202020204" pitchFamily="34" charset="0"/>
                   <a:cs typeface="Arial" panose="020B0604020202020204" pitchFamily="34" charset="0"/>
@@ -3939,7 +3940,7 @@
               <a:r>
                 <a:rPr lang="en-US" altLang="zh-CN" sz="1400" b="1" dirty="0">
                   <a:solidFill>
-                    <a:srgbClr val="8AC3C6"/>
+                    <a:srgbClr val="394C81"/>
                   </a:solidFill>
                   <a:latin typeface="Arial" panose="020B0604020202020204" pitchFamily="34" charset="0"/>
                   <a:cs typeface="Arial" panose="020B0604020202020204" pitchFamily="34" charset="0"/>
@@ -4477,84 +4478,6 @@
           </a:p>
         </p:txBody>
       </p:sp>
-      <p:sp>
-        <p:nvSpPr>
-          <p:cNvPr id="74" name="文本框 73">
-            <a:extLst>
-              <a:ext uri="{FF2B5EF4-FFF2-40B4-BE49-F238E27FC236}">
-                <a16:creationId xmlns:a16="http://schemas.microsoft.com/office/drawing/2014/main" id="{5CCDACC6-A1D8-19A6-C4E3-36E03516E729}"/>
-              </a:ext>
-            </a:extLst>
-          </p:cNvPr>
-          <p:cNvSpPr txBox="1"/>
-          <p:nvPr/>
-        </p:nvSpPr>
-        <p:spPr>
-          <a:xfrm>
-            <a:off x="0" y="6817595"/>
-            <a:ext cx="395220" cy="369332"/>
-          </a:xfrm>
-          <a:prstGeom prst="rect">
-            <a:avLst/>
-          </a:prstGeom>
-          <a:noFill/>
-        </p:spPr>
-        <p:txBody>
-          <a:bodyPr wrap="square" rtlCol="0">
-            <a:spAutoFit/>
-          </a:bodyPr>
-          <a:lstStyle/>
-          <a:p>
-            <a:pPr algn="ctr"/>
-            <a:r>
-              <a:rPr lang="en-US" altLang="zh-CN" dirty="0">
-                <a:latin typeface="Arial" panose="020B0604020202020204" pitchFamily="34" charset="0"/>
-                <a:cs typeface="Arial" panose="020B0604020202020204" pitchFamily="34" charset="0"/>
-              </a:rPr>
-              <a:t>C</a:t>
-            </a:r>
-          </a:p>
-        </p:txBody>
-      </p:sp>
-      <p:sp>
-        <p:nvSpPr>
-          <p:cNvPr id="75" name="文本框 74">
-            <a:extLst>
-              <a:ext uri="{FF2B5EF4-FFF2-40B4-BE49-F238E27FC236}">
-                <a16:creationId xmlns:a16="http://schemas.microsoft.com/office/drawing/2014/main" id="{A3F4F13C-F1CD-8D31-CF2A-D9FD5A303587}"/>
-              </a:ext>
-            </a:extLst>
-          </p:cNvPr>
-          <p:cNvSpPr txBox="1"/>
-          <p:nvPr/>
-        </p:nvSpPr>
-        <p:spPr>
-          <a:xfrm>
-            <a:off x="3170745" y="6817595"/>
-            <a:ext cx="395220" cy="369332"/>
-          </a:xfrm>
-          <a:prstGeom prst="rect">
-            <a:avLst/>
-          </a:prstGeom>
-          <a:noFill/>
-        </p:spPr>
-        <p:txBody>
-          <a:bodyPr wrap="square" rtlCol="0">
-            <a:spAutoFit/>
-          </a:bodyPr>
-          <a:lstStyle/>
-          <a:p>
-            <a:pPr algn="ctr"/>
-            <a:r>
-              <a:rPr lang="en-US" altLang="zh-CN" dirty="0">
-                <a:latin typeface="Arial" panose="020B0604020202020204" pitchFamily="34" charset="0"/>
-                <a:cs typeface="Arial" panose="020B0604020202020204" pitchFamily="34" charset="0"/>
-              </a:rPr>
-              <a:t>D</a:t>
-            </a:r>
-          </a:p>
-        </p:txBody>
-      </p:sp>
       <p:pic>
         <p:nvPicPr>
           <p:cNvPr id="80" name="图片 79" descr="图表, 散点图&#10;&#10;描述已自动生成">
@@ -5114,7 +5037,7 @@
             <a:r>
               <a:rPr lang="en-US" altLang="zh-CN" sz="1500" b="1" dirty="0">
                 <a:solidFill>
-                  <a:srgbClr val="8AC3C6"/>
+                  <a:srgbClr val="394C81"/>
                 </a:solidFill>
                 <a:latin typeface="Arial" panose="020B0604020202020204" pitchFamily="34" charset="0"/>
                 <a:cs typeface="Arial" panose="020B0604020202020204" pitchFamily="34" charset="0"/>
@@ -5163,7 +5086,7 @@
             <a:r>
               <a:rPr lang="en-US" altLang="zh-CN" sz="1500" b="1" dirty="0">
                 <a:solidFill>
-                  <a:srgbClr val="8AC3C6"/>
+                  <a:srgbClr val="394C81"/>
                 </a:solidFill>
                 <a:latin typeface="Arial" panose="020B0604020202020204" pitchFamily="34" charset="0"/>
                 <a:cs typeface="Arial" panose="020B0604020202020204" pitchFamily="34" charset="0"/>
@@ -5180,7 +5103,7 @@
             <a:r>
               <a:rPr lang="en-US" altLang="zh-CN" sz="1500" b="1" dirty="0">
                 <a:solidFill>
-                  <a:srgbClr val="8AC3C6"/>
+                  <a:srgbClr val="394C81"/>
                 </a:solidFill>
                 <a:latin typeface="Arial" panose="020B0604020202020204" pitchFamily="34" charset="0"/>
                 <a:cs typeface="Arial" panose="020B0604020202020204" pitchFamily="34" charset="0"/>
@@ -5296,7 +5219,7 @@
         </p:blipFill>
         <p:spPr>
           <a:xfrm>
-            <a:off x="165600" y="1533600"/>
+            <a:off x="165600" y="1501975"/>
             <a:ext cx="8496000" cy="5496520"/>
           </a:xfrm>
           <a:prstGeom prst="rect">
@@ -5340,10 +5263,706 @@
           </a:prstGeom>
         </p:spPr>
       </p:pic>
+      <p:sp>
+        <p:nvSpPr>
+          <p:cNvPr id="75" name="文本框 74">
+            <a:extLst>
+              <a:ext uri="{FF2B5EF4-FFF2-40B4-BE49-F238E27FC236}">
+                <a16:creationId xmlns:a16="http://schemas.microsoft.com/office/drawing/2014/main" id="{A3F4F13C-F1CD-8D31-CF2A-D9FD5A303587}"/>
+              </a:ext>
+            </a:extLst>
+          </p:cNvPr>
+          <p:cNvSpPr txBox="1"/>
+          <p:nvPr/>
+        </p:nvSpPr>
+        <p:spPr>
+          <a:xfrm>
+            <a:off x="3170745" y="6817595"/>
+            <a:ext cx="395220" cy="369332"/>
+          </a:xfrm>
+          <a:prstGeom prst="rect">
+            <a:avLst/>
+          </a:prstGeom>
+          <a:noFill/>
+        </p:spPr>
+        <p:txBody>
+          <a:bodyPr wrap="square" rtlCol="0">
+            <a:spAutoFit/>
+          </a:bodyPr>
+          <a:lstStyle/>
+          <a:p>
+            <a:pPr algn="ctr"/>
+            <a:r>
+              <a:rPr lang="en-US" altLang="zh-CN" dirty="0">
+                <a:latin typeface="Arial" panose="020B0604020202020204" pitchFamily="34" charset="0"/>
+                <a:cs typeface="Arial" panose="020B0604020202020204" pitchFamily="34" charset="0"/>
+              </a:rPr>
+              <a:t>D</a:t>
+            </a:r>
+          </a:p>
+        </p:txBody>
+      </p:sp>
+      <p:sp>
+        <p:nvSpPr>
+          <p:cNvPr id="74" name="文本框 73">
+            <a:extLst>
+              <a:ext uri="{FF2B5EF4-FFF2-40B4-BE49-F238E27FC236}">
+                <a16:creationId xmlns:a16="http://schemas.microsoft.com/office/drawing/2014/main" id="{5CCDACC6-A1D8-19A6-C4E3-36E03516E729}"/>
+              </a:ext>
+            </a:extLst>
+          </p:cNvPr>
+          <p:cNvSpPr txBox="1"/>
+          <p:nvPr/>
+        </p:nvSpPr>
+        <p:spPr>
+          <a:xfrm>
+            <a:off x="0" y="6817595"/>
+            <a:ext cx="395220" cy="369332"/>
+          </a:xfrm>
+          <a:prstGeom prst="rect">
+            <a:avLst/>
+          </a:prstGeom>
+          <a:noFill/>
+        </p:spPr>
+        <p:txBody>
+          <a:bodyPr wrap="square" rtlCol="0">
+            <a:spAutoFit/>
+          </a:bodyPr>
+          <a:lstStyle/>
+          <a:p>
+            <a:pPr algn="ctr"/>
+            <a:r>
+              <a:rPr lang="en-US" altLang="zh-CN" dirty="0">
+                <a:latin typeface="Arial" panose="020B0604020202020204" pitchFamily="34" charset="0"/>
+                <a:cs typeface="Arial" panose="020B0604020202020204" pitchFamily="34" charset="0"/>
+              </a:rPr>
+              <a:t>C</a:t>
+            </a:r>
+          </a:p>
+        </p:txBody>
+      </p:sp>
     </p:spTree>
     <p:extLst>
       <p:ext uri="{BB962C8B-B14F-4D97-AF65-F5344CB8AC3E}">
         <p14:creationId xmlns:p14="http://schemas.microsoft.com/office/powerpoint/2010/main" val="2438493942"/>
+      </p:ext>
+    </p:extLst>
+  </p:cSld>
+  <p:clrMapOvr>
+    <a:masterClrMapping/>
+  </p:clrMapOvr>
+</p:sld>
+</file>
+
+<file path=ppt/slides/slide2.xml><?xml version="1.0" encoding="utf-8"?>
+<p:sld xmlns:a="http://schemas.openxmlformats.org/drawingml/2006/main" xmlns:r="http://schemas.openxmlformats.org/officeDocument/2006/relationships" xmlns:p="http://schemas.openxmlformats.org/presentationml/2006/main">
+  <p:cSld>
+    <p:spTree>
+      <p:nvGrpSpPr>
+        <p:cNvPr id="1" name=""/>
+        <p:cNvGrpSpPr/>
+        <p:nvPr/>
+      </p:nvGrpSpPr>
+      <p:grpSpPr>
+        <a:xfrm>
+          <a:off x="0" y="0"/>
+          <a:ext cx="0" cy="0"/>
+          <a:chOff x="0" y="0"/>
+          <a:chExt cx="0" cy="0"/>
+        </a:xfrm>
+      </p:grpSpPr>
+      <p:pic>
+        <p:nvPicPr>
+          <p:cNvPr id="5" name="图片 4" descr="日程表&#10;&#10;描述已自动生成">
+            <a:extLst>
+              <a:ext uri="{FF2B5EF4-FFF2-40B4-BE49-F238E27FC236}">
+                <a16:creationId xmlns:a16="http://schemas.microsoft.com/office/drawing/2014/main" id="{5FF13DA3-20B2-6EE7-138B-A0CB5419AA20}"/>
+              </a:ext>
+            </a:extLst>
+          </p:cNvPr>
+          <p:cNvPicPr>
+            <a:picLocks noChangeAspect="1"/>
+          </p:cNvPicPr>
+          <p:nvPr/>
+        </p:nvPicPr>
+        <p:blipFill>
+          <a:blip r:embed="rId2">
+            <a:extLst>
+              <a:ext uri="{28A0092B-C50C-407E-A947-70E740481C1C}">
+                <a14:useLocalDpi xmlns:a14="http://schemas.microsoft.com/office/drawing/2010/main" val="0"/>
+              </a:ext>
+            </a:extLst>
+          </a:blip>
+          <a:stretch>
+            <a:fillRect/>
+          </a:stretch>
+        </p:blipFill>
+        <p:spPr>
+          <a:xfrm>
+            <a:off x="3907901" y="290116"/>
+            <a:ext cx="4271987" cy="3203990"/>
+          </a:xfrm>
+          <a:prstGeom prst="rect">
+            <a:avLst/>
+          </a:prstGeom>
+        </p:spPr>
+      </p:pic>
+      <p:grpSp>
+        <p:nvGrpSpPr>
+          <p:cNvPr id="25" name="组合 24">
+            <a:extLst>
+              <a:ext uri="{FF2B5EF4-FFF2-40B4-BE49-F238E27FC236}">
+                <a16:creationId xmlns:a16="http://schemas.microsoft.com/office/drawing/2014/main" id="{5A4B26A8-23CC-BD2F-1611-C2FFE76BD3FA}"/>
+              </a:ext>
+            </a:extLst>
+          </p:cNvPr>
+          <p:cNvGrpSpPr/>
+          <p:nvPr/>
+        </p:nvGrpSpPr>
+        <p:grpSpPr>
+          <a:xfrm>
+            <a:off x="8314772" y="171450"/>
+            <a:ext cx="2248609" cy="3320042"/>
+            <a:chOff x="6799246" y="120316"/>
+            <a:chExt cx="2887835" cy="4263851"/>
+          </a:xfrm>
+        </p:grpSpPr>
+        <p:pic>
+          <p:nvPicPr>
+            <p:cNvPr id="7" name="图片 6" descr="图片包含 游戏机&#10;&#10;描述已自动生成">
+              <a:extLst>
+                <a:ext uri="{FF2B5EF4-FFF2-40B4-BE49-F238E27FC236}">
+                  <a16:creationId xmlns:a16="http://schemas.microsoft.com/office/drawing/2014/main" id="{07AACEF9-11B5-4DD8-D8FA-8E35CB12D005}"/>
+                </a:ext>
+              </a:extLst>
+            </p:cNvPr>
+            <p:cNvPicPr>
+              <a:picLocks noChangeAspect="1"/>
+            </p:cNvPicPr>
+            <p:nvPr/>
+          </p:nvPicPr>
+          <p:blipFill>
+            <a:blip r:embed="rId3">
+              <a:extLst>
+                <a:ext uri="{28A0092B-C50C-407E-A947-70E740481C1C}">
+                  <a14:useLocalDpi xmlns:a14="http://schemas.microsoft.com/office/drawing/2010/main" val="0"/>
+                </a:ext>
+              </a:extLst>
+            </a:blip>
+            <a:stretch>
+              <a:fillRect/>
+            </a:stretch>
+          </p:blipFill>
+          <p:spPr>
+            <a:xfrm>
+              <a:off x="6840808" y="120316"/>
+              <a:ext cx="2846273" cy="3795029"/>
+            </a:xfrm>
+            <a:prstGeom prst="rect">
+              <a:avLst/>
+            </a:prstGeom>
+          </p:spPr>
+        </p:pic>
+        <p:grpSp>
+          <p:nvGrpSpPr>
+            <p:cNvPr id="14" name="组合 13">
+              <a:extLst>
+                <a:ext uri="{FF2B5EF4-FFF2-40B4-BE49-F238E27FC236}">
+                  <a16:creationId xmlns:a16="http://schemas.microsoft.com/office/drawing/2014/main" id="{7D11AFF5-EF30-BCFA-8769-326DEC1BA932}"/>
+                </a:ext>
+              </a:extLst>
+            </p:cNvPr>
+            <p:cNvGrpSpPr/>
+            <p:nvPr/>
+          </p:nvGrpSpPr>
+          <p:grpSpPr>
+            <a:xfrm>
+              <a:off x="6799246" y="4012452"/>
+              <a:ext cx="2887835" cy="371715"/>
+              <a:chOff x="6697980" y="4276022"/>
+              <a:chExt cx="3009900" cy="387427"/>
+            </a:xfrm>
+          </p:grpSpPr>
+          <p:cxnSp>
+            <p:nvCxnSpPr>
+              <p:cNvPr id="9" name="直接箭头连接符 8">
+                <a:extLst>
+                  <a:ext uri="{FF2B5EF4-FFF2-40B4-BE49-F238E27FC236}">
+                    <a16:creationId xmlns:a16="http://schemas.microsoft.com/office/drawing/2014/main" id="{5CE7F407-C479-AC97-8C02-DCF6A5E473F0}"/>
+                  </a:ext>
+                </a:extLst>
+              </p:cNvPr>
+              <p:cNvCxnSpPr>
+                <a:cxnSpLocks/>
+              </p:cNvCxnSpPr>
+              <p:nvPr/>
+            </p:nvCxnSpPr>
+            <p:spPr>
+              <a:xfrm flipH="1">
+                <a:off x="6697980" y="4284345"/>
+                <a:ext cx="1150771" cy="0"/>
+              </a:xfrm>
+              <a:prstGeom prst="straightConnector1">
+                <a:avLst/>
+              </a:prstGeom>
+              <a:ln>
+                <a:tailEnd type="triangle"/>
+              </a:ln>
+            </p:spPr>
+            <p:style>
+              <a:lnRef idx="2">
+                <a:schemeClr val="dk1"/>
+              </a:lnRef>
+              <a:fillRef idx="0">
+                <a:schemeClr val="dk1"/>
+              </a:fillRef>
+              <a:effectRef idx="1">
+                <a:schemeClr val="dk1"/>
+              </a:effectRef>
+              <a:fontRef idx="minor">
+                <a:schemeClr val="tx1"/>
+              </a:fontRef>
+            </p:style>
+          </p:cxnSp>
+          <p:cxnSp>
+            <p:nvCxnSpPr>
+              <p:cNvPr id="11" name="直接箭头连接符 10">
+                <a:extLst>
+                  <a:ext uri="{FF2B5EF4-FFF2-40B4-BE49-F238E27FC236}">
+                    <a16:creationId xmlns:a16="http://schemas.microsoft.com/office/drawing/2014/main" id="{61001729-8EBC-089B-22E5-B859C7AADD12}"/>
+                  </a:ext>
+                </a:extLst>
+              </p:cNvPr>
+              <p:cNvCxnSpPr>
+                <a:cxnSpLocks/>
+              </p:cNvCxnSpPr>
+              <p:nvPr/>
+            </p:nvCxnSpPr>
+            <p:spPr>
+              <a:xfrm>
+                <a:off x="8649438" y="4276022"/>
+                <a:ext cx="1058442" cy="0"/>
+              </a:xfrm>
+              <a:prstGeom prst="straightConnector1">
+                <a:avLst/>
+              </a:prstGeom>
+              <a:ln>
+                <a:tailEnd type="triangle"/>
+              </a:ln>
+            </p:spPr>
+            <p:style>
+              <a:lnRef idx="2">
+                <a:schemeClr val="dk1"/>
+              </a:lnRef>
+              <a:fillRef idx="0">
+                <a:schemeClr val="dk1"/>
+              </a:fillRef>
+              <a:effectRef idx="1">
+                <a:schemeClr val="dk1"/>
+              </a:effectRef>
+              <a:fontRef idx="minor">
+                <a:schemeClr val="tx1"/>
+              </a:fontRef>
+            </p:style>
+          </p:cxnSp>
+          <p:sp>
+            <p:nvSpPr>
+              <p:cNvPr id="12" name="文本框 11">
+                <a:extLst>
+                  <a:ext uri="{FF2B5EF4-FFF2-40B4-BE49-F238E27FC236}">
+                    <a16:creationId xmlns:a16="http://schemas.microsoft.com/office/drawing/2014/main" id="{BCBEA117-5EEC-C425-C878-8E7367214ACB}"/>
+                  </a:ext>
+                </a:extLst>
+              </p:cNvPr>
+              <p:cNvSpPr txBox="1"/>
+              <p:nvPr/>
+            </p:nvSpPr>
+            <p:spPr>
+              <a:xfrm>
+                <a:off x="6697980" y="4292668"/>
+                <a:ext cx="1150771" cy="370781"/>
+              </a:xfrm>
+              <a:prstGeom prst="rect">
+                <a:avLst/>
+              </a:prstGeom>
+              <a:noFill/>
+            </p:spPr>
+            <p:txBody>
+              <a:bodyPr wrap="square" rtlCol="0">
+                <a:spAutoFit/>
+              </a:bodyPr>
+              <a:lstStyle/>
+              <a:p>
+                <a:r>
+                  <a:rPr lang="en-US" altLang="zh-CN" sz="1200" b="0" i="0" dirty="0">
+                    <a:solidFill>
+                      <a:srgbClr val="94697A"/>
+                    </a:solidFill>
+                    <a:effectLst/>
+                    <a:latin typeface="Arial" panose="020B0604020202020204" pitchFamily="34" charset="0"/>
+                    <a:cs typeface="Arial" panose="020B0604020202020204" pitchFamily="34" charset="0"/>
+                  </a:rPr>
+                  <a:t>Disturbed</a:t>
+                </a:r>
+                <a:endParaRPr lang="zh-CN" altLang="en-US" sz="1200" dirty="0">
+                  <a:solidFill>
+                    <a:srgbClr val="94697A"/>
+                  </a:solidFill>
+                  <a:latin typeface="Arial" panose="020B0604020202020204" pitchFamily="34" charset="0"/>
+                  <a:cs typeface="Arial" panose="020B0604020202020204" pitchFamily="34" charset="0"/>
+                </a:endParaRPr>
+              </a:p>
+            </p:txBody>
+          </p:sp>
+          <p:sp>
+            <p:nvSpPr>
+              <p:cNvPr id="13" name="文本框 12">
+                <a:extLst>
+                  <a:ext uri="{FF2B5EF4-FFF2-40B4-BE49-F238E27FC236}">
+                    <a16:creationId xmlns:a16="http://schemas.microsoft.com/office/drawing/2014/main" id="{FF9C5897-707B-9349-320A-7F0F39D7744C}"/>
+                  </a:ext>
+                </a:extLst>
+              </p:cNvPr>
+              <p:cNvSpPr txBox="1"/>
+              <p:nvPr/>
+            </p:nvSpPr>
+            <p:spPr>
+              <a:xfrm>
+                <a:off x="8819197" y="4292668"/>
+                <a:ext cx="888683" cy="370780"/>
+              </a:xfrm>
+              <a:prstGeom prst="rect">
+                <a:avLst/>
+              </a:prstGeom>
+              <a:noFill/>
+            </p:spPr>
+            <p:txBody>
+              <a:bodyPr wrap="square" rtlCol="0">
+                <a:spAutoFit/>
+              </a:bodyPr>
+              <a:lstStyle/>
+              <a:p>
+                <a:pPr algn="r"/>
+                <a:r>
+                  <a:rPr lang="en-US" altLang="zh-CN" sz="1200" dirty="0">
+                    <a:solidFill>
+                      <a:srgbClr val="394C81"/>
+                    </a:solidFill>
+                    <a:latin typeface="Arial" panose="020B0604020202020204" pitchFamily="34" charset="0"/>
+                    <a:cs typeface="Arial" panose="020B0604020202020204" pitchFamily="34" charset="0"/>
+                  </a:rPr>
+                  <a:t>Stable</a:t>
+                </a:r>
+                <a:endParaRPr lang="zh-CN" altLang="en-US" sz="1200" dirty="0">
+                  <a:solidFill>
+                    <a:srgbClr val="394C81"/>
+                  </a:solidFill>
+                  <a:latin typeface="Arial" panose="020B0604020202020204" pitchFamily="34" charset="0"/>
+                  <a:cs typeface="Arial" panose="020B0604020202020204" pitchFamily="34" charset="0"/>
+                </a:endParaRPr>
+              </a:p>
+            </p:txBody>
+          </p:sp>
+        </p:grpSp>
+      </p:grpSp>
+      <p:pic>
+        <p:nvPicPr>
+          <p:cNvPr id="17" name="图片 16" descr="日程表&#10;&#10;描述已自动生成">
+            <a:extLst>
+              <a:ext uri="{FF2B5EF4-FFF2-40B4-BE49-F238E27FC236}">
+                <a16:creationId xmlns:a16="http://schemas.microsoft.com/office/drawing/2014/main" id="{E79B13CB-0BA4-D58F-4D6C-63200CEB6C01}"/>
+              </a:ext>
+            </a:extLst>
+          </p:cNvPr>
+          <p:cNvPicPr>
+            <a:picLocks noChangeAspect="1"/>
+          </p:cNvPicPr>
+          <p:nvPr/>
+        </p:nvPicPr>
+        <p:blipFill>
+          <a:blip r:embed="rId4">
+            <a:extLst>
+              <a:ext uri="{28A0092B-C50C-407E-A947-70E740481C1C}">
+                <a14:useLocalDpi xmlns:a14="http://schemas.microsoft.com/office/drawing/2010/main" val="0"/>
+              </a:ext>
+            </a:extLst>
+          </a:blip>
+          <a:stretch>
+            <a:fillRect/>
+          </a:stretch>
+        </p:blipFill>
+        <p:spPr>
+          <a:xfrm>
+            <a:off x="3907900" y="3682654"/>
+            <a:ext cx="4271987" cy="3203990"/>
+          </a:xfrm>
+          <a:prstGeom prst="rect">
+            <a:avLst/>
+          </a:prstGeom>
+        </p:spPr>
+      </p:pic>
+      <p:grpSp>
+        <p:nvGrpSpPr>
+          <p:cNvPr id="26" name="组合 25">
+            <a:extLst>
+              <a:ext uri="{FF2B5EF4-FFF2-40B4-BE49-F238E27FC236}">
+                <a16:creationId xmlns:a16="http://schemas.microsoft.com/office/drawing/2014/main" id="{FAD640EB-3948-3982-F597-7393D3434EF0}"/>
+              </a:ext>
+            </a:extLst>
+          </p:cNvPr>
+          <p:cNvGrpSpPr/>
+          <p:nvPr/>
+        </p:nvGrpSpPr>
+        <p:grpSpPr>
+          <a:xfrm>
+            <a:off x="8314772" y="3569719"/>
+            <a:ext cx="2248609" cy="3335500"/>
+            <a:chOff x="6799246" y="4353459"/>
+            <a:chExt cx="2887835" cy="4283703"/>
+          </a:xfrm>
+        </p:grpSpPr>
+        <p:pic>
+          <p:nvPicPr>
+            <p:cNvPr id="19" name="图片 18" descr="图片包含 游戏机, 电脑&#10;&#10;描述已自动生成">
+              <a:extLst>
+                <a:ext uri="{FF2B5EF4-FFF2-40B4-BE49-F238E27FC236}">
+                  <a16:creationId xmlns:a16="http://schemas.microsoft.com/office/drawing/2014/main" id="{458C80E2-A89A-A755-40A7-609DCE26778B}"/>
+                </a:ext>
+              </a:extLst>
+            </p:cNvPr>
+            <p:cNvPicPr>
+              <a:picLocks noChangeAspect="1"/>
+            </p:cNvPicPr>
+            <p:nvPr/>
+          </p:nvPicPr>
+          <p:blipFill>
+            <a:blip r:embed="rId5">
+              <a:extLst>
+                <a:ext uri="{28A0092B-C50C-407E-A947-70E740481C1C}">
+                  <a14:useLocalDpi xmlns:a14="http://schemas.microsoft.com/office/drawing/2010/main" val="0"/>
+                </a:ext>
+              </a:extLst>
+            </a:blip>
+            <a:stretch>
+              <a:fillRect/>
+            </a:stretch>
+          </p:blipFill>
+          <p:spPr>
+            <a:xfrm>
+              <a:off x="6840808" y="4353459"/>
+              <a:ext cx="2845800" cy="3794400"/>
+            </a:xfrm>
+            <a:prstGeom prst="rect">
+              <a:avLst/>
+            </a:prstGeom>
+          </p:spPr>
+        </p:pic>
+        <p:grpSp>
+          <p:nvGrpSpPr>
+            <p:cNvPr id="20" name="组合 19">
+              <a:extLst>
+                <a:ext uri="{FF2B5EF4-FFF2-40B4-BE49-F238E27FC236}">
+                  <a16:creationId xmlns:a16="http://schemas.microsoft.com/office/drawing/2014/main" id="{20A07B5A-4270-8170-AEAA-6BE032ACF0EF}"/>
+                </a:ext>
+              </a:extLst>
+            </p:cNvPr>
+            <p:cNvGrpSpPr/>
+            <p:nvPr/>
+          </p:nvGrpSpPr>
+          <p:grpSpPr>
+            <a:xfrm>
+              <a:off x="6799246" y="8265447"/>
+              <a:ext cx="2887835" cy="371715"/>
+              <a:chOff x="6697980" y="4276022"/>
+              <a:chExt cx="3009900" cy="387427"/>
+            </a:xfrm>
+          </p:grpSpPr>
+          <p:cxnSp>
+            <p:nvCxnSpPr>
+              <p:cNvPr id="21" name="直接箭头连接符 20">
+                <a:extLst>
+                  <a:ext uri="{FF2B5EF4-FFF2-40B4-BE49-F238E27FC236}">
+                    <a16:creationId xmlns:a16="http://schemas.microsoft.com/office/drawing/2014/main" id="{F89E0BA6-6386-BF20-9314-6D50A5558B45}"/>
+                  </a:ext>
+                </a:extLst>
+              </p:cNvPr>
+              <p:cNvCxnSpPr>
+                <a:cxnSpLocks/>
+              </p:cNvCxnSpPr>
+              <p:nvPr/>
+            </p:nvCxnSpPr>
+            <p:spPr>
+              <a:xfrm flipH="1">
+                <a:off x="6697980" y="4284345"/>
+                <a:ext cx="1084473" cy="0"/>
+              </a:xfrm>
+              <a:prstGeom prst="straightConnector1">
+                <a:avLst/>
+              </a:prstGeom>
+              <a:ln>
+                <a:tailEnd type="triangle"/>
+              </a:ln>
+            </p:spPr>
+            <p:style>
+              <a:lnRef idx="2">
+                <a:schemeClr val="dk1"/>
+              </a:lnRef>
+              <a:fillRef idx="0">
+                <a:schemeClr val="dk1"/>
+              </a:fillRef>
+              <a:effectRef idx="1">
+                <a:schemeClr val="dk1"/>
+              </a:effectRef>
+              <a:fontRef idx="minor">
+                <a:schemeClr val="tx1"/>
+              </a:fontRef>
+            </p:style>
+          </p:cxnSp>
+          <p:cxnSp>
+            <p:nvCxnSpPr>
+              <p:cNvPr id="22" name="直接箭头连接符 21">
+                <a:extLst>
+                  <a:ext uri="{FF2B5EF4-FFF2-40B4-BE49-F238E27FC236}">
+                    <a16:creationId xmlns:a16="http://schemas.microsoft.com/office/drawing/2014/main" id="{59597AD8-218D-9C89-2D71-8E3AB4AC5497}"/>
+                  </a:ext>
+                </a:extLst>
+              </p:cNvPr>
+              <p:cNvCxnSpPr>
+                <a:cxnSpLocks/>
+              </p:cNvCxnSpPr>
+              <p:nvPr/>
+            </p:nvCxnSpPr>
+            <p:spPr>
+              <a:xfrm>
+                <a:off x="8649438" y="4276022"/>
+                <a:ext cx="1058442" cy="0"/>
+              </a:xfrm>
+              <a:prstGeom prst="straightConnector1">
+                <a:avLst/>
+              </a:prstGeom>
+              <a:ln>
+                <a:tailEnd type="triangle"/>
+              </a:ln>
+            </p:spPr>
+            <p:style>
+              <a:lnRef idx="2">
+                <a:schemeClr val="dk1"/>
+              </a:lnRef>
+              <a:fillRef idx="0">
+                <a:schemeClr val="dk1"/>
+              </a:fillRef>
+              <a:effectRef idx="1">
+                <a:schemeClr val="dk1"/>
+              </a:effectRef>
+              <a:fontRef idx="minor">
+                <a:schemeClr val="tx1"/>
+              </a:fontRef>
+            </p:style>
+          </p:cxnSp>
+          <p:sp>
+            <p:nvSpPr>
+              <p:cNvPr id="23" name="文本框 22">
+                <a:extLst>
+                  <a:ext uri="{FF2B5EF4-FFF2-40B4-BE49-F238E27FC236}">
+                    <a16:creationId xmlns:a16="http://schemas.microsoft.com/office/drawing/2014/main" id="{8FF919C1-38B4-D022-8C56-865FE2610801}"/>
+                  </a:ext>
+                </a:extLst>
+              </p:cNvPr>
+              <p:cNvSpPr txBox="1"/>
+              <p:nvPr/>
+            </p:nvSpPr>
+            <p:spPr>
+              <a:xfrm>
+                <a:off x="6697980" y="4292668"/>
+                <a:ext cx="1150771" cy="370781"/>
+              </a:xfrm>
+              <a:prstGeom prst="rect">
+                <a:avLst/>
+              </a:prstGeom>
+              <a:noFill/>
+            </p:spPr>
+            <p:txBody>
+              <a:bodyPr wrap="square" rtlCol="0">
+                <a:spAutoFit/>
+              </a:bodyPr>
+              <a:lstStyle/>
+              <a:p>
+                <a:r>
+                  <a:rPr lang="en-US" altLang="zh-CN" sz="1200" b="0" i="0" dirty="0">
+                    <a:solidFill>
+                      <a:srgbClr val="94697A"/>
+                    </a:solidFill>
+                    <a:effectLst/>
+                    <a:latin typeface="Arial" panose="020B0604020202020204" pitchFamily="34" charset="0"/>
+                    <a:cs typeface="Arial" panose="020B0604020202020204" pitchFamily="34" charset="0"/>
+                  </a:rPr>
+                  <a:t>Disturbed</a:t>
+                </a:r>
+                <a:endParaRPr lang="zh-CN" altLang="en-US" sz="1200" dirty="0">
+                  <a:solidFill>
+                    <a:srgbClr val="94697A"/>
+                  </a:solidFill>
+                  <a:latin typeface="Arial" panose="020B0604020202020204" pitchFamily="34" charset="0"/>
+                  <a:cs typeface="Arial" panose="020B0604020202020204" pitchFamily="34" charset="0"/>
+                </a:endParaRPr>
+              </a:p>
+            </p:txBody>
+          </p:sp>
+          <p:sp>
+            <p:nvSpPr>
+              <p:cNvPr id="24" name="文本框 23">
+                <a:extLst>
+                  <a:ext uri="{FF2B5EF4-FFF2-40B4-BE49-F238E27FC236}">
+                    <a16:creationId xmlns:a16="http://schemas.microsoft.com/office/drawing/2014/main" id="{4CEBF1C2-7136-C9B4-CBDB-FAC5E5D83A77}"/>
+                  </a:ext>
+                </a:extLst>
+              </p:cNvPr>
+              <p:cNvSpPr txBox="1"/>
+              <p:nvPr/>
+            </p:nvSpPr>
+            <p:spPr>
+              <a:xfrm>
+                <a:off x="8819197" y="4292668"/>
+                <a:ext cx="888683" cy="370780"/>
+              </a:xfrm>
+              <a:prstGeom prst="rect">
+                <a:avLst/>
+              </a:prstGeom>
+              <a:noFill/>
+            </p:spPr>
+            <p:txBody>
+              <a:bodyPr wrap="square" rtlCol="0">
+                <a:spAutoFit/>
+              </a:bodyPr>
+              <a:lstStyle/>
+              <a:p>
+                <a:pPr algn="r"/>
+                <a:r>
+                  <a:rPr lang="en-US" altLang="zh-CN" sz="1200" dirty="0">
+                    <a:solidFill>
+                      <a:srgbClr val="394C81"/>
+                    </a:solidFill>
+                    <a:latin typeface="Arial" panose="020B0604020202020204" pitchFamily="34" charset="0"/>
+                    <a:cs typeface="Arial" panose="020B0604020202020204" pitchFamily="34" charset="0"/>
+                  </a:rPr>
+                  <a:t>Stable</a:t>
+                </a:r>
+                <a:endParaRPr lang="zh-CN" altLang="en-US" sz="1200" dirty="0">
+                  <a:solidFill>
+                    <a:srgbClr val="394C81"/>
+                  </a:solidFill>
+                  <a:latin typeface="Arial" panose="020B0604020202020204" pitchFamily="34" charset="0"/>
+                  <a:cs typeface="Arial" panose="020B0604020202020204" pitchFamily="34" charset="0"/>
+                </a:endParaRPr>
+              </a:p>
+            </p:txBody>
+          </p:sp>
+        </p:grpSp>
+      </p:grpSp>
+    </p:spTree>
+    <p:extLst>
+      <p:ext uri="{BB962C8B-B14F-4D97-AF65-F5344CB8AC3E}">
+        <p14:creationId xmlns:p14="http://schemas.microsoft.com/office/powerpoint/2010/main" val="1020430881"/>
       </p:ext>
     </p:extLst>
   </p:cSld>

--- a/docs/figure.pptx
+++ b/docs/figure.pptx
@@ -198,7 +198,7 @@
           <a:p>
             <a:fld id="{ED3D9DC7-2146-4022-8C3D-055011F23F12}" type="datetimeFigureOut">
               <a:rPr lang="zh-CN" altLang="en-US" smtClean="0"/>
-              <a:t>2024-10-18</a:t>
+              <a:t>2024/10/18</a:t>
             </a:fld>
             <a:endParaRPr lang="zh-CN" altLang="en-US"/>
           </a:p>
@@ -680,7 +680,7 @@
           <a:p>
             <a:fld id="{5E8929CF-35E4-49DC-A48F-DF7B6959BFA4}" type="datetimeFigureOut">
               <a:rPr lang="zh-CN" altLang="en-US" smtClean="0"/>
-              <a:t>2024-10-18</a:t>
+              <a:t>2024/10/18</a:t>
             </a:fld>
             <a:endParaRPr lang="zh-CN" altLang="en-US"/>
           </a:p>
@@ -850,7 +850,7 @@
           <a:p>
             <a:fld id="{5E8929CF-35E4-49DC-A48F-DF7B6959BFA4}" type="datetimeFigureOut">
               <a:rPr lang="zh-CN" altLang="en-US" smtClean="0"/>
-              <a:t>2024-10-18</a:t>
+              <a:t>2024/10/18</a:t>
             </a:fld>
             <a:endParaRPr lang="zh-CN" altLang="en-US"/>
           </a:p>
@@ -1030,7 +1030,7 @@
           <a:p>
             <a:fld id="{5E8929CF-35E4-49DC-A48F-DF7B6959BFA4}" type="datetimeFigureOut">
               <a:rPr lang="zh-CN" altLang="en-US" smtClean="0"/>
-              <a:t>2024-10-18</a:t>
+              <a:t>2024/10/18</a:t>
             </a:fld>
             <a:endParaRPr lang="zh-CN" altLang="en-US"/>
           </a:p>
@@ -1200,7 +1200,7 @@
           <a:p>
             <a:fld id="{5E8929CF-35E4-49DC-A48F-DF7B6959BFA4}" type="datetimeFigureOut">
               <a:rPr lang="zh-CN" altLang="en-US" smtClean="0"/>
-              <a:t>2024-10-18</a:t>
+              <a:t>2024/10/18</a:t>
             </a:fld>
             <a:endParaRPr lang="zh-CN" altLang="en-US"/>
           </a:p>
@@ -1446,7 +1446,7 @@
           <a:p>
             <a:fld id="{5E8929CF-35E4-49DC-A48F-DF7B6959BFA4}" type="datetimeFigureOut">
               <a:rPr lang="zh-CN" altLang="en-US" smtClean="0"/>
-              <a:t>2024-10-18</a:t>
+              <a:t>2024/10/18</a:t>
             </a:fld>
             <a:endParaRPr lang="zh-CN" altLang="en-US"/>
           </a:p>
@@ -1678,7 +1678,7 @@
           <a:p>
             <a:fld id="{5E8929CF-35E4-49DC-A48F-DF7B6959BFA4}" type="datetimeFigureOut">
               <a:rPr lang="zh-CN" altLang="en-US" smtClean="0"/>
-              <a:t>2024-10-18</a:t>
+              <a:t>2024/10/18</a:t>
             </a:fld>
             <a:endParaRPr lang="zh-CN" altLang="en-US"/>
           </a:p>
@@ -2045,7 +2045,7 @@
           <a:p>
             <a:fld id="{5E8929CF-35E4-49DC-A48F-DF7B6959BFA4}" type="datetimeFigureOut">
               <a:rPr lang="zh-CN" altLang="en-US" smtClean="0"/>
-              <a:t>2024-10-18</a:t>
+              <a:t>2024/10/18</a:t>
             </a:fld>
             <a:endParaRPr lang="zh-CN" altLang="en-US"/>
           </a:p>
@@ -2163,7 +2163,7 @@
           <a:p>
             <a:fld id="{5E8929CF-35E4-49DC-A48F-DF7B6959BFA4}" type="datetimeFigureOut">
               <a:rPr lang="zh-CN" altLang="en-US" smtClean="0"/>
-              <a:t>2024-10-18</a:t>
+              <a:t>2024/10/18</a:t>
             </a:fld>
             <a:endParaRPr lang="zh-CN" altLang="en-US"/>
           </a:p>
@@ -2258,7 +2258,7 @@
           <a:p>
             <a:fld id="{5E8929CF-35E4-49DC-A48F-DF7B6959BFA4}" type="datetimeFigureOut">
               <a:rPr lang="zh-CN" altLang="en-US" smtClean="0"/>
-              <a:t>2024-10-18</a:t>
+              <a:t>2024/10/18</a:t>
             </a:fld>
             <a:endParaRPr lang="zh-CN" altLang="en-US"/>
           </a:p>
@@ -2535,7 +2535,7 @@
           <a:p>
             <a:fld id="{5E8929CF-35E4-49DC-A48F-DF7B6959BFA4}" type="datetimeFigureOut">
               <a:rPr lang="zh-CN" altLang="en-US" smtClean="0"/>
-              <a:t>2024-10-18</a:t>
+              <a:t>2024/10/18</a:t>
             </a:fld>
             <a:endParaRPr lang="zh-CN" altLang="en-US"/>
           </a:p>
@@ -2792,7 +2792,7 @@
           <a:p>
             <a:fld id="{5E8929CF-35E4-49DC-A48F-DF7B6959BFA4}" type="datetimeFigureOut">
               <a:rPr lang="zh-CN" altLang="en-US" smtClean="0"/>
-              <a:t>2024-10-18</a:t>
+              <a:t>2024/10/18</a:t>
             </a:fld>
             <a:endParaRPr lang="zh-CN" altLang="en-US"/>
           </a:p>
@@ -3005,7 +3005,7 @@
           <a:p>
             <a:fld id="{5E8929CF-35E4-49DC-A48F-DF7B6959BFA4}" type="datetimeFigureOut">
               <a:rPr lang="zh-CN" altLang="en-US" smtClean="0"/>
-              <a:t>2024-10-18</a:t>
+              <a:t>2024/10/18</a:t>
             </a:fld>
             <a:endParaRPr lang="zh-CN" altLang="en-US"/>
           </a:p>
@@ -5399,7 +5399,7 @@
         </p:blipFill>
         <p:spPr>
           <a:xfrm>
-            <a:off x="3907901" y="290116"/>
+            <a:off x="214087" y="290116"/>
             <a:ext cx="4271987" cy="3203990"/>
           </a:xfrm>
           <a:prstGeom prst="rect">
@@ -5421,7 +5421,7 @@
         </p:nvGrpSpPr>
         <p:grpSpPr>
           <a:xfrm>
-            <a:off x="8314772" y="171450"/>
+            <a:off x="4620958" y="171450"/>
             <a:ext cx="2248609" cy="3320042"/>
             <a:chOff x="6799246" y="120316"/>
             <a:chExt cx="2887835" cy="4263851"/>
@@ -5693,7 +5693,7 @@
         </p:blipFill>
         <p:spPr>
           <a:xfrm>
-            <a:off x="3907900" y="3682654"/>
+            <a:off x="214086" y="3682654"/>
             <a:ext cx="4271987" cy="3203990"/>
           </a:xfrm>
           <a:prstGeom prst="rect">
@@ -5715,7 +5715,7 @@
         </p:nvGrpSpPr>
         <p:grpSpPr>
           <a:xfrm>
-            <a:off x="8314772" y="3569719"/>
+            <a:off x="4620958" y="3569719"/>
             <a:ext cx="2248609" cy="3335500"/>
             <a:chOff x="6799246" y="4353459"/>
             <a:chExt cx="2887835" cy="4283703"/>
@@ -5959,6 +5959,84 @@
           </p:sp>
         </p:grpSp>
       </p:grpSp>
+      <p:sp>
+        <p:nvSpPr>
+          <p:cNvPr id="2" name="文本框 1">
+            <a:extLst>
+              <a:ext uri="{FF2B5EF4-FFF2-40B4-BE49-F238E27FC236}">
+                <a16:creationId xmlns:a16="http://schemas.microsoft.com/office/drawing/2014/main" id="{D772D5E5-D52F-B558-AD22-E754E856C2CA}"/>
+              </a:ext>
+            </a:extLst>
+          </p:cNvPr>
+          <p:cNvSpPr txBox="1"/>
+          <p:nvPr/>
+        </p:nvSpPr>
+        <p:spPr>
+          <a:xfrm>
+            <a:off x="3842406" y="2296408"/>
+            <a:ext cx="643667" cy="276999"/>
+          </a:xfrm>
+          <a:prstGeom prst="rect">
+            <a:avLst/>
+          </a:prstGeom>
+          <a:noFill/>
+        </p:spPr>
+        <p:txBody>
+          <a:bodyPr wrap="square" rtlCol="0">
+            <a:spAutoFit/>
+          </a:bodyPr>
+          <a:lstStyle/>
+          <a:p>
+            <a:pPr algn="ctr"/>
+            <a:r>
+              <a:rPr lang="en-US" altLang="zh-CN" sz="1200" b="1" dirty="0">
+                <a:latin typeface="Arial" panose="020B0604020202020204" pitchFamily="34" charset="0"/>
+                <a:cs typeface="Arial" panose="020B0604020202020204" pitchFamily="34" charset="0"/>
+              </a:rPr>
+              <a:t>GDSC</a:t>
+            </a:r>
+          </a:p>
+        </p:txBody>
+      </p:sp>
+      <p:sp>
+        <p:nvSpPr>
+          <p:cNvPr id="3" name="文本框 2">
+            <a:extLst>
+              <a:ext uri="{FF2B5EF4-FFF2-40B4-BE49-F238E27FC236}">
+                <a16:creationId xmlns:a16="http://schemas.microsoft.com/office/drawing/2014/main" id="{E49372C0-80BF-2A1B-A76D-75714E316FC7}"/>
+              </a:ext>
+            </a:extLst>
+          </p:cNvPr>
+          <p:cNvSpPr txBox="1"/>
+          <p:nvPr/>
+        </p:nvSpPr>
+        <p:spPr>
+          <a:xfrm>
+            <a:off x="3842406" y="5579358"/>
+            <a:ext cx="643667" cy="276999"/>
+          </a:xfrm>
+          <a:prstGeom prst="rect">
+            <a:avLst/>
+          </a:prstGeom>
+          <a:noFill/>
+        </p:spPr>
+        <p:txBody>
+          <a:bodyPr wrap="square" rtlCol="0">
+            <a:spAutoFit/>
+          </a:bodyPr>
+          <a:lstStyle/>
+          <a:p>
+            <a:pPr algn="ctr"/>
+            <a:r>
+              <a:rPr lang="en-US" altLang="zh-CN" sz="1200" b="1" dirty="0">
+                <a:latin typeface="Arial" panose="020B0604020202020204" pitchFamily="34" charset="0"/>
+                <a:cs typeface="Arial" panose="020B0604020202020204" pitchFamily="34" charset="0"/>
+              </a:rPr>
+              <a:t>TCGA</a:t>
+            </a:r>
+          </a:p>
+        </p:txBody>
+      </p:sp>
     </p:spTree>
     <p:extLst>
       <p:ext uri="{BB962C8B-B14F-4D97-AF65-F5344CB8AC3E}">

--- a/docs/figure.pptx
+++ b/docs/figure.pptx
@@ -198,7 +198,7 @@
           <a:p>
             <a:fld id="{ED3D9DC7-2146-4022-8C3D-055011F23F12}" type="datetimeFigureOut">
               <a:rPr lang="zh-CN" altLang="en-US" smtClean="0"/>
-              <a:t>2024/10/18</a:t>
+              <a:t>2024-10-18</a:t>
             </a:fld>
             <a:endParaRPr lang="zh-CN" altLang="en-US"/>
           </a:p>
@@ -680,7 +680,7 @@
           <a:p>
             <a:fld id="{5E8929CF-35E4-49DC-A48F-DF7B6959BFA4}" type="datetimeFigureOut">
               <a:rPr lang="zh-CN" altLang="en-US" smtClean="0"/>
-              <a:t>2024/10/18</a:t>
+              <a:t>2024-10-18</a:t>
             </a:fld>
             <a:endParaRPr lang="zh-CN" altLang="en-US"/>
           </a:p>
@@ -850,7 +850,7 @@
           <a:p>
             <a:fld id="{5E8929CF-35E4-49DC-A48F-DF7B6959BFA4}" type="datetimeFigureOut">
               <a:rPr lang="zh-CN" altLang="en-US" smtClean="0"/>
-              <a:t>2024/10/18</a:t>
+              <a:t>2024-10-18</a:t>
             </a:fld>
             <a:endParaRPr lang="zh-CN" altLang="en-US"/>
           </a:p>
@@ -1030,7 +1030,7 @@
           <a:p>
             <a:fld id="{5E8929CF-35E4-49DC-A48F-DF7B6959BFA4}" type="datetimeFigureOut">
               <a:rPr lang="zh-CN" altLang="en-US" smtClean="0"/>
-              <a:t>2024/10/18</a:t>
+              <a:t>2024-10-18</a:t>
             </a:fld>
             <a:endParaRPr lang="zh-CN" altLang="en-US"/>
           </a:p>
@@ -1200,7 +1200,7 @@
           <a:p>
             <a:fld id="{5E8929CF-35E4-49DC-A48F-DF7B6959BFA4}" type="datetimeFigureOut">
               <a:rPr lang="zh-CN" altLang="en-US" smtClean="0"/>
-              <a:t>2024/10/18</a:t>
+              <a:t>2024-10-18</a:t>
             </a:fld>
             <a:endParaRPr lang="zh-CN" altLang="en-US"/>
           </a:p>
@@ -1446,7 +1446,7 @@
           <a:p>
             <a:fld id="{5E8929CF-35E4-49DC-A48F-DF7B6959BFA4}" type="datetimeFigureOut">
               <a:rPr lang="zh-CN" altLang="en-US" smtClean="0"/>
-              <a:t>2024/10/18</a:t>
+              <a:t>2024-10-18</a:t>
             </a:fld>
             <a:endParaRPr lang="zh-CN" altLang="en-US"/>
           </a:p>
@@ -1678,7 +1678,7 @@
           <a:p>
             <a:fld id="{5E8929CF-35E4-49DC-A48F-DF7B6959BFA4}" type="datetimeFigureOut">
               <a:rPr lang="zh-CN" altLang="en-US" smtClean="0"/>
-              <a:t>2024/10/18</a:t>
+              <a:t>2024-10-18</a:t>
             </a:fld>
             <a:endParaRPr lang="zh-CN" altLang="en-US"/>
           </a:p>
@@ -2045,7 +2045,7 @@
           <a:p>
             <a:fld id="{5E8929CF-35E4-49DC-A48F-DF7B6959BFA4}" type="datetimeFigureOut">
               <a:rPr lang="zh-CN" altLang="en-US" smtClean="0"/>
-              <a:t>2024/10/18</a:t>
+              <a:t>2024-10-18</a:t>
             </a:fld>
             <a:endParaRPr lang="zh-CN" altLang="en-US"/>
           </a:p>
@@ -2163,7 +2163,7 @@
           <a:p>
             <a:fld id="{5E8929CF-35E4-49DC-A48F-DF7B6959BFA4}" type="datetimeFigureOut">
               <a:rPr lang="zh-CN" altLang="en-US" smtClean="0"/>
-              <a:t>2024/10/18</a:t>
+              <a:t>2024-10-18</a:t>
             </a:fld>
             <a:endParaRPr lang="zh-CN" altLang="en-US"/>
           </a:p>
@@ -2258,7 +2258,7 @@
           <a:p>
             <a:fld id="{5E8929CF-35E4-49DC-A48F-DF7B6959BFA4}" type="datetimeFigureOut">
               <a:rPr lang="zh-CN" altLang="en-US" smtClean="0"/>
-              <a:t>2024/10/18</a:t>
+              <a:t>2024-10-18</a:t>
             </a:fld>
             <a:endParaRPr lang="zh-CN" altLang="en-US"/>
           </a:p>
@@ -2535,7 +2535,7 @@
           <a:p>
             <a:fld id="{5E8929CF-35E4-49DC-A48F-DF7B6959BFA4}" type="datetimeFigureOut">
               <a:rPr lang="zh-CN" altLang="en-US" smtClean="0"/>
-              <a:t>2024/10/18</a:t>
+              <a:t>2024-10-18</a:t>
             </a:fld>
             <a:endParaRPr lang="zh-CN" altLang="en-US"/>
           </a:p>
@@ -2792,7 +2792,7 @@
           <a:p>
             <a:fld id="{5E8929CF-35E4-49DC-A48F-DF7B6959BFA4}" type="datetimeFigureOut">
               <a:rPr lang="zh-CN" altLang="en-US" smtClean="0"/>
-              <a:t>2024/10/18</a:t>
+              <a:t>2024-10-18</a:t>
             </a:fld>
             <a:endParaRPr lang="zh-CN" altLang="en-US"/>
           </a:p>
@@ -3005,7 +3005,7 @@
           <a:p>
             <a:fld id="{5E8929CF-35E4-49DC-A48F-DF7B6959BFA4}" type="datetimeFigureOut">
               <a:rPr lang="zh-CN" altLang="en-US" smtClean="0"/>
-              <a:t>2024/10/18</a:t>
+              <a:t>2024-10-18</a:t>
             </a:fld>
             <a:endParaRPr lang="zh-CN" altLang="en-US"/>
           </a:p>
@@ -5693,7 +5693,7 @@
         </p:blipFill>
         <p:spPr>
           <a:xfrm>
-            <a:off x="214086" y="3682654"/>
+            <a:off x="214086" y="3805217"/>
             <a:ext cx="4271987" cy="3203990"/>
           </a:xfrm>
           <a:prstGeom prst="rect">
@@ -5715,7 +5715,7 @@
         </p:nvGrpSpPr>
         <p:grpSpPr>
           <a:xfrm>
-            <a:off x="4620958" y="3569719"/>
+            <a:off x="4620958" y="3692282"/>
             <a:ext cx="2248609" cy="3335500"/>
             <a:chOff x="6799246" y="4353459"/>
             <a:chExt cx="2887835" cy="4283703"/>
@@ -6033,6 +6033,404 @@
                 <a:cs typeface="Arial" panose="020B0604020202020204" pitchFamily="34" charset="0"/>
               </a:rPr>
               <a:t>TCGA</a:t>
+            </a:r>
+          </a:p>
+        </p:txBody>
+      </p:sp>
+      <p:sp>
+        <p:nvSpPr>
+          <p:cNvPr id="28" name="矩形 27">
+            <a:extLst>
+              <a:ext uri="{FF2B5EF4-FFF2-40B4-BE49-F238E27FC236}">
+                <a16:creationId xmlns:a16="http://schemas.microsoft.com/office/drawing/2014/main" id="{E0BAAC90-3FE7-7DA2-2A76-50B65A931721}"/>
+              </a:ext>
+            </a:extLst>
+          </p:cNvPr>
+          <p:cNvSpPr/>
+          <p:nvPr/>
+        </p:nvSpPr>
+        <p:spPr>
+          <a:xfrm>
+            <a:off x="-7686631" y="-6414319"/>
+            <a:ext cx="346893" cy="276999"/>
+          </a:xfrm>
+          <a:prstGeom prst="rect">
+            <a:avLst/>
+          </a:prstGeom>
+        </p:spPr>
+        <p:style>
+          <a:lnRef idx="2">
+            <a:schemeClr val="accent1">
+              <a:shade val="15000"/>
+            </a:schemeClr>
+          </a:lnRef>
+          <a:fillRef idx="1">
+            <a:schemeClr val="accent1"/>
+          </a:fillRef>
+          <a:effectRef idx="0">
+            <a:schemeClr val="accent1"/>
+          </a:effectRef>
+          <a:fontRef idx="minor">
+            <a:schemeClr val="lt1"/>
+          </a:fontRef>
+        </p:style>
+        <p:txBody>
+          <a:bodyPr rtlCol="0" anchor="ctr"/>
+          <a:lstStyle/>
+          <a:p>
+            <a:pPr algn="ctr"/>
+            <a:endParaRPr lang="zh-CN" altLang="en-US"/>
+          </a:p>
+        </p:txBody>
+      </p:sp>
+      <p:sp>
+        <p:nvSpPr>
+          <p:cNvPr id="29" name="矩形 28">
+            <a:extLst>
+              <a:ext uri="{FF2B5EF4-FFF2-40B4-BE49-F238E27FC236}">
+                <a16:creationId xmlns:a16="http://schemas.microsoft.com/office/drawing/2014/main" id="{578719B8-BFAE-A0B7-1DD4-2A35FD6E4494}"/>
+              </a:ext>
+            </a:extLst>
+          </p:cNvPr>
+          <p:cNvSpPr/>
+          <p:nvPr/>
+        </p:nvSpPr>
+        <p:spPr>
+          <a:xfrm>
+            <a:off x="23288669" y="14921681"/>
+            <a:ext cx="346893" cy="276999"/>
+          </a:xfrm>
+          <a:prstGeom prst="rect">
+            <a:avLst/>
+          </a:prstGeom>
+        </p:spPr>
+        <p:style>
+          <a:lnRef idx="2">
+            <a:schemeClr val="accent1">
+              <a:shade val="15000"/>
+            </a:schemeClr>
+          </a:lnRef>
+          <a:fillRef idx="1">
+            <a:schemeClr val="accent1"/>
+          </a:fillRef>
+          <a:effectRef idx="0">
+            <a:schemeClr val="accent1"/>
+          </a:effectRef>
+          <a:fontRef idx="minor">
+            <a:schemeClr val="lt1"/>
+          </a:fontRef>
+        </p:style>
+        <p:txBody>
+          <a:bodyPr rtlCol="0" anchor="ctr"/>
+          <a:lstStyle/>
+          <a:p>
+            <a:pPr algn="ctr"/>
+            <a:endParaRPr lang="zh-CN" altLang="en-US"/>
+          </a:p>
+        </p:txBody>
+      </p:sp>
+      <p:pic>
+        <p:nvPicPr>
+          <p:cNvPr id="37" name="图片 36" descr="图形用户界面, 图表&#10;&#10;描述已自动生成">
+            <a:extLst>
+              <a:ext uri="{FF2B5EF4-FFF2-40B4-BE49-F238E27FC236}">
+                <a16:creationId xmlns:a16="http://schemas.microsoft.com/office/drawing/2014/main" id="{9AAE7E47-F391-74F3-0F6C-93B48D677E7A}"/>
+              </a:ext>
+            </a:extLst>
+          </p:cNvPr>
+          <p:cNvPicPr>
+            <a:picLocks noChangeAspect="1"/>
+          </p:cNvPicPr>
+          <p:nvPr/>
+        </p:nvPicPr>
+        <p:blipFill>
+          <a:blip r:embed="rId6">
+            <a:extLst>
+              <a:ext uri="{28A0092B-C50C-407E-A947-70E740481C1C}">
+                <a14:useLocalDpi xmlns:a14="http://schemas.microsoft.com/office/drawing/2010/main" val="0"/>
+              </a:ext>
+            </a:extLst>
+          </a:blip>
+          <a:stretch>
+            <a:fillRect/>
+          </a:stretch>
+        </p:blipFill>
+        <p:spPr>
+          <a:xfrm>
+            <a:off x="6912000" y="3797886"/>
+            <a:ext cx="3845900" cy="3203990"/>
+          </a:xfrm>
+          <a:prstGeom prst="rect">
+            <a:avLst/>
+          </a:prstGeom>
+        </p:spPr>
+      </p:pic>
+      <p:pic>
+        <p:nvPicPr>
+          <p:cNvPr id="41" name="图片 40" descr="图形用户界面&#10;&#10;描述已自动生成">
+            <a:extLst>
+              <a:ext uri="{FF2B5EF4-FFF2-40B4-BE49-F238E27FC236}">
+                <a16:creationId xmlns:a16="http://schemas.microsoft.com/office/drawing/2014/main" id="{844C4631-93E5-92E9-4B57-094719E0CCB4}"/>
+              </a:ext>
+            </a:extLst>
+          </p:cNvPr>
+          <p:cNvPicPr>
+            <a:picLocks noChangeAspect="1"/>
+          </p:cNvPicPr>
+          <p:nvPr/>
+        </p:nvPicPr>
+        <p:blipFill>
+          <a:blip r:embed="rId7">
+            <a:extLst>
+              <a:ext uri="{28A0092B-C50C-407E-A947-70E740481C1C}">
+                <a14:useLocalDpi xmlns:a14="http://schemas.microsoft.com/office/drawing/2010/main" val="0"/>
+              </a:ext>
+            </a:extLst>
+          </a:blip>
+          <a:stretch>
+            <a:fillRect/>
+          </a:stretch>
+        </p:blipFill>
+        <p:spPr>
+          <a:xfrm>
+            <a:off x="6912000" y="284044"/>
+            <a:ext cx="3850051" cy="3207448"/>
+          </a:xfrm>
+          <a:prstGeom prst="rect">
+            <a:avLst/>
+          </a:prstGeom>
+        </p:spPr>
+      </p:pic>
+      <p:sp>
+        <p:nvSpPr>
+          <p:cNvPr id="42" name="文本框 41">
+            <a:extLst>
+              <a:ext uri="{FF2B5EF4-FFF2-40B4-BE49-F238E27FC236}">
+                <a16:creationId xmlns:a16="http://schemas.microsoft.com/office/drawing/2014/main" id="{64C36969-018E-E7E0-77DD-93DD1C104C5A}"/>
+              </a:ext>
+            </a:extLst>
+          </p:cNvPr>
+          <p:cNvSpPr txBox="1"/>
+          <p:nvPr/>
+        </p:nvSpPr>
+        <p:spPr>
+          <a:xfrm>
+            <a:off x="0" y="16175"/>
+            <a:ext cx="395220" cy="369332"/>
+          </a:xfrm>
+          <a:prstGeom prst="rect">
+            <a:avLst/>
+          </a:prstGeom>
+          <a:noFill/>
+        </p:spPr>
+        <p:txBody>
+          <a:bodyPr wrap="square" rtlCol="0">
+            <a:spAutoFit/>
+          </a:bodyPr>
+          <a:lstStyle/>
+          <a:p>
+            <a:pPr algn="ctr"/>
+            <a:r>
+              <a:rPr lang="en-US" altLang="zh-CN" dirty="0">
+                <a:latin typeface="Arial" panose="020B0604020202020204" pitchFamily="34" charset="0"/>
+                <a:cs typeface="Arial" panose="020B0604020202020204" pitchFamily="34" charset="0"/>
+              </a:rPr>
+              <a:t>A</a:t>
+            </a:r>
+          </a:p>
+        </p:txBody>
+      </p:sp>
+      <p:sp>
+        <p:nvSpPr>
+          <p:cNvPr id="43" name="文本框 42">
+            <a:extLst>
+              <a:ext uri="{FF2B5EF4-FFF2-40B4-BE49-F238E27FC236}">
+                <a16:creationId xmlns:a16="http://schemas.microsoft.com/office/drawing/2014/main" id="{2CE231CB-5C45-80F9-F0C7-E63A19F1C722}"/>
+              </a:ext>
+            </a:extLst>
+          </p:cNvPr>
+          <p:cNvSpPr txBox="1"/>
+          <p:nvPr/>
+        </p:nvSpPr>
+        <p:spPr>
+          <a:xfrm>
+            <a:off x="4225738" y="16175"/>
+            <a:ext cx="395220" cy="369332"/>
+          </a:xfrm>
+          <a:prstGeom prst="rect">
+            <a:avLst/>
+          </a:prstGeom>
+          <a:noFill/>
+        </p:spPr>
+        <p:txBody>
+          <a:bodyPr wrap="square" rtlCol="0">
+            <a:spAutoFit/>
+          </a:bodyPr>
+          <a:lstStyle/>
+          <a:p>
+            <a:pPr algn="ctr"/>
+            <a:r>
+              <a:rPr lang="en-US" altLang="zh-CN" dirty="0">
+                <a:latin typeface="Arial" panose="020B0604020202020204" pitchFamily="34" charset="0"/>
+                <a:cs typeface="Arial" panose="020B0604020202020204" pitchFamily="34" charset="0"/>
+              </a:rPr>
+              <a:t>B</a:t>
+            </a:r>
+          </a:p>
+        </p:txBody>
+      </p:sp>
+      <p:sp>
+        <p:nvSpPr>
+          <p:cNvPr id="44" name="文本框 43">
+            <a:extLst>
+              <a:ext uri="{FF2B5EF4-FFF2-40B4-BE49-F238E27FC236}">
+                <a16:creationId xmlns:a16="http://schemas.microsoft.com/office/drawing/2014/main" id="{7D27CF1E-D5A3-73DD-414F-07CBC825B9C0}"/>
+              </a:ext>
+            </a:extLst>
+          </p:cNvPr>
+          <p:cNvSpPr txBox="1"/>
+          <p:nvPr/>
+        </p:nvSpPr>
+        <p:spPr>
+          <a:xfrm>
+            <a:off x="7036813" y="16175"/>
+            <a:ext cx="395220" cy="369332"/>
+          </a:xfrm>
+          <a:prstGeom prst="rect">
+            <a:avLst/>
+          </a:prstGeom>
+          <a:noFill/>
+        </p:spPr>
+        <p:txBody>
+          <a:bodyPr wrap="square" rtlCol="0">
+            <a:spAutoFit/>
+          </a:bodyPr>
+          <a:lstStyle/>
+          <a:p>
+            <a:pPr algn="ctr"/>
+            <a:r>
+              <a:rPr lang="en-US" altLang="zh-CN" dirty="0">
+                <a:latin typeface="Arial" panose="020B0604020202020204" pitchFamily="34" charset="0"/>
+                <a:cs typeface="Arial" panose="020B0604020202020204" pitchFamily="34" charset="0"/>
+              </a:rPr>
+              <a:t>C</a:t>
+            </a:r>
+          </a:p>
+        </p:txBody>
+      </p:sp>
+      <p:sp>
+        <p:nvSpPr>
+          <p:cNvPr id="45" name="文本框 44">
+            <a:extLst>
+              <a:ext uri="{FF2B5EF4-FFF2-40B4-BE49-F238E27FC236}">
+                <a16:creationId xmlns:a16="http://schemas.microsoft.com/office/drawing/2014/main" id="{478823E5-61C6-A10C-B7AF-D4B50C5353EC}"/>
+              </a:ext>
+            </a:extLst>
+          </p:cNvPr>
+          <p:cNvSpPr txBox="1"/>
+          <p:nvPr/>
+        </p:nvSpPr>
+        <p:spPr>
+          <a:xfrm>
+            <a:off x="0" y="3455618"/>
+            <a:ext cx="395220" cy="369332"/>
+          </a:xfrm>
+          <a:prstGeom prst="rect">
+            <a:avLst/>
+          </a:prstGeom>
+          <a:noFill/>
+        </p:spPr>
+        <p:txBody>
+          <a:bodyPr wrap="square" rtlCol="0">
+            <a:spAutoFit/>
+          </a:bodyPr>
+          <a:lstStyle/>
+          <a:p>
+            <a:pPr algn="ctr"/>
+            <a:r>
+              <a:rPr lang="en-US" altLang="zh-CN" dirty="0">
+                <a:latin typeface="Arial" panose="020B0604020202020204" pitchFamily="34" charset="0"/>
+                <a:cs typeface="Arial" panose="020B0604020202020204" pitchFamily="34" charset="0"/>
+              </a:rPr>
+              <a:t>D</a:t>
+            </a:r>
+          </a:p>
+        </p:txBody>
+      </p:sp>
+      <p:sp>
+        <p:nvSpPr>
+          <p:cNvPr id="46" name="文本框 45">
+            <a:extLst>
+              <a:ext uri="{FF2B5EF4-FFF2-40B4-BE49-F238E27FC236}">
+                <a16:creationId xmlns:a16="http://schemas.microsoft.com/office/drawing/2014/main" id="{2EE697DC-2EF7-00FA-6518-54FF951C5760}"/>
+              </a:ext>
+            </a:extLst>
+          </p:cNvPr>
+          <p:cNvSpPr txBox="1"/>
+          <p:nvPr/>
+        </p:nvSpPr>
+        <p:spPr>
+          <a:xfrm>
+            <a:off x="4225738" y="3455618"/>
+            <a:ext cx="395220" cy="369332"/>
+          </a:xfrm>
+          <a:prstGeom prst="rect">
+            <a:avLst/>
+          </a:prstGeom>
+          <a:noFill/>
+        </p:spPr>
+        <p:txBody>
+          <a:bodyPr wrap="square" rtlCol="0">
+            <a:spAutoFit/>
+          </a:bodyPr>
+          <a:lstStyle/>
+          <a:p>
+            <a:pPr algn="ctr"/>
+            <a:r>
+              <a:rPr lang="en-US" altLang="zh-CN" dirty="0">
+                <a:latin typeface="Arial" panose="020B0604020202020204" pitchFamily="34" charset="0"/>
+                <a:cs typeface="Arial" panose="020B0604020202020204" pitchFamily="34" charset="0"/>
+              </a:rPr>
+              <a:t>E</a:t>
+            </a:r>
+          </a:p>
+        </p:txBody>
+      </p:sp>
+      <p:sp>
+        <p:nvSpPr>
+          <p:cNvPr id="47" name="文本框 46">
+            <a:extLst>
+              <a:ext uri="{FF2B5EF4-FFF2-40B4-BE49-F238E27FC236}">
+                <a16:creationId xmlns:a16="http://schemas.microsoft.com/office/drawing/2014/main" id="{2E57E531-C198-23EC-91DB-07C0A347648A}"/>
+              </a:ext>
+            </a:extLst>
+          </p:cNvPr>
+          <p:cNvSpPr txBox="1"/>
+          <p:nvPr/>
+        </p:nvSpPr>
+        <p:spPr>
+          <a:xfrm>
+            <a:off x="7036813" y="3455618"/>
+            <a:ext cx="395220" cy="369332"/>
+          </a:xfrm>
+          <a:prstGeom prst="rect">
+            <a:avLst/>
+          </a:prstGeom>
+          <a:noFill/>
+        </p:spPr>
+        <p:txBody>
+          <a:bodyPr wrap="square" rtlCol="0">
+            <a:spAutoFit/>
+          </a:bodyPr>
+          <a:lstStyle/>
+          <a:p>
+            <a:pPr algn="ctr"/>
+            <a:r>
+              <a:rPr lang="en-US" altLang="zh-CN" dirty="0">
+                <a:latin typeface="Arial" panose="020B0604020202020204" pitchFamily="34" charset="0"/>
+                <a:cs typeface="Arial" panose="020B0604020202020204" pitchFamily="34" charset="0"/>
+              </a:rPr>
+              <a:t>F</a:t>
             </a:r>
           </a:p>
         </p:txBody>

--- a/docs/figure.pptx
+++ b/docs/figure.pptx
@@ -5,11 +5,12 @@
     <p:sldMasterId id="2147483708" r:id="rId1"/>
   </p:sldMasterIdLst>
   <p:notesMasterIdLst>
-    <p:notesMasterId r:id="rId4"/>
+    <p:notesMasterId r:id="rId5"/>
   </p:notesMasterIdLst>
   <p:sldIdLst>
     <p:sldId id="256" r:id="rId2"/>
     <p:sldId id="257" r:id="rId3"/>
+    <p:sldId id="258" r:id="rId4"/>
   </p:sldIdLst>
   <p:sldSz cx="10799763" cy="10799763"/>
   <p:notesSz cx="6858000" cy="9144000"/>
@@ -198,7 +199,7 @@
           <a:p>
             <a:fld id="{ED3D9DC7-2146-4022-8C3D-055011F23F12}" type="datetimeFigureOut">
               <a:rPr lang="zh-CN" altLang="en-US" smtClean="0"/>
-              <a:t>2024-10-18</a:t>
+              <a:t>2024-10-21</a:t>
             </a:fld>
             <a:endParaRPr lang="zh-CN" altLang="en-US"/>
           </a:p>
@@ -680,7 +681,7 @@
           <a:p>
             <a:fld id="{5E8929CF-35E4-49DC-A48F-DF7B6959BFA4}" type="datetimeFigureOut">
               <a:rPr lang="zh-CN" altLang="en-US" smtClean="0"/>
-              <a:t>2024-10-18</a:t>
+              <a:t>2024-10-21</a:t>
             </a:fld>
             <a:endParaRPr lang="zh-CN" altLang="en-US"/>
           </a:p>
@@ -850,7 +851,7 @@
           <a:p>
             <a:fld id="{5E8929CF-35E4-49DC-A48F-DF7B6959BFA4}" type="datetimeFigureOut">
               <a:rPr lang="zh-CN" altLang="en-US" smtClean="0"/>
-              <a:t>2024-10-18</a:t>
+              <a:t>2024-10-21</a:t>
             </a:fld>
             <a:endParaRPr lang="zh-CN" altLang="en-US"/>
           </a:p>
@@ -1030,7 +1031,7 @@
           <a:p>
             <a:fld id="{5E8929CF-35E4-49DC-A48F-DF7B6959BFA4}" type="datetimeFigureOut">
               <a:rPr lang="zh-CN" altLang="en-US" smtClean="0"/>
-              <a:t>2024-10-18</a:t>
+              <a:t>2024-10-21</a:t>
             </a:fld>
             <a:endParaRPr lang="zh-CN" altLang="en-US"/>
           </a:p>
@@ -1200,7 +1201,7 @@
           <a:p>
             <a:fld id="{5E8929CF-35E4-49DC-A48F-DF7B6959BFA4}" type="datetimeFigureOut">
               <a:rPr lang="zh-CN" altLang="en-US" smtClean="0"/>
-              <a:t>2024-10-18</a:t>
+              <a:t>2024-10-21</a:t>
             </a:fld>
             <a:endParaRPr lang="zh-CN" altLang="en-US"/>
           </a:p>
@@ -1446,7 +1447,7 @@
           <a:p>
             <a:fld id="{5E8929CF-35E4-49DC-A48F-DF7B6959BFA4}" type="datetimeFigureOut">
               <a:rPr lang="zh-CN" altLang="en-US" smtClean="0"/>
-              <a:t>2024-10-18</a:t>
+              <a:t>2024-10-21</a:t>
             </a:fld>
             <a:endParaRPr lang="zh-CN" altLang="en-US"/>
           </a:p>
@@ -1678,7 +1679,7 @@
           <a:p>
             <a:fld id="{5E8929CF-35E4-49DC-A48F-DF7B6959BFA4}" type="datetimeFigureOut">
               <a:rPr lang="zh-CN" altLang="en-US" smtClean="0"/>
-              <a:t>2024-10-18</a:t>
+              <a:t>2024-10-21</a:t>
             </a:fld>
             <a:endParaRPr lang="zh-CN" altLang="en-US"/>
           </a:p>
@@ -2045,7 +2046,7 @@
           <a:p>
             <a:fld id="{5E8929CF-35E4-49DC-A48F-DF7B6959BFA4}" type="datetimeFigureOut">
               <a:rPr lang="zh-CN" altLang="en-US" smtClean="0"/>
-              <a:t>2024-10-18</a:t>
+              <a:t>2024-10-21</a:t>
             </a:fld>
             <a:endParaRPr lang="zh-CN" altLang="en-US"/>
           </a:p>
@@ -2163,7 +2164,7 @@
           <a:p>
             <a:fld id="{5E8929CF-35E4-49DC-A48F-DF7B6959BFA4}" type="datetimeFigureOut">
               <a:rPr lang="zh-CN" altLang="en-US" smtClean="0"/>
-              <a:t>2024-10-18</a:t>
+              <a:t>2024-10-21</a:t>
             </a:fld>
             <a:endParaRPr lang="zh-CN" altLang="en-US"/>
           </a:p>
@@ -2258,7 +2259,7 @@
           <a:p>
             <a:fld id="{5E8929CF-35E4-49DC-A48F-DF7B6959BFA4}" type="datetimeFigureOut">
               <a:rPr lang="zh-CN" altLang="en-US" smtClean="0"/>
-              <a:t>2024-10-18</a:t>
+              <a:t>2024-10-21</a:t>
             </a:fld>
             <a:endParaRPr lang="zh-CN" altLang="en-US"/>
           </a:p>
@@ -2535,7 +2536,7 @@
           <a:p>
             <a:fld id="{5E8929CF-35E4-49DC-A48F-DF7B6959BFA4}" type="datetimeFigureOut">
               <a:rPr lang="zh-CN" altLang="en-US" smtClean="0"/>
-              <a:t>2024-10-18</a:t>
+              <a:t>2024-10-21</a:t>
             </a:fld>
             <a:endParaRPr lang="zh-CN" altLang="en-US"/>
           </a:p>
@@ -2792,7 +2793,7 @@
           <a:p>
             <a:fld id="{5E8929CF-35E4-49DC-A48F-DF7B6959BFA4}" type="datetimeFigureOut">
               <a:rPr lang="zh-CN" altLang="en-US" smtClean="0"/>
-              <a:t>2024-10-18</a:t>
+              <a:t>2024-10-21</a:t>
             </a:fld>
             <a:endParaRPr lang="zh-CN" altLang="en-US"/>
           </a:p>
@@ -3005,7 +3006,7 @@
           <a:p>
             <a:fld id="{5E8929CF-35E4-49DC-A48F-DF7B6959BFA4}" type="datetimeFigureOut">
               <a:rPr lang="zh-CN" altLang="en-US" smtClean="0"/>
-              <a:t>2024-10-18</a:t>
+              <a:t>2024-10-21</a:t>
             </a:fld>
             <a:endParaRPr lang="zh-CN" altLang="en-US"/>
           </a:p>
@@ -5341,6 +5342,98 @@
           </a:p>
         </p:txBody>
       </p:sp>
+      <p:sp>
+        <p:nvSpPr>
+          <p:cNvPr id="2" name="矩形 1">
+            <a:extLst>
+              <a:ext uri="{FF2B5EF4-FFF2-40B4-BE49-F238E27FC236}">
+                <a16:creationId xmlns:a16="http://schemas.microsoft.com/office/drawing/2014/main" id="{54A2E6C0-9386-933C-C5F1-D8B72E0E667C}"/>
+              </a:ext>
+            </a:extLst>
+          </p:cNvPr>
+          <p:cNvSpPr/>
+          <p:nvPr/>
+        </p:nvSpPr>
+        <p:spPr>
+          <a:xfrm>
+            <a:off x="-7686631" y="-6414319"/>
+            <a:ext cx="346893" cy="276999"/>
+          </a:xfrm>
+          <a:prstGeom prst="rect">
+            <a:avLst/>
+          </a:prstGeom>
+        </p:spPr>
+        <p:style>
+          <a:lnRef idx="2">
+            <a:schemeClr val="accent1">
+              <a:shade val="15000"/>
+            </a:schemeClr>
+          </a:lnRef>
+          <a:fillRef idx="1">
+            <a:schemeClr val="accent1"/>
+          </a:fillRef>
+          <a:effectRef idx="0">
+            <a:schemeClr val="accent1"/>
+          </a:effectRef>
+          <a:fontRef idx="minor">
+            <a:schemeClr val="lt1"/>
+          </a:fontRef>
+        </p:style>
+        <p:txBody>
+          <a:bodyPr rtlCol="0" anchor="ctr"/>
+          <a:lstStyle/>
+          <a:p>
+            <a:pPr algn="ctr"/>
+            <a:endParaRPr lang="zh-CN" altLang="en-US"/>
+          </a:p>
+        </p:txBody>
+      </p:sp>
+      <p:sp>
+        <p:nvSpPr>
+          <p:cNvPr id="3" name="矩形 2">
+            <a:extLst>
+              <a:ext uri="{FF2B5EF4-FFF2-40B4-BE49-F238E27FC236}">
+                <a16:creationId xmlns:a16="http://schemas.microsoft.com/office/drawing/2014/main" id="{9E6FA677-2AB1-7A99-106C-714C988F52F9}"/>
+              </a:ext>
+            </a:extLst>
+          </p:cNvPr>
+          <p:cNvSpPr/>
+          <p:nvPr/>
+        </p:nvSpPr>
+        <p:spPr>
+          <a:xfrm>
+            <a:off x="23288669" y="14921681"/>
+            <a:ext cx="346893" cy="276999"/>
+          </a:xfrm>
+          <a:prstGeom prst="rect">
+            <a:avLst/>
+          </a:prstGeom>
+        </p:spPr>
+        <p:style>
+          <a:lnRef idx="2">
+            <a:schemeClr val="accent1">
+              <a:shade val="15000"/>
+            </a:schemeClr>
+          </a:lnRef>
+          <a:fillRef idx="1">
+            <a:schemeClr val="accent1"/>
+          </a:fillRef>
+          <a:effectRef idx="0">
+            <a:schemeClr val="accent1"/>
+          </a:effectRef>
+          <a:fontRef idx="minor">
+            <a:schemeClr val="lt1"/>
+          </a:fontRef>
+        </p:style>
+        <p:txBody>
+          <a:bodyPr rtlCol="0" anchor="ctr"/>
+          <a:lstStyle/>
+          <a:p>
+            <a:pPr algn="ctr"/>
+            <a:endParaRPr lang="zh-CN" altLang="en-US"/>
+          </a:p>
+        </p:txBody>
+      </p:sp>
     </p:spTree>
     <p:extLst>
       <p:ext uri="{BB962C8B-B14F-4D97-AF65-F5344CB8AC3E}">
@@ -5399,7 +5492,7 @@
         </p:blipFill>
         <p:spPr>
           <a:xfrm>
-            <a:off x="214087" y="290116"/>
+            <a:off x="214087" y="385507"/>
             <a:ext cx="4271987" cy="3203990"/>
           </a:xfrm>
           <a:prstGeom prst="rect">
@@ -5421,7 +5514,7 @@
         </p:nvGrpSpPr>
         <p:grpSpPr>
           <a:xfrm>
-            <a:off x="4620958" y="171450"/>
+            <a:off x="4620958" y="266841"/>
             <a:ext cx="2248609" cy="3320042"/>
             <a:chOff x="6799246" y="120316"/>
             <a:chExt cx="2887835" cy="4263851"/>
@@ -5693,7 +5786,7 @@
         </p:blipFill>
         <p:spPr>
           <a:xfrm>
-            <a:off x="214086" y="3805217"/>
+            <a:off x="214086" y="3900608"/>
             <a:ext cx="4271987" cy="3203990"/>
           </a:xfrm>
           <a:prstGeom prst="rect">
@@ -5715,7 +5808,7 @@
         </p:nvGrpSpPr>
         <p:grpSpPr>
           <a:xfrm>
-            <a:off x="4620958" y="3692282"/>
+            <a:off x="4620958" y="3787673"/>
             <a:ext cx="2248609" cy="3335500"/>
             <a:chOff x="6799246" y="4353459"/>
             <a:chExt cx="2887835" cy="4283703"/>
@@ -5973,7 +6066,7 @@
         </p:nvSpPr>
         <p:spPr>
           <a:xfrm>
-            <a:off x="3842406" y="2296408"/>
+            <a:off x="3842406" y="2391799"/>
             <a:ext cx="643667" cy="276999"/>
           </a:xfrm>
           <a:prstGeom prst="rect">
@@ -6012,7 +6105,7 @@
         </p:nvSpPr>
         <p:spPr>
           <a:xfrm>
-            <a:off x="3842406" y="5579358"/>
+            <a:off x="3842406" y="5674749"/>
             <a:ext cx="643667" cy="276999"/>
           </a:xfrm>
           <a:prstGeom prst="rect">
@@ -6157,7 +6250,7 @@
         </p:blipFill>
         <p:spPr>
           <a:xfrm>
-            <a:off x="6912000" y="3797886"/>
+            <a:off x="6912000" y="3893277"/>
             <a:ext cx="3845900" cy="3203990"/>
           </a:xfrm>
           <a:prstGeom prst="rect">
@@ -6193,7 +6286,7 @@
         </p:blipFill>
         <p:spPr>
           <a:xfrm>
-            <a:off x="6912000" y="284044"/>
+            <a:off x="6912000" y="379435"/>
             <a:ext cx="3850051" cy="3207448"/>
           </a:xfrm>
           <a:prstGeom prst="rect">
@@ -6332,7 +6425,7 @@
         </p:nvSpPr>
         <p:spPr>
           <a:xfrm>
-            <a:off x="0" y="3455618"/>
+            <a:off x="0" y="3551009"/>
             <a:ext cx="395220" cy="369332"/>
           </a:xfrm>
           <a:prstGeom prst="rect">
@@ -6371,7 +6464,7 @@
         </p:nvSpPr>
         <p:spPr>
           <a:xfrm>
-            <a:off x="4225738" y="3455618"/>
+            <a:off x="4225738" y="3551009"/>
             <a:ext cx="395220" cy="369332"/>
           </a:xfrm>
           <a:prstGeom prst="rect">
@@ -6410,7 +6503,7 @@
         </p:nvSpPr>
         <p:spPr>
           <a:xfrm>
-            <a:off x="7036813" y="3455618"/>
+            <a:off x="7036813" y="3551009"/>
             <a:ext cx="395220" cy="369332"/>
           </a:xfrm>
           <a:prstGeom prst="rect">
@@ -6439,6 +6532,260 @@
     <p:extLst>
       <p:ext uri="{BB962C8B-B14F-4D97-AF65-F5344CB8AC3E}">
         <p14:creationId xmlns:p14="http://schemas.microsoft.com/office/powerpoint/2010/main" val="1020430881"/>
+      </p:ext>
+    </p:extLst>
+  </p:cSld>
+  <p:clrMapOvr>
+    <a:masterClrMapping/>
+  </p:clrMapOvr>
+</p:sld>
+</file>
+
+<file path=ppt/slides/slide3.xml><?xml version="1.0" encoding="utf-8"?>
+<p:sld xmlns:a="http://schemas.openxmlformats.org/drawingml/2006/main" xmlns:r="http://schemas.openxmlformats.org/officeDocument/2006/relationships" xmlns:p="http://schemas.openxmlformats.org/presentationml/2006/main">
+  <p:cSld>
+    <p:spTree>
+      <p:nvGrpSpPr>
+        <p:cNvPr id="1" name=""/>
+        <p:cNvGrpSpPr/>
+        <p:nvPr/>
+      </p:nvGrpSpPr>
+      <p:grpSpPr>
+        <a:xfrm>
+          <a:off x="0" y="0"/>
+          <a:ext cx="0" cy="0"/>
+          <a:chOff x="0" y="0"/>
+          <a:chExt cx="0" cy="0"/>
+        </a:xfrm>
+      </p:grpSpPr>
+      <p:sp>
+        <p:nvSpPr>
+          <p:cNvPr id="28" name="矩形 27">
+            <a:extLst>
+              <a:ext uri="{FF2B5EF4-FFF2-40B4-BE49-F238E27FC236}">
+                <a16:creationId xmlns:a16="http://schemas.microsoft.com/office/drawing/2014/main" id="{E0BAAC90-3FE7-7DA2-2A76-50B65A931721}"/>
+              </a:ext>
+            </a:extLst>
+          </p:cNvPr>
+          <p:cNvSpPr/>
+          <p:nvPr/>
+        </p:nvSpPr>
+        <p:spPr>
+          <a:xfrm>
+            <a:off x="-7686631" y="-6414319"/>
+            <a:ext cx="346893" cy="276999"/>
+          </a:xfrm>
+          <a:prstGeom prst="rect">
+            <a:avLst/>
+          </a:prstGeom>
+        </p:spPr>
+        <p:style>
+          <a:lnRef idx="2">
+            <a:schemeClr val="accent1">
+              <a:shade val="15000"/>
+            </a:schemeClr>
+          </a:lnRef>
+          <a:fillRef idx="1">
+            <a:schemeClr val="accent1"/>
+          </a:fillRef>
+          <a:effectRef idx="0">
+            <a:schemeClr val="accent1"/>
+          </a:effectRef>
+          <a:fontRef idx="minor">
+            <a:schemeClr val="lt1"/>
+          </a:fontRef>
+        </p:style>
+        <p:txBody>
+          <a:bodyPr rtlCol="0" anchor="ctr"/>
+          <a:lstStyle/>
+          <a:p>
+            <a:pPr algn="ctr"/>
+            <a:endParaRPr lang="zh-CN" altLang="en-US"/>
+          </a:p>
+        </p:txBody>
+      </p:sp>
+      <p:sp>
+        <p:nvSpPr>
+          <p:cNvPr id="29" name="矩形 28">
+            <a:extLst>
+              <a:ext uri="{FF2B5EF4-FFF2-40B4-BE49-F238E27FC236}">
+                <a16:creationId xmlns:a16="http://schemas.microsoft.com/office/drawing/2014/main" id="{578719B8-BFAE-A0B7-1DD4-2A35FD6E4494}"/>
+              </a:ext>
+            </a:extLst>
+          </p:cNvPr>
+          <p:cNvSpPr/>
+          <p:nvPr/>
+        </p:nvSpPr>
+        <p:spPr>
+          <a:xfrm>
+            <a:off x="23288669" y="14921681"/>
+            <a:ext cx="346893" cy="276999"/>
+          </a:xfrm>
+          <a:prstGeom prst="rect">
+            <a:avLst/>
+          </a:prstGeom>
+        </p:spPr>
+        <p:style>
+          <a:lnRef idx="2">
+            <a:schemeClr val="accent1">
+              <a:shade val="15000"/>
+            </a:schemeClr>
+          </a:lnRef>
+          <a:fillRef idx="1">
+            <a:schemeClr val="accent1"/>
+          </a:fillRef>
+          <a:effectRef idx="0">
+            <a:schemeClr val="accent1"/>
+          </a:effectRef>
+          <a:fontRef idx="minor">
+            <a:schemeClr val="lt1"/>
+          </a:fontRef>
+        </p:style>
+        <p:txBody>
+          <a:bodyPr rtlCol="0" anchor="ctr"/>
+          <a:lstStyle/>
+          <a:p>
+            <a:pPr algn="ctr"/>
+            <a:endParaRPr lang="zh-CN" altLang="en-US"/>
+          </a:p>
+        </p:txBody>
+      </p:sp>
+      <p:grpSp>
+        <p:nvGrpSpPr>
+          <p:cNvPr id="16" name="组合 15">
+            <a:extLst>
+              <a:ext uri="{FF2B5EF4-FFF2-40B4-BE49-F238E27FC236}">
+                <a16:creationId xmlns:a16="http://schemas.microsoft.com/office/drawing/2014/main" id="{0CE496E0-4FC3-5530-FE4E-53A196D09DEE}"/>
+              </a:ext>
+            </a:extLst>
+          </p:cNvPr>
+          <p:cNvGrpSpPr/>
+          <p:nvPr/>
+        </p:nvGrpSpPr>
+        <p:grpSpPr>
+          <a:xfrm>
+            <a:off x="116680" y="3241232"/>
+            <a:ext cx="10566401" cy="2606920"/>
+            <a:chOff x="-1" y="3148211"/>
+            <a:chExt cx="10943434" cy="2699941"/>
+          </a:xfrm>
+        </p:grpSpPr>
+        <p:pic>
+          <p:nvPicPr>
+            <p:cNvPr id="6" name="图片 5" descr="图表, 散点图&#10;&#10;描述已自动生成">
+              <a:extLst>
+                <a:ext uri="{FF2B5EF4-FFF2-40B4-BE49-F238E27FC236}">
+                  <a16:creationId xmlns:a16="http://schemas.microsoft.com/office/drawing/2014/main" id="{A391CB86-24B0-476F-C80F-AE8339CE9ADE}"/>
+                </a:ext>
+              </a:extLst>
+            </p:cNvPr>
+            <p:cNvPicPr>
+              <a:picLocks noChangeAspect="1"/>
+            </p:cNvPicPr>
+            <p:nvPr/>
+          </p:nvPicPr>
+          <p:blipFill>
+            <a:blip r:embed="rId2">
+              <a:extLst>
+                <a:ext uri="{28A0092B-C50C-407E-A947-70E740481C1C}">
+                  <a14:useLocalDpi xmlns:a14="http://schemas.microsoft.com/office/drawing/2010/main" val="0"/>
+                </a:ext>
+              </a:extLst>
+            </a:blip>
+            <a:stretch>
+              <a:fillRect/>
+            </a:stretch>
+          </p:blipFill>
+          <p:spPr>
+            <a:xfrm>
+              <a:off x="-1" y="3148211"/>
+              <a:ext cx="10799763" cy="2699941"/>
+            </a:xfrm>
+            <a:prstGeom prst="rect">
+              <a:avLst/>
+            </a:prstGeom>
+          </p:spPr>
+        </p:pic>
+        <p:pic>
+          <p:nvPicPr>
+            <p:cNvPr id="10" name="图片 9" descr="图片包含 应用程序&#10;&#10;描述已自动生成">
+              <a:extLst>
+                <a:ext uri="{FF2B5EF4-FFF2-40B4-BE49-F238E27FC236}">
+                  <a16:creationId xmlns:a16="http://schemas.microsoft.com/office/drawing/2014/main" id="{5771DC08-5BFE-785D-9E79-653EC29A22F5}"/>
+                </a:ext>
+              </a:extLst>
+            </p:cNvPr>
+            <p:cNvPicPr>
+              <a:picLocks noChangeAspect="1"/>
+            </p:cNvPicPr>
+            <p:nvPr/>
+          </p:nvPicPr>
+          <p:blipFill>
+            <a:blip r:embed="rId3">
+              <a:extLst>
+                <a:ext uri="{28A0092B-C50C-407E-A947-70E740481C1C}">
+                  <a14:useLocalDpi xmlns:a14="http://schemas.microsoft.com/office/drawing/2010/main" val="0"/>
+                </a:ext>
+              </a:extLst>
+            </a:blip>
+            <a:stretch>
+              <a:fillRect/>
+            </a:stretch>
+          </p:blipFill>
+          <p:spPr>
+            <a:xfrm>
+              <a:off x="9114629" y="4786470"/>
+              <a:ext cx="1828804" cy="914402"/>
+            </a:xfrm>
+            <a:prstGeom prst="rect">
+              <a:avLst/>
+            </a:prstGeom>
+          </p:spPr>
+        </p:pic>
+        <p:sp>
+          <p:nvSpPr>
+            <p:cNvPr id="15" name="文本框 14">
+              <a:extLst>
+                <a:ext uri="{FF2B5EF4-FFF2-40B4-BE49-F238E27FC236}">
+                  <a16:creationId xmlns:a16="http://schemas.microsoft.com/office/drawing/2014/main" id="{30DF5983-A506-72A1-7E2E-99AA1052BD6F}"/>
+                </a:ext>
+              </a:extLst>
+            </p:cNvPr>
+            <p:cNvSpPr txBox="1"/>
+            <p:nvPr/>
+          </p:nvSpPr>
+          <p:spPr>
+            <a:xfrm>
+              <a:off x="6103838" y="5330110"/>
+              <a:ext cx="4711543" cy="239069"/>
+            </a:xfrm>
+            <a:prstGeom prst="rect">
+              <a:avLst/>
+            </a:prstGeom>
+            <a:noFill/>
+          </p:spPr>
+          <p:txBody>
+            <a:bodyPr wrap="square" rtlCol="0">
+              <a:spAutoFit/>
+            </a:bodyPr>
+            <a:lstStyle/>
+            <a:p>
+              <a:pPr algn="ctr"/>
+              <a:r>
+                <a:rPr lang="en-US" altLang="zh-CN" sz="900" dirty="0">
+                  <a:latin typeface="Arial" panose="020B0604020202020204" pitchFamily="34" charset="0"/>
+                  <a:cs typeface="Arial" panose="020B0604020202020204" pitchFamily="34" charset="0"/>
+                </a:rPr>
+                <a:t>Consistency between the predicted value of virtual screening by Mine and GDSC tests</a:t>
+              </a:r>
+            </a:p>
+          </p:txBody>
+        </p:sp>
+      </p:grpSp>
+    </p:spTree>
+    <p:extLst>
+      <p:ext uri="{BB962C8B-B14F-4D97-AF65-F5344CB8AC3E}">
+        <p14:creationId xmlns:p14="http://schemas.microsoft.com/office/powerpoint/2010/main" val="2292356541"/>
       </p:ext>
     </p:extLst>
   </p:cSld>

--- a/docs/figure.pptx
+++ b/docs/figure.pptx
@@ -199,7 +199,7 @@
           <a:p>
             <a:fld id="{ED3D9DC7-2146-4022-8C3D-055011F23F12}" type="datetimeFigureOut">
               <a:rPr lang="zh-CN" altLang="en-US" smtClean="0"/>
-              <a:t>2024-10-21</a:t>
+              <a:t>2024/10/21</a:t>
             </a:fld>
             <a:endParaRPr lang="zh-CN" altLang="en-US"/>
           </a:p>
@@ -681,7 +681,7 @@
           <a:p>
             <a:fld id="{5E8929CF-35E4-49DC-A48F-DF7B6959BFA4}" type="datetimeFigureOut">
               <a:rPr lang="zh-CN" altLang="en-US" smtClean="0"/>
-              <a:t>2024-10-21</a:t>
+              <a:t>2024/10/21</a:t>
             </a:fld>
             <a:endParaRPr lang="zh-CN" altLang="en-US"/>
           </a:p>
@@ -851,7 +851,7 @@
           <a:p>
             <a:fld id="{5E8929CF-35E4-49DC-A48F-DF7B6959BFA4}" type="datetimeFigureOut">
               <a:rPr lang="zh-CN" altLang="en-US" smtClean="0"/>
-              <a:t>2024-10-21</a:t>
+              <a:t>2024/10/21</a:t>
             </a:fld>
             <a:endParaRPr lang="zh-CN" altLang="en-US"/>
           </a:p>
@@ -1031,7 +1031,7 @@
           <a:p>
             <a:fld id="{5E8929CF-35E4-49DC-A48F-DF7B6959BFA4}" type="datetimeFigureOut">
               <a:rPr lang="zh-CN" altLang="en-US" smtClean="0"/>
-              <a:t>2024-10-21</a:t>
+              <a:t>2024/10/21</a:t>
             </a:fld>
             <a:endParaRPr lang="zh-CN" altLang="en-US"/>
           </a:p>
@@ -1201,7 +1201,7 @@
           <a:p>
             <a:fld id="{5E8929CF-35E4-49DC-A48F-DF7B6959BFA4}" type="datetimeFigureOut">
               <a:rPr lang="zh-CN" altLang="en-US" smtClean="0"/>
-              <a:t>2024-10-21</a:t>
+              <a:t>2024/10/21</a:t>
             </a:fld>
             <a:endParaRPr lang="zh-CN" altLang="en-US"/>
           </a:p>
@@ -1447,7 +1447,7 @@
           <a:p>
             <a:fld id="{5E8929CF-35E4-49DC-A48F-DF7B6959BFA4}" type="datetimeFigureOut">
               <a:rPr lang="zh-CN" altLang="en-US" smtClean="0"/>
-              <a:t>2024-10-21</a:t>
+              <a:t>2024/10/21</a:t>
             </a:fld>
             <a:endParaRPr lang="zh-CN" altLang="en-US"/>
           </a:p>
@@ -1679,7 +1679,7 @@
           <a:p>
             <a:fld id="{5E8929CF-35E4-49DC-A48F-DF7B6959BFA4}" type="datetimeFigureOut">
               <a:rPr lang="zh-CN" altLang="en-US" smtClean="0"/>
-              <a:t>2024-10-21</a:t>
+              <a:t>2024/10/21</a:t>
             </a:fld>
             <a:endParaRPr lang="zh-CN" altLang="en-US"/>
           </a:p>
@@ -2046,7 +2046,7 @@
           <a:p>
             <a:fld id="{5E8929CF-35E4-49DC-A48F-DF7B6959BFA4}" type="datetimeFigureOut">
               <a:rPr lang="zh-CN" altLang="en-US" smtClean="0"/>
-              <a:t>2024-10-21</a:t>
+              <a:t>2024/10/21</a:t>
             </a:fld>
             <a:endParaRPr lang="zh-CN" altLang="en-US"/>
           </a:p>
@@ -2164,7 +2164,7 @@
           <a:p>
             <a:fld id="{5E8929CF-35E4-49DC-A48F-DF7B6959BFA4}" type="datetimeFigureOut">
               <a:rPr lang="zh-CN" altLang="en-US" smtClean="0"/>
-              <a:t>2024-10-21</a:t>
+              <a:t>2024/10/21</a:t>
             </a:fld>
             <a:endParaRPr lang="zh-CN" altLang="en-US"/>
           </a:p>
@@ -2259,7 +2259,7 @@
           <a:p>
             <a:fld id="{5E8929CF-35E4-49DC-A48F-DF7B6959BFA4}" type="datetimeFigureOut">
               <a:rPr lang="zh-CN" altLang="en-US" smtClean="0"/>
-              <a:t>2024-10-21</a:t>
+              <a:t>2024/10/21</a:t>
             </a:fld>
             <a:endParaRPr lang="zh-CN" altLang="en-US"/>
           </a:p>
@@ -2536,7 +2536,7 @@
           <a:p>
             <a:fld id="{5E8929CF-35E4-49DC-A48F-DF7B6959BFA4}" type="datetimeFigureOut">
               <a:rPr lang="zh-CN" altLang="en-US" smtClean="0"/>
-              <a:t>2024-10-21</a:t>
+              <a:t>2024/10/21</a:t>
             </a:fld>
             <a:endParaRPr lang="zh-CN" altLang="en-US"/>
           </a:p>
@@ -2793,7 +2793,7 @@
           <a:p>
             <a:fld id="{5E8929CF-35E4-49DC-A48F-DF7B6959BFA4}" type="datetimeFigureOut">
               <a:rPr lang="zh-CN" altLang="en-US" smtClean="0"/>
-              <a:t>2024-10-21</a:t>
+              <a:t>2024/10/21</a:t>
             </a:fld>
             <a:endParaRPr lang="zh-CN" altLang="en-US"/>
           </a:p>
@@ -3006,7 +3006,7 @@
           <a:p>
             <a:fld id="{5E8929CF-35E4-49DC-A48F-DF7B6959BFA4}" type="datetimeFigureOut">
               <a:rPr lang="zh-CN" altLang="en-US" smtClean="0"/>
-              <a:t>2024-10-21</a:t>
+              <a:t>2024/10/21</a:t>
             </a:fld>
             <a:endParaRPr lang="zh-CN" altLang="en-US"/>
           </a:p>
@@ -6066,7 +6066,7 @@
         </p:nvSpPr>
         <p:spPr>
           <a:xfrm>
-            <a:off x="3842406" y="2391799"/>
+            <a:off x="3842406" y="2573706"/>
             <a:ext cx="643667" cy="276999"/>
           </a:xfrm>
           <a:prstGeom prst="rect">
@@ -6105,7 +6105,7 @@
         </p:nvSpPr>
         <p:spPr>
           <a:xfrm>
-            <a:off x="3842406" y="5674749"/>
+            <a:off x="3842406" y="6128273"/>
             <a:ext cx="643667" cy="276999"/>
           </a:xfrm>
           <a:prstGeom prst="rect">
@@ -6528,6 +6528,78 @@
           </a:p>
         </p:txBody>
       </p:sp>
+      <p:pic>
+        <p:nvPicPr>
+          <p:cNvPr id="10" name="图片 9" descr="徽标&#10;&#10;描述已自动生成">
+            <a:extLst>
+              <a:ext uri="{FF2B5EF4-FFF2-40B4-BE49-F238E27FC236}">
+                <a16:creationId xmlns:a16="http://schemas.microsoft.com/office/drawing/2014/main" id="{DD93B5C9-C5A2-B217-76ED-DEA8BFE15CDC}"/>
+              </a:ext>
+            </a:extLst>
+          </p:cNvPr>
+          <p:cNvPicPr>
+            <a:picLocks noChangeAspect="1"/>
+          </p:cNvPicPr>
+          <p:nvPr/>
+        </p:nvPicPr>
+        <p:blipFill>
+          <a:blip r:embed="rId8">
+            <a:extLst>
+              <a:ext uri="{28A0092B-C50C-407E-A947-70E740481C1C}">
+                <a14:useLocalDpi xmlns:a14="http://schemas.microsoft.com/office/drawing/2010/main" val="0"/>
+              </a:ext>
+            </a:extLst>
+          </a:blip>
+          <a:stretch>
+            <a:fillRect/>
+          </a:stretch>
+        </p:blipFill>
+        <p:spPr>
+          <a:xfrm>
+            <a:off x="2771737" y="6108540"/>
+            <a:ext cx="1828804" cy="914402"/>
+          </a:xfrm>
+          <a:prstGeom prst="rect">
+            <a:avLst/>
+          </a:prstGeom>
+        </p:spPr>
+      </p:pic>
+      <p:pic>
+        <p:nvPicPr>
+          <p:cNvPr id="15" name="图片 14" descr="徽标&#10;&#10;描述已自动生成">
+            <a:extLst>
+              <a:ext uri="{FF2B5EF4-FFF2-40B4-BE49-F238E27FC236}">
+                <a16:creationId xmlns:a16="http://schemas.microsoft.com/office/drawing/2014/main" id="{FB856CAE-E4D5-525B-3848-4530A70592A1}"/>
+              </a:ext>
+            </a:extLst>
+          </p:cNvPr>
+          <p:cNvPicPr>
+            <a:picLocks noChangeAspect="1"/>
+          </p:cNvPicPr>
+          <p:nvPr/>
+        </p:nvPicPr>
+        <p:blipFill>
+          <a:blip r:embed="rId8">
+            <a:extLst>
+              <a:ext uri="{28A0092B-C50C-407E-A947-70E740481C1C}">
+                <a14:useLocalDpi xmlns:a14="http://schemas.microsoft.com/office/drawing/2010/main" val="0"/>
+              </a:ext>
+            </a:extLst>
+          </a:blip>
+          <a:stretch>
+            <a:fillRect/>
+          </a:stretch>
+        </p:blipFill>
+        <p:spPr>
+          <a:xfrm>
+            <a:off x="2771737" y="2561196"/>
+            <a:ext cx="1828804" cy="914402"/>
+          </a:xfrm>
+          <a:prstGeom prst="rect">
+            <a:avLst/>
+          </a:prstGeom>
+        </p:spPr>
+      </p:pic>
     </p:spTree>
     <p:extLst>
       <p:ext uri="{BB962C8B-B14F-4D97-AF65-F5344CB8AC3E}">
@@ -6664,7 +6736,7 @@
         </p:nvGrpSpPr>
         <p:grpSpPr>
           <a:xfrm>
-            <a:off x="116680" y="3241232"/>
+            <a:off x="116680" y="3609532"/>
             <a:ext cx="10566401" cy="2606920"/>
             <a:chOff x="-1" y="3148211"/>
             <a:chExt cx="10943434" cy="2699941"/>
@@ -6734,7 +6806,7 @@
           </p:blipFill>
           <p:spPr>
             <a:xfrm>
-              <a:off x="9114629" y="4786470"/>
+              <a:off x="9114629" y="4712484"/>
               <a:ext cx="1828804" cy="914402"/>
             </a:xfrm>
             <a:prstGeom prst="rect">
@@ -6756,7 +6828,7 @@
           </p:nvSpPr>
           <p:spPr>
             <a:xfrm>
-              <a:off x="6103838" y="5330110"/>
+              <a:off x="6103838" y="5295583"/>
               <a:ext cx="4711543" cy="239069"/>
             </a:xfrm>
             <a:prstGeom prst="rect">
@@ -6782,6 +6854,167 @@
           </p:txBody>
         </p:sp>
       </p:grpSp>
+      <p:pic>
+        <p:nvPicPr>
+          <p:cNvPr id="3" name="图片 2" descr="电子设备的屏幕上写着字&#10;&#10;中度可信度描述已自动生成">
+            <a:extLst>
+              <a:ext uri="{FF2B5EF4-FFF2-40B4-BE49-F238E27FC236}">
+                <a16:creationId xmlns:a16="http://schemas.microsoft.com/office/drawing/2014/main" id="{5ADD1F44-5597-C94A-4BC1-A592AA9902E3}"/>
+              </a:ext>
+            </a:extLst>
+          </p:cNvPr>
+          <p:cNvPicPr>
+            <a:picLocks noChangeAspect="1"/>
+          </p:cNvPicPr>
+          <p:nvPr/>
+        </p:nvPicPr>
+        <p:blipFill>
+          <a:blip r:embed="rId4">
+            <a:extLst>
+              <a:ext uri="{28A0092B-C50C-407E-A947-70E740481C1C}">
+                <a14:useLocalDpi xmlns:a14="http://schemas.microsoft.com/office/drawing/2010/main" val="0"/>
+              </a:ext>
+            </a:extLst>
+          </a:blip>
+          <a:stretch>
+            <a:fillRect/>
+          </a:stretch>
+        </p:blipFill>
+        <p:spPr>
+          <a:xfrm>
+            <a:off x="654107" y="73908"/>
+            <a:ext cx="6907242" cy="3453621"/>
+          </a:xfrm>
+          <a:prstGeom prst="rect">
+            <a:avLst/>
+          </a:prstGeom>
+        </p:spPr>
+      </p:pic>
+      <p:cxnSp>
+        <p:nvCxnSpPr>
+          <p:cNvPr id="4" name="直接连接符 3">
+            <a:extLst>
+              <a:ext uri="{FF2B5EF4-FFF2-40B4-BE49-F238E27FC236}">
+                <a16:creationId xmlns:a16="http://schemas.microsoft.com/office/drawing/2014/main" id="{56DF3617-6452-9F82-56DF-24D79CC6CF42}"/>
+              </a:ext>
+            </a:extLst>
+          </p:cNvPr>
+          <p:cNvCxnSpPr>
+            <a:cxnSpLocks/>
+          </p:cNvCxnSpPr>
+          <p:nvPr/>
+        </p:nvCxnSpPr>
+        <p:spPr>
+          <a:xfrm>
+            <a:off x="486460" y="351217"/>
+            <a:ext cx="0" cy="3134712"/>
+          </a:xfrm>
+          <a:prstGeom prst="line">
+            <a:avLst/>
+          </a:prstGeom>
+          <a:ln w="12700">
+            <a:solidFill>
+              <a:schemeClr val="tx2">
+                <a:lumMod val="90000"/>
+                <a:lumOff val="10000"/>
+              </a:schemeClr>
+            </a:solidFill>
+            <a:prstDash val="solid"/>
+          </a:ln>
+        </p:spPr>
+        <p:style>
+          <a:lnRef idx="2">
+            <a:schemeClr val="dk1"/>
+          </a:lnRef>
+          <a:fillRef idx="0">
+            <a:schemeClr val="dk1"/>
+          </a:fillRef>
+          <a:effectRef idx="1">
+            <a:schemeClr val="dk1"/>
+          </a:effectRef>
+          <a:fontRef idx="minor">
+            <a:schemeClr val="tx1"/>
+          </a:fontRef>
+        </p:style>
+      </p:cxnSp>
+      <p:sp>
+        <p:nvSpPr>
+          <p:cNvPr id="8" name="文本框 7">
+            <a:extLst>
+              <a:ext uri="{FF2B5EF4-FFF2-40B4-BE49-F238E27FC236}">
+                <a16:creationId xmlns:a16="http://schemas.microsoft.com/office/drawing/2014/main" id="{54613717-AC08-3B95-AEF7-69B2CFE2B97F}"/>
+              </a:ext>
+            </a:extLst>
+          </p:cNvPr>
+          <p:cNvSpPr txBox="1"/>
+          <p:nvPr/>
+        </p:nvSpPr>
+        <p:spPr>
+          <a:xfrm>
+            <a:off x="0" y="16175"/>
+            <a:ext cx="395220" cy="369332"/>
+          </a:xfrm>
+          <a:prstGeom prst="rect">
+            <a:avLst/>
+          </a:prstGeom>
+          <a:noFill/>
+        </p:spPr>
+        <p:txBody>
+          <a:bodyPr wrap="square" rtlCol="0">
+            <a:spAutoFit/>
+          </a:bodyPr>
+          <a:lstStyle/>
+          <a:p>
+            <a:pPr algn="ctr"/>
+            <a:r>
+              <a:rPr lang="en-US" altLang="zh-CN" dirty="0">
+                <a:latin typeface="Arial" panose="020B0604020202020204" pitchFamily="34" charset="0"/>
+                <a:cs typeface="Arial" panose="020B0604020202020204" pitchFamily="34" charset="0"/>
+              </a:rPr>
+              <a:t>A</a:t>
+            </a:r>
+          </a:p>
+        </p:txBody>
+      </p:sp>
+      <p:sp>
+        <p:nvSpPr>
+          <p:cNvPr id="9" name="文本框 8">
+            <a:extLst>
+              <a:ext uri="{FF2B5EF4-FFF2-40B4-BE49-F238E27FC236}">
+                <a16:creationId xmlns:a16="http://schemas.microsoft.com/office/drawing/2014/main" id="{7E4C2453-91F9-EC47-5B12-0BB4FD322E75}"/>
+              </a:ext>
+            </a:extLst>
+          </p:cNvPr>
+          <p:cNvSpPr txBox="1"/>
+          <p:nvPr/>
+        </p:nvSpPr>
+        <p:spPr>
+          <a:xfrm>
+            <a:off x="0" y="3368075"/>
+            <a:ext cx="395220" cy="369332"/>
+          </a:xfrm>
+          <a:prstGeom prst="rect">
+            <a:avLst/>
+          </a:prstGeom>
+          <a:noFill/>
+        </p:spPr>
+        <p:txBody>
+          <a:bodyPr wrap="square" rtlCol="0">
+            <a:spAutoFit/>
+          </a:bodyPr>
+          <a:lstStyle/>
+          <a:p>
+            <a:pPr algn="ctr"/>
+            <a:r>
+              <a:rPr lang="en-US" altLang="zh-CN" dirty="0">
+                <a:latin typeface="Arial" panose="020B0604020202020204" pitchFamily="34" charset="0"/>
+                <a:cs typeface="Arial" panose="020B0604020202020204" pitchFamily="34" charset="0"/>
+              </a:rPr>
+              <a:t>B</a:t>
+            </a:r>
+          </a:p>
+        </p:txBody>
+      </p:sp>
     </p:spTree>
     <p:extLst>
       <p:ext uri="{BB962C8B-B14F-4D97-AF65-F5344CB8AC3E}">

--- a/docs/figure.pptx
+++ b/docs/figure.pptx
@@ -199,7 +199,7 @@
           <a:p>
             <a:fld id="{ED3D9DC7-2146-4022-8C3D-055011F23F12}" type="datetimeFigureOut">
               <a:rPr lang="zh-CN" altLang="en-US" smtClean="0"/>
-              <a:t>2024/10/21</a:t>
+              <a:t>2024-10-21</a:t>
             </a:fld>
             <a:endParaRPr lang="zh-CN" altLang="en-US"/>
           </a:p>
@@ -681,7 +681,7 @@
           <a:p>
             <a:fld id="{5E8929CF-35E4-49DC-A48F-DF7B6959BFA4}" type="datetimeFigureOut">
               <a:rPr lang="zh-CN" altLang="en-US" smtClean="0"/>
-              <a:t>2024/10/21</a:t>
+              <a:t>2024-10-21</a:t>
             </a:fld>
             <a:endParaRPr lang="zh-CN" altLang="en-US"/>
           </a:p>
@@ -851,7 +851,7 @@
           <a:p>
             <a:fld id="{5E8929CF-35E4-49DC-A48F-DF7B6959BFA4}" type="datetimeFigureOut">
               <a:rPr lang="zh-CN" altLang="en-US" smtClean="0"/>
-              <a:t>2024/10/21</a:t>
+              <a:t>2024-10-21</a:t>
             </a:fld>
             <a:endParaRPr lang="zh-CN" altLang="en-US"/>
           </a:p>
@@ -1031,7 +1031,7 @@
           <a:p>
             <a:fld id="{5E8929CF-35E4-49DC-A48F-DF7B6959BFA4}" type="datetimeFigureOut">
               <a:rPr lang="zh-CN" altLang="en-US" smtClean="0"/>
-              <a:t>2024/10/21</a:t>
+              <a:t>2024-10-21</a:t>
             </a:fld>
             <a:endParaRPr lang="zh-CN" altLang="en-US"/>
           </a:p>
@@ -1201,7 +1201,7 @@
           <a:p>
             <a:fld id="{5E8929CF-35E4-49DC-A48F-DF7B6959BFA4}" type="datetimeFigureOut">
               <a:rPr lang="zh-CN" altLang="en-US" smtClean="0"/>
-              <a:t>2024/10/21</a:t>
+              <a:t>2024-10-21</a:t>
             </a:fld>
             <a:endParaRPr lang="zh-CN" altLang="en-US"/>
           </a:p>
@@ -1447,7 +1447,7 @@
           <a:p>
             <a:fld id="{5E8929CF-35E4-49DC-A48F-DF7B6959BFA4}" type="datetimeFigureOut">
               <a:rPr lang="zh-CN" altLang="en-US" smtClean="0"/>
-              <a:t>2024/10/21</a:t>
+              <a:t>2024-10-21</a:t>
             </a:fld>
             <a:endParaRPr lang="zh-CN" altLang="en-US"/>
           </a:p>
@@ -1679,7 +1679,7 @@
           <a:p>
             <a:fld id="{5E8929CF-35E4-49DC-A48F-DF7B6959BFA4}" type="datetimeFigureOut">
               <a:rPr lang="zh-CN" altLang="en-US" smtClean="0"/>
-              <a:t>2024/10/21</a:t>
+              <a:t>2024-10-21</a:t>
             </a:fld>
             <a:endParaRPr lang="zh-CN" altLang="en-US"/>
           </a:p>
@@ -2046,7 +2046,7 @@
           <a:p>
             <a:fld id="{5E8929CF-35E4-49DC-A48F-DF7B6959BFA4}" type="datetimeFigureOut">
               <a:rPr lang="zh-CN" altLang="en-US" smtClean="0"/>
-              <a:t>2024/10/21</a:t>
+              <a:t>2024-10-21</a:t>
             </a:fld>
             <a:endParaRPr lang="zh-CN" altLang="en-US"/>
           </a:p>
@@ -2164,7 +2164,7 @@
           <a:p>
             <a:fld id="{5E8929CF-35E4-49DC-A48F-DF7B6959BFA4}" type="datetimeFigureOut">
               <a:rPr lang="zh-CN" altLang="en-US" smtClean="0"/>
-              <a:t>2024/10/21</a:t>
+              <a:t>2024-10-21</a:t>
             </a:fld>
             <a:endParaRPr lang="zh-CN" altLang="en-US"/>
           </a:p>
@@ -2259,7 +2259,7 @@
           <a:p>
             <a:fld id="{5E8929CF-35E4-49DC-A48F-DF7B6959BFA4}" type="datetimeFigureOut">
               <a:rPr lang="zh-CN" altLang="en-US" smtClean="0"/>
-              <a:t>2024/10/21</a:t>
+              <a:t>2024-10-21</a:t>
             </a:fld>
             <a:endParaRPr lang="zh-CN" altLang="en-US"/>
           </a:p>
@@ -2536,7 +2536,7 @@
           <a:p>
             <a:fld id="{5E8929CF-35E4-49DC-A48F-DF7B6959BFA4}" type="datetimeFigureOut">
               <a:rPr lang="zh-CN" altLang="en-US" smtClean="0"/>
-              <a:t>2024/10/21</a:t>
+              <a:t>2024-10-21</a:t>
             </a:fld>
             <a:endParaRPr lang="zh-CN" altLang="en-US"/>
           </a:p>
@@ -2793,7 +2793,7 @@
           <a:p>
             <a:fld id="{5E8929CF-35E4-49DC-A48F-DF7B6959BFA4}" type="datetimeFigureOut">
               <a:rPr lang="zh-CN" altLang="en-US" smtClean="0"/>
-              <a:t>2024/10/21</a:t>
+              <a:t>2024-10-21</a:t>
             </a:fld>
             <a:endParaRPr lang="zh-CN" altLang="en-US"/>
           </a:p>
@@ -3006,7 +3006,7 @@
           <a:p>
             <a:fld id="{5E8929CF-35E4-49DC-A48F-DF7B6959BFA4}" type="datetimeFigureOut">
               <a:rPr lang="zh-CN" altLang="en-US" smtClean="0"/>
-              <a:t>2024/10/21</a:t>
+              <a:t>2024-10-21</a:t>
             </a:fld>
             <a:endParaRPr lang="zh-CN" altLang="en-US"/>
           </a:p>
@@ -6854,42 +6854,6 @@
           </p:txBody>
         </p:sp>
       </p:grpSp>
-      <p:pic>
-        <p:nvPicPr>
-          <p:cNvPr id="3" name="图片 2" descr="电子设备的屏幕上写着字&#10;&#10;中度可信度描述已自动生成">
-            <a:extLst>
-              <a:ext uri="{FF2B5EF4-FFF2-40B4-BE49-F238E27FC236}">
-                <a16:creationId xmlns:a16="http://schemas.microsoft.com/office/drawing/2014/main" id="{5ADD1F44-5597-C94A-4BC1-A592AA9902E3}"/>
-              </a:ext>
-            </a:extLst>
-          </p:cNvPr>
-          <p:cNvPicPr>
-            <a:picLocks noChangeAspect="1"/>
-          </p:cNvPicPr>
-          <p:nvPr/>
-        </p:nvPicPr>
-        <p:blipFill>
-          <a:blip r:embed="rId4">
-            <a:extLst>
-              <a:ext uri="{28A0092B-C50C-407E-A947-70E740481C1C}">
-                <a14:useLocalDpi xmlns:a14="http://schemas.microsoft.com/office/drawing/2010/main" val="0"/>
-              </a:ext>
-            </a:extLst>
-          </a:blip>
-          <a:stretch>
-            <a:fillRect/>
-          </a:stretch>
-        </p:blipFill>
-        <p:spPr>
-          <a:xfrm>
-            <a:off x="654107" y="73908"/>
-            <a:ext cx="6907242" cy="3453621"/>
-          </a:xfrm>
-          <a:prstGeom prst="rect">
-            <a:avLst/>
-          </a:prstGeom>
-        </p:spPr>
-      </p:pic>
       <p:cxnSp>
         <p:nvCxnSpPr>
           <p:cNvPr id="4" name="直接连接符 3">
@@ -7010,7 +6974,794 @@
                 <a:latin typeface="Arial" panose="020B0604020202020204" pitchFamily="34" charset="0"/>
                 <a:cs typeface="Arial" panose="020B0604020202020204" pitchFamily="34" charset="0"/>
               </a:rPr>
+              <a:t>C</a:t>
+            </a:r>
+          </a:p>
+        </p:txBody>
+      </p:sp>
+      <p:pic>
+        <p:nvPicPr>
+          <p:cNvPr id="5" name="图片 4" descr="电子设备的屏幕上写着字&#10;&#10;中度可信度描述已自动生成">
+            <a:extLst>
+              <a:ext uri="{FF2B5EF4-FFF2-40B4-BE49-F238E27FC236}">
+                <a16:creationId xmlns:a16="http://schemas.microsoft.com/office/drawing/2014/main" id="{E085CF48-FA20-02D6-5663-38440778C368}"/>
+              </a:ext>
+            </a:extLst>
+          </p:cNvPr>
+          <p:cNvPicPr>
+            <a:picLocks noChangeAspect="1"/>
+          </p:cNvPicPr>
+          <p:nvPr/>
+        </p:nvPicPr>
+        <p:blipFill>
+          <a:blip r:embed="rId4">
+            <a:extLst>
+              <a:ext uri="{28A0092B-C50C-407E-A947-70E740481C1C}">
+                <a14:useLocalDpi xmlns:a14="http://schemas.microsoft.com/office/drawing/2010/main" val="0"/>
+              </a:ext>
+            </a:extLst>
+          </a:blip>
+          <a:stretch>
+            <a:fillRect/>
+          </a:stretch>
+        </p:blipFill>
+        <p:spPr>
+          <a:xfrm>
+            <a:off x="634891" y="64476"/>
+            <a:ext cx="6912001" cy="3456000"/>
+          </a:xfrm>
+          <a:prstGeom prst="rect">
+            <a:avLst/>
+          </a:prstGeom>
+        </p:spPr>
+      </p:pic>
+      <p:grpSp>
+        <p:nvGrpSpPr>
+          <p:cNvPr id="53" name="组合 52">
+            <a:extLst>
+              <a:ext uri="{FF2B5EF4-FFF2-40B4-BE49-F238E27FC236}">
+                <a16:creationId xmlns:a16="http://schemas.microsoft.com/office/drawing/2014/main" id="{EAC01BE4-5BB3-7B10-EFCA-CEB015613EEA}"/>
+              </a:ext>
+            </a:extLst>
+          </p:cNvPr>
+          <p:cNvGrpSpPr/>
+          <p:nvPr/>
+        </p:nvGrpSpPr>
+        <p:grpSpPr>
+          <a:xfrm>
+            <a:off x="0" y="6133879"/>
+            <a:ext cx="4876800" cy="4490286"/>
+            <a:chOff x="116680" y="6467063"/>
+            <a:chExt cx="3636962" cy="3348712"/>
+          </a:xfrm>
+        </p:grpSpPr>
+        <p:grpSp>
+          <p:nvGrpSpPr>
+            <p:cNvPr id="52" name="组合 51">
+              <a:extLst>
+                <a:ext uri="{FF2B5EF4-FFF2-40B4-BE49-F238E27FC236}">
+                  <a16:creationId xmlns:a16="http://schemas.microsoft.com/office/drawing/2014/main" id="{4ED8AC7D-873C-7198-A51C-80AEBD10D8F5}"/>
+                </a:ext>
+              </a:extLst>
+            </p:cNvPr>
+            <p:cNvGrpSpPr/>
+            <p:nvPr/>
+          </p:nvGrpSpPr>
+          <p:grpSpPr>
+            <a:xfrm>
+              <a:off x="116680" y="6468497"/>
+              <a:ext cx="2002026" cy="1750806"/>
+              <a:chOff x="116680" y="6468497"/>
+              <a:chExt cx="2002026" cy="1750806"/>
+            </a:xfrm>
+          </p:grpSpPr>
+          <p:grpSp>
+            <p:nvGrpSpPr>
+              <p:cNvPr id="41" name="组合 40">
+                <a:extLst>
+                  <a:ext uri="{FF2B5EF4-FFF2-40B4-BE49-F238E27FC236}">
+                    <a16:creationId xmlns:a16="http://schemas.microsoft.com/office/drawing/2014/main" id="{FBD343A5-9B10-A8FE-74E2-1E7E9AE4A3FE}"/>
+                  </a:ext>
+                </a:extLst>
+              </p:cNvPr>
+              <p:cNvGrpSpPr/>
+              <p:nvPr/>
+            </p:nvGrpSpPr>
+            <p:grpSpPr>
+              <a:xfrm>
+                <a:off x="243007" y="6468497"/>
+                <a:ext cx="1750806" cy="1750806"/>
+                <a:chOff x="101599" y="6216452"/>
+                <a:chExt cx="2381250" cy="2381250"/>
+              </a:xfrm>
+            </p:grpSpPr>
+            <p:pic>
+              <p:nvPicPr>
+                <p:cNvPr id="11" name="图形 10">
+                  <a:extLst>
+                    <a:ext uri="{FF2B5EF4-FFF2-40B4-BE49-F238E27FC236}">
+                      <a16:creationId xmlns:a16="http://schemas.microsoft.com/office/drawing/2014/main" id="{83CA6596-D6D7-757E-A672-B98FA871FD6E}"/>
+                    </a:ext>
+                  </a:extLst>
+                </p:cNvPr>
+                <p:cNvPicPr>
+                  <a:picLocks noChangeAspect="1"/>
+                </p:cNvPicPr>
+                <p:nvPr/>
+              </p:nvPicPr>
+              <p:blipFill>
+                <a:blip r:embed="rId5">
+                  <a:extLst>
+                    <a:ext uri="{96DAC541-7B7A-43D3-8B79-37D633B846F1}">
+                      <asvg:svgBlip xmlns:asvg="http://schemas.microsoft.com/office/drawing/2016/SVG/main" r:embed="rId6"/>
+                    </a:ext>
+                  </a:extLst>
+                </a:blip>
+                <a:stretch>
+                  <a:fillRect/>
+                </a:stretch>
+              </p:blipFill>
+              <p:spPr>
+                <a:xfrm>
+                  <a:off x="101599" y="6216452"/>
+                  <a:ext cx="2381250" cy="2381250"/>
+                </a:xfrm>
+                <a:prstGeom prst="rect">
+                  <a:avLst/>
+                </a:prstGeom>
+              </p:spPr>
+            </p:pic>
+            <p:pic>
+              <p:nvPicPr>
+                <p:cNvPr id="22" name="图片 21" descr="形状&#10;&#10;中度可信度描述已自动生成">
+                  <a:extLst>
+                    <a:ext uri="{FF2B5EF4-FFF2-40B4-BE49-F238E27FC236}">
+                      <a16:creationId xmlns:a16="http://schemas.microsoft.com/office/drawing/2014/main" id="{C5E77B8A-7828-69FC-A752-274EBE7DF1EC}"/>
+                    </a:ext>
+                  </a:extLst>
+                </p:cNvPr>
+                <p:cNvPicPr>
+                  <a:picLocks noChangeAspect="1"/>
+                </p:cNvPicPr>
+                <p:nvPr/>
+              </p:nvPicPr>
+              <p:blipFill>
+                <a:blip r:embed="rId7">
+                  <a:extLst>
+                    <a:ext uri="{28A0092B-C50C-407E-A947-70E740481C1C}">
+                      <a14:useLocalDpi xmlns:a14="http://schemas.microsoft.com/office/drawing/2010/main" val="0"/>
+                    </a:ext>
+                  </a:extLst>
+                </a:blip>
+                <a:stretch>
+                  <a:fillRect/>
+                </a:stretch>
+              </p:blipFill>
+              <p:spPr>
+                <a:xfrm>
+                  <a:off x="377822" y="6252753"/>
+                  <a:ext cx="1828804" cy="914402"/>
+                </a:xfrm>
+                <a:prstGeom prst="rect">
+                  <a:avLst/>
+                </a:prstGeom>
+              </p:spPr>
+            </p:pic>
+          </p:grpSp>
+          <p:sp>
+            <p:nvSpPr>
+              <p:cNvPr id="44" name="文本框 43">
+                <a:extLst>
+                  <a:ext uri="{FF2B5EF4-FFF2-40B4-BE49-F238E27FC236}">
+                    <a16:creationId xmlns:a16="http://schemas.microsoft.com/office/drawing/2014/main" id="{96998552-1746-DCF9-27B2-2C8F95BD4751}"/>
+                  </a:ext>
+                </a:extLst>
+              </p:cNvPr>
+              <p:cNvSpPr txBox="1"/>
+              <p:nvPr/>
+            </p:nvSpPr>
+            <p:spPr>
+              <a:xfrm>
+                <a:off x="116680" y="7750290"/>
+                <a:ext cx="2002026" cy="322416"/>
+              </a:xfrm>
+              <a:prstGeom prst="rect">
+                <a:avLst/>
+              </a:prstGeom>
+              <a:noFill/>
+            </p:spPr>
+            <p:txBody>
+              <a:bodyPr wrap="square" rtlCol="0">
+                <a:spAutoFit/>
+              </a:bodyPr>
+              <a:lstStyle/>
+              <a:p>
+                <a:pPr algn="ctr"/>
+                <a:r>
+                  <a:rPr lang="en-US" altLang="zh-CN" sz="1000" dirty="0">
+                    <a:latin typeface="Arial" panose="020B0604020202020204" pitchFamily="34" charset="0"/>
+                    <a:cs typeface="Arial" panose="020B0604020202020204" pitchFamily="34" charset="0"/>
+                  </a:rPr>
+                  <a:t>Captured by All Samples </a:t>
+                </a:r>
+              </a:p>
+              <a:p>
+                <a:pPr algn="ctr"/>
+                <a:r>
+                  <a:rPr lang="en-US" altLang="zh-CN" sz="1000" dirty="0">
+                    <a:latin typeface="Arial" panose="020B0604020202020204" pitchFamily="34" charset="0"/>
+                    <a:cs typeface="Arial" panose="020B0604020202020204" pitchFamily="34" charset="0"/>
+                  </a:rPr>
+                  <a:t>in CCLE</a:t>
+                </a:r>
+              </a:p>
+            </p:txBody>
+          </p:sp>
+        </p:grpSp>
+        <p:grpSp>
+          <p:nvGrpSpPr>
+            <p:cNvPr id="50" name="组合 49">
+              <a:extLst>
+                <a:ext uri="{FF2B5EF4-FFF2-40B4-BE49-F238E27FC236}">
+                  <a16:creationId xmlns:a16="http://schemas.microsoft.com/office/drawing/2014/main" id="{E7C32C95-5AD1-5455-B5E4-298819890D2F}"/>
+                </a:ext>
+              </a:extLst>
+            </p:cNvPr>
+            <p:cNvGrpSpPr/>
+            <p:nvPr/>
+          </p:nvGrpSpPr>
+          <p:grpSpPr>
+            <a:xfrm>
+              <a:off x="116680" y="8063535"/>
+              <a:ext cx="2002026" cy="1752240"/>
+              <a:chOff x="116680" y="8063535"/>
+              <a:chExt cx="2002026" cy="1752240"/>
+            </a:xfrm>
+          </p:grpSpPr>
+          <p:grpSp>
+            <p:nvGrpSpPr>
+              <p:cNvPr id="40" name="组合 39">
+                <a:extLst>
+                  <a:ext uri="{FF2B5EF4-FFF2-40B4-BE49-F238E27FC236}">
+                    <a16:creationId xmlns:a16="http://schemas.microsoft.com/office/drawing/2014/main" id="{EDE3C8F7-CAD1-3599-1C5B-B88C31EB11DB}"/>
+                  </a:ext>
+                </a:extLst>
+              </p:cNvPr>
+              <p:cNvGrpSpPr/>
+              <p:nvPr/>
+            </p:nvGrpSpPr>
+            <p:grpSpPr>
+              <a:xfrm>
+                <a:off x="241573" y="8063535"/>
+                <a:ext cx="1752240" cy="1752240"/>
+                <a:chOff x="99649" y="8358755"/>
+                <a:chExt cx="2383200" cy="2383200"/>
+              </a:xfrm>
+            </p:grpSpPr>
+            <p:pic>
+              <p:nvPicPr>
+                <p:cNvPr id="30" name="图形 29">
+                  <a:extLst>
+                    <a:ext uri="{FF2B5EF4-FFF2-40B4-BE49-F238E27FC236}">
+                      <a16:creationId xmlns:a16="http://schemas.microsoft.com/office/drawing/2014/main" id="{2AC364E9-A76D-DDA8-71BA-6D693EB15578}"/>
+                    </a:ext>
+                  </a:extLst>
+                </p:cNvPr>
+                <p:cNvPicPr>
+                  <a:picLocks noChangeAspect="1"/>
+                </p:cNvPicPr>
+                <p:nvPr/>
+              </p:nvPicPr>
+              <p:blipFill>
+                <a:blip r:embed="rId8">
+                  <a:extLst>
+                    <a:ext uri="{96DAC541-7B7A-43D3-8B79-37D633B846F1}">
+                      <asvg:svgBlip xmlns:asvg="http://schemas.microsoft.com/office/drawing/2016/SVG/main" r:embed="rId9"/>
+                    </a:ext>
+                  </a:extLst>
+                </a:blip>
+                <a:stretch>
+                  <a:fillRect/>
+                </a:stretch>
+              </p:blipFill>
+              <p:spPr>
+                <a:xfrm>
+                  <a:off x="99649" y="8358755"/>
+                  <a:ext cx="2383200" cy="2383200"/>
+                </a:xfrm>
+                <a:prstGeom prst="rect">
+                  <a:avLst/>
+                </a:prstGeom>
+              </p:spPr>
+            </p:pic>
+            <p:pic>
+              <p:nvPicPr>
+                <p:cNvPr id="36" name="图片 35" descr="形状&#10;&#10;中度可信度描述已自动生成">
+                  <a:extLst>
+                    <a:ext uri="{FF2B5EF4-FFF2-40B4-BE49-F238E27FC236}">
+                      <a16:creationId xmlns:a16="http://schemas.microsoft.com/office/drawing/2014/main" id="{7091400C-4E28-F405-38BE-95A43396C093}"/>
+                    </a:ext>
+                  </a:extLst>
+                </p:cNvPr>
+                <p:cNvPicPr>
+                  <a:picLocks noChangeAspect="1"/>
+                </p:cNvPicPr>
+                <p:nvPr/>
+              </p:nvPicPr>
+              <p:blipFill>
+                <a:blip r:embed="rId10">
+                  <a:extLst>
+                    <a:ext uri="{28A0092B-C50C-407E-A947-70E740481C1C}">
+                      <a14:useLocalDpi xmlns:a14="http://schemas.microsoft.com/office/drawing/2010/main" val="0"/>
+                    </a:ext>
+                  </a:extLst>
+                </a:blip>
+                <a:stretch>
+                  <a:fillRect/>
+                </a:stretch>
+              </p:blipFill>
+              <p:spPr>
+                <a:xfrm>
+                  <a:off x="377822" y="8358755"/>
+                  <a:ext cx="1828804" cy="914402"/>
+                </a:xfrm>
+                <a:prstGeom prst="rect">
+                  <a:avLst/>
+                </a:prstGeom>
+              </p:spPr>
+            </p:pic>
+          </p:grpSp>
+          <p:sp>
+            <p:nvSpPr>
+              <p:cNvPr id="46" name="文本框 45">
+                <a:extLst>
+                  <a:ext uri="{FF2B5EF4-FFF2-40B4-BE49-F238E27FC236}">
+                    <a16:creationId xmlns:a16="http://schemas.microsoft.com/office/drawing/2014/main" id="{3FA845D2-143B-1A93-7E15-F534619E36AE}"/>
+                  </a:ext>
+                </a:extLst>
+              </p:cNvPr>
+              <p:cNvSpPr txBox="1"/>
+              <p:nvPr/>
+            </p:nvSpPr>
+            <p:spPr>
+              <a:xfrm>
+                <a:off x="116680" y="9381942"/>
+                <a:ext cx="2002026" cy="322416"/>
+              </a:xfrm>
+              <a:prstGeom prst="rect">
+                <a:avLst/>
+              </a:prstGeom>
+              <a:noFill/>
+            </p:spPr>
+            <p:txBody>
+              <a:bodyPr wrap="square" rtlCol="0">
+                <a:spAutoFit/>
+              </a:bodyPr>
+              <a:lstStyle/>
+              <a:p>
+                <a:pPr algn="ctr"/>
+                <a:r>
+                  <a:rPr lang="en-US" altLang="zh-CN" sz="1000" dirty="0">
+                    <a:latin typeface="Arial" panose="020B0604020202020204" pitchFamily="34" charset="0"/>
+                    <a:cs typeface="Arial" panose="020B0604020202020204" pitchFamily="34" charset="0"/>
+                  </a:rPr>
+                  <a:t>Captured by All Samples </a:t>
+                </a:r>
+              </a:p>
+              <a:p>
+                <a:pPr algn="ctr"/>
+                <a:r>
+                  <a:rPr lang="en-US" altLang="zh-CN" sz="1000" dirty="0">
+                    <a:latin typeface="Arial" panose="020B0604020202020204" pitchFamily="34" charset="0"/>
+                    <a:cs typeface="Arial" panose="020B0604020202020204" pitchFamily="34" charset="0"/>
+                  </a:rPr>
+                  <a:t>in GDSC</a:t>
+                </a:r>
+              </a:p>
+            </p:txBody>
+          </p:sp>
+        </p:grpSp>
+        <p:grpSp>
+          <p:nvGrpSpPr>
+            <p:cNvPr id="49" name="组合 48">
+              <a:extLst>
+                <a:ext uri="{FF2B5EF4-FFF2-40B4-BE49-F238E27FC236}">
+                  <a16:creationId xmlns:a16="http://schemas.microsoft.com/office/drawing/2014/main" id="{D621FD72-8750-0A08-99F9-EEDF0802641F}"/>
+                </a:ext>
+              </a:extLst>
+            </p:cNvPr>
+            <p:cNvGrpSpPr/>
+            <p:nvPr/>
+          </p:nvGrpSpPr>
+          <p:grpSpPr>
+            <a:xfrm>
+              <a:off x="1751616" y="8063535"/>
+              <a:ext cx="2002026" cy="1752240"/>
+              <a:chOff x="1751616" y="8063535"/>
+              <a:chExt cx="2002026" cy="1752240"/>
+            </a:xfrm>
+          </p:grpSpPr>
+          <p:grpSp>
+            <p:nvGrpSpPr>
+              <p:cNvPr id="39" name="组合 38">
+                <a:extLst>
+                  <a:ext uri="{FF2B5EF4-FFF2-40B4-BE49-F238E27FC236}">
+                    <a16:creationId xmlns:a16="http://schemas.microsoft.com/office/drawing/2014/main" id="{2A4CF2AB-519F-CD5E-1F2D-B6FDB9F22E71}"/>
+                  </a:ext>
+                </a:extLst>
+              </p:cNvPr>
+              <p:cNvGrpSpPr/>
+              <p:nvPr/>
+            </p:nvGrpSpPr>
+            <p:grpSpPr>
+              <a:xfrm>
+                <a:off x="1876509" y="8063535"/>
+                <a:ext cx="1752240" cy="1752240"/>
+                <a:chOff x="2482849" y="8358755"/>
+                <a:chExt cx="2383200" cy="2383200"/>
+              </a:xfrm>
+            </p:grpSpPr>
+            <p:pic>
+              <p:nvPicPr>
+                <p:cNvPr id="32" name="图形 31">
+                  <a:extLst>
+                    <a:ext uri="{FF2B5EF4-FFF2-40B4-BE49-F238E27FC236}">
+                      <a16:creationId xmlns:a16="http://schemas.microsoft.com/office/drawing/2014/main" id="{5B558437-3F05-37A1-43C6-4EF7EF903E4F}"/>
+                    </a:ext>
+                  </a:extLst>
+                </p:cNvPr>
+                <p:cNvPicPr>
+                  <a:picLocks noChangeAspect="1"/>
+                </p:cNvPicPr>
+                <p:nvPr/>
+              </p:nvPicPr>
+              <p:blipFill>
+                <a:blip r:embed="rId11">
+                  <a:extLst>
+                    <a:ext uri="{96DAC541-7B7A-43D3-8B79-37D633B846F1}">
+                      <asvg:svgBlip xmlns:asvg="http://schemas.microsoft.com/office/drawing/2016/SVG/main" r:embed="rId12"/>
+                    </a:ext>
+                  </a:extLst>
+                </a:blip>
+                <a:stretch>
+                  <a:fillRect/>
+                </a:stretch>
+              </p:blipFill>
+              <p:spPr>
+                <a:xfrm>
+                  <a:off x="2482849" y="8358755"/>
+                  <a:ext cx="2383200" cy="2383200"/>
+                </a:xfrm>
+                <a:prstGeom prst="rect">
+                  <a:avLst/>
+                </a:prstGeom>
+              </p:spPr>
+            </p:pic>
+            <p:pic>
+              <p:nvPicPr>
+                <p:cNvPr id="38" name="图片 37" descr="形状&#10;&#10;中度可信度描述已自动生成">
+                  <a:extLst>
+                    <a:ext uri="{FF2B5EF4-FFF2-40B4-BE49-F238E27FC236}">
+                      <a16:creationId xmlns:a16="http://schemas.microsoft.com/office/drawing/2014/main" id="{5AFA1725-9C9C-CBCE-71C2-4C6F1C5DB761}"/>
+                    </a:ext>
+                  </a:extLst>
+                </p:cNvPr>
+                <p:cNvPicPr>
+                  <a:picLocks noChangeAspect="1"/>
+                </p:cNvPicPr>
+                <p:nvPr/>
+              </p:nvPicPr>
+              <p:blipFill>
+                <a:blip r:embed="rId13">
+                  <a:extLst>
+                    <a:ext uri="{28A0092B-C50C-407E-A947-70E740481C1C}">
+                      <a14:useLocalDpi xmlns:a14="http://schemas.microsoft.com/office/drawing/2010/main" val="0"/>
+                    </a:ext>
+                  </a:extLst>
+                </a:blip>
+                <a:stretch>
+                  <a:fillRect/>
+                </a:stretch>
+              </p:blipFill>
+              <p:spPr>
+                <a:xfrm>
+                  <a:off x="2760047" y="8358755"/>
+                  <a:ext cx="1828804" cy="914402"/>
+                </a:xfrm>
+                <a:prstGeom prst="rect">
+                  <a:avLst/>
+                </a:prstGeom>
+              </p:spPr>
+            </p:pic>
+          </p:grpSp>
+          <p:sp>
+            <p:nvSpPr>
+              <p:cNvPr id="47" name="文本框 46">
+                <a:extLst>
+                  <a:ext uri="{FF2B5EF4-FFF2-40B4-BE49-F238E27FC236}">
+                    <a16:creationId xmlns:a16="http://schemas.microsoft.com/office/drawing/2014/main" id="{EBBF0C4F-A037-5293-B3DA-90CEB884F1D7}"/>
+                  </a:ext>
+                </a:extLst>
+              </p:cNvPr>
+              <p:cNvSpPr txBox="1"/>
+              <p:nvPr/>
+            </p:nvSpPr>
+            <p:spPr>
+              <a:xfrm>
+                <a:off x="1751616" y="9381942"/>
+                <a:ext cx="2002026" cy="322416"/>
+              </a:xfrm>
+              <a:prstGeom prst="rect">
+                <a:avLst/>
+              </a:prstGeom>
+              <a:noFill/>
+            </p:spPr>
+            <p:txBody>
+              <a:bodyPr wrap="square" rtlCol="0">
+                <a:spAutoFit/>
+              </a:bodyPr>
+              <a:lstStyle/>
+              <a:p>
+                <a:pPr algn="ctr"/>
+                <a:r>
+                  <a:rPr lang="en-US" altLang="zh-CN" sz="1000" dirty="0">
+                    <a:latin typeface="Arial" panose="020B0604020202020204" pitchFamily="34" charset="0"/>
+                    <a:cs typeface="Arial" panose="020B0604020202020204" pitchFamily="34" charset="0"/>
+                  </a:rPr>
+                  <a:t>Captured by Sensitive Samples </a:t>
+                </a:r>
+              </a:p>
+              <a:p>
+                <a:pPr algn="ctr"/>
+                <a:r>
+                  <a:rPr lang="en-US" altLang="zh-CN" sz="1000" dirty="0">
+                    <a:latin typeface="Arial" panose="020B0604020202020204" pitchFamily="34" charset="0"/>
+                    <a:cs typeface="Arial" panose="020B0604020202020204" pitchFamily="34" charset="0"/>
+                  </a:rPr>
+                  <a:t>in GDSC</a:t>
+                </a:r>
+              </a:p>
+            </p:txBody>
+          </p:sp>
+        </p:grpSp>
+        <p:grpSp>
+          <p:nvGrpSpPr>
+            <p:cNvPr id="51" name="组合 50">
+              <a:extLst>
+                <a:ext uri="{FF2B5EF4-FFF2-40B4-BE49-F238E27FC236}">
+                  <a16:creationId xmlns:a16="http://schemas.microsoft.com/office/drawing/2014/main" id="{6A82007E-E60E-9CC4-B3D2-B04AA7E45C9F}"/>
+                </a:ext>
+              </a:extLst>
+            </p:cNvPr>
+            <p:cNvGrpSpPr/>
+            <p:nvPr/>
+          </p:nvGrpSpPr>
+          <p:grpSpPr>
+            <a:xfrm>
+              <a:off x="1751616" y="6467063"/>
+              <a:ext cx="2002026" cy="1752240"/>
+              <a:chOff x="1751616" y="6467063"/>
+              <a:chExt cx="2002026" cy="1752240"/>
+            </a:xfrm>
+          </p:grpSpPr>
+          <p:grpSp>
+            <p:nvGrpSpPr>
+              <p:cNvPr id="42" name="组合 41">
+                <a:extLst>
+                  <a:ext uri="{FF2B5EF4-FFF2-40B4-BE49-F238E27FC236}">
+                    <a16:creationId xmlns:a16="http://schemas.microsoft.com/office/drawing/2014/main" id="{05AA9B85-DD4E-3EAB-C041-FB12B9B612A6}"/>
+                  </a:ext>
+                </a:extLst>
+              </p:cNvPr>
+              <p:cNvGrpSpPr/>
+              <p:nvPr/>
+            </p:nvGrpSpPr>
+            <p:grpSpPr>
+              <a:xfrm>
+                <a:off x="1865421" y="6467063"/>
+                <a:ext cx="1752240" cy="1752240"/>
+                <a:chOff x="2482849" y="6214502"/>
+                <a:chExt cx="2383200" cy="2383200"/>
+              </a:xfrm>
+            </p:grpSpPr>
+            <p:pic>
+              <p:nvPicPr>
+                <p:cNvPr id="26" name="图形 25">
+                  <a:extLst>
+                    <a:ext uri="{FF2B5EF4-FFF2-40B4-BE49-F238E27FC236}">
+                      <a16:creationId xmlns:a16="http://schemas.microsoft.com/office/drawing/2014/main" id="{E4356454-06A2-10B1-2E78-3758588F1FBF}"/>
+                    </a:ext>
+                  </a:extLst>
+                </p:cNvPr>
+                <p:cNvPicPr>
+                  <a:picLocks noChangeAspect="1"/>
+                </p:cNvPicPr>
+                <p:nvPr/>
+              </p:nvPicPr>
+              <p:blipFill>
+                <a:blip r:embed="rId14">
+                  <a:extLst>
+                    <a:ext uri="{96DAC541-7B7A-43D3-8B79-37D633B846F1}">
+                      <asvg:svgBlip xmlns:asvg="http://schemas.microsoft.com/office/drawing/2016/SVG/main" r:embed="rId15"/>
+                    </a:ext>
+                  </a:extLst>
+                </a:blip>
+                <a:stretch>
+                  <a:fillRect/>
+                </a:stretch>
+              </p:blipFill>
+              <p:spPr>
+                <a:xfrm>
+                  <a:off x="2482849" y="6214502"/>
+                  <a:ext cx="2383200" cy="2383200"/>
+                </a:xfrm>
+                <a:prstGeom prst="rect">
+                  <a:avLst/>
+                </a:prstGeom>
+              </p:spPr>
+            </p:pic>
+            <p:pic>
+              <p:nvPicPr>
+                <p:cNvPr id="34" name="图片 33" descr="形状&#10;&#10;中度可信度描述已自动生成">
+                  <a:extLst>
+                    <a:ext uri="{FF2B5EF4-FFF2-40B4-BE49-F238E27FC236}">
+                      <a16:creationId xmlns:a16="http://schemas.microsoft.com/office/drawing/2014/main" id="{AEE3339E-517A-D129-7441-A4066B9E224D}"/>
+                    </a:ext>
+                  </a:extLst>
+                </p:cNvPr>
+                <p:cNvPicPr>
+                  <a:picLocks noChangeAspect="1"/>
+                </p:cNvPicPr>
+                <p:nvPr/>
+              </p:nvPicPr>
+              <p:blipFill>
+                <a:blip r:embed="rId16">
+                  <a:extLst>
+                    <a:ext uri="{28A0092B-C50C-407E-A947-70E740481C1C}">
+                      <a14:useLocalDpi xmlns:a14="http://schemas.microsoft.com/office/drawing/2010/main" val="0"/>
+                    </a:ext>
+                  </a:extLst>
+                </a:blip>
+                <a:stretch>
+                  <a:fillRect/>
+                </a:stretch>
+              </p:blipFill>
+              <p:spPr>
+                <a:xfrm>
+                  <a:off x="2760047" y="6252753"/>
+                  <a:ext cx="1828804" cy="914402"/>
+                </a:xfrm>
+                <a:prstGeom prst="rect">
+                  <a:avLst/>
+                </a:prstGeom>
+              </p:spPr>
+            </p:pic>
+          </p:grpSp>
+          <p:sp>
+            <p:nvSpPr>
+              <p:cNvPr id="48" name="文本框 47">
+                <a:extLst>
+                  <a:ext uri="{FF2B5EF4-FFF2-40B4-BE49-F238E27FC236}">
+                    <a16:creationId xmlns:a16="http://schemas.microsoft.com/office/drawing/2014/main" id="{621F0D9D-04FF-E3AE-ABDF-36F3C66CED62}"/>
+                  </a:ext>
+                </a:extLst>
+              </p:cNvPr>
+              <p:cNvSpPr txBox="1"/>
+              <p:nvPr/>
+            </p:nvSpPr>
+            <p:spPr>
+              <a:xfrm>
+                <a:off x="1751616" y="7744791"/>
+                <a:ext cx="2002026" cy="322416"/>
+              </a:xfrm>
+              <a:prstGeom prst="rect">
+                <a:avLst/>
+              </a:prstGeom>
+              <a:noFill/>
+            </p:spPr>
+            <p:txBody>
+              <a:bodyPr wrap="square" rtlCol="0">
+                <a:spAutoFit/>
+              </a:bodyPr>
+              <a:lstStyle/>
+              <a:p>
+                <a:pPr algn="ctr"/>
+                <a:r>
+                  <a:rPr lang="en-US" altLang="zh-CN" sz="1000" dirty="0">
+                    <a:latin typeface="Arial" panose="020B0604020202020204" pitchFamily="34" charset="0"/>
+                    <a:cs typeface="Arial" panose="020B0604020202020204" pitchFamily="34" charset="0"/>
+                  </a:rPr>
+                  <a:t>Captured by Sensitive Samples </a:t>
+                </a:r>
+              </a:p>
+              <a:p>
+                <a:pPr algn="ctr"/>
+                <a:r>
+                  <a:rPr lang="en-US" altLang="zh-CN" sz="1000" dirty="0">
+                    <a:latin typeface="Arial" panose="020B0604020202020204" pitchFamily="34" charset="0"/>
+                    <a:cs typeface="Arial" panose="020B0604020202020204" pitchFamily="34" charset="0"/>
+                  </a:rPr>
+                  <a:t>in CCLE</a:t>
+                </a:r>
+              </a:p>
+            </p:txBody>
+          </p:sp>
+        </p:grpSp>
+      </p:grpSp>
+      <p:sp>
+        <p:nvSpPr>
+          <p:cNvPr id="54" name="文本框 53">
+            <a:extLst>
+              <a:ext uri="{FF2B5EF4-FFF2-40B4-BE49-F238E27FC236}">
+                <a16:creationId xmlns:a16="http://schemas.microsoft.com/office/drawing/2014/main" id="{9F4AAA69-6BAC-074E-E82A-8705914AB41B}"/>
+              </a:ext>
+            </a:extLst>
+          </p:cNvPr>
+          <p:cNvSpPr txBox="1"/>
+          <p:nvPr/>
+        </p:nvSpPr>
+        <p:spPr>
+          <a:xfrm>
+            <a:off x="7115941" y="16175"/>
+            <a:ext cx="395220" cy="369332"/>
+          </a:xfrm>
+          <a:prstGeom prst="rect">
+            <a:avLst/>
+          </a:prstGeom>
+          <a:noFill/>
+        </p:spPr>
+        <p:txBody>
+          <a:bodyPr wrap="square" rtlCol="0">
+            <a:spAutoFit/>
+          </a:bodyPr>
+          <a:lstStyle/>
+          <a:p>
+            <a:pPr algn="ctr"/>
+            <a:r>
+              <a:rPr lang="en-US" altLang="zh-CN" dirty="0">
+                <a:latin typeface="Arial" panose="020B0604020202020204" pitchFamily="34" charset="0"/>
+                <a:cs typeface="Arial" panose="020B0604020202020204" pitchFamily="34" charset="0"/>
+              </a:rPr>
               <a:t>B</a:t>
+            </a:r>
+          </a:p>
+        </p:txBody>
+      </p:sp>
+      <p:sp>
+        <p:nvSpPr>
+          <p:cNvPr id="55" name="文本框 54">
+            <a:extLst>
+              <a:ext uri="{FF2B5EF4-FFF2-40B4-BE49-F238E27FC236}">
+                <a16:creationId xmlns:a16="http://schemas.microsoft.com/office/drawing/2014/main" id="{A1EC37E1-B7BD-6373-E96D-86E41379651A}"/>
+              </a:ext>
+            </a:extLst>
+          </p:cNvPr>
+          <p:cNvSpPr txBox="1"/>
+          <p:nvPr/>
+        </p:nvSpPr>
+        <p:spPr>
+          <a:xfrm>
+            <a:off x="0" y="6230800"/>
+            <a:ext cx="395220" cy="369332"/>
+          </a:xfrm>
+          <a:prstGeom prst="rect">
+            <a:avLst/>
+          </a:prstGeom>
+          <a:noFill/>
+        </p:spPr>
+        <p:txBody>
+          <a:bodyPr wrap="square" rtlCol="0">
+            <a:spAutoFit/>
+          </a:bodyPr>
+          <a:lstStyle/>
+          <a:p>
+            <a:pPr algn="ctr"/>
+            <a:r>
+              <a:rPr lang="en-US" altLang="zh-CN" dirty="0">
+                <a:latin typeface="Arial" panose="020B0604020202020204" pitchFamily="34" charset="0"/>
+                <a:cs typeface="Arial" panose="020B0604020202020204" pitchFamily="34" charset="0"/>
+              </a:rPr>
+              <a:t>D</a:t>
             </a:r>
           </a:p>
         </p:txBody>
